--- a/docs/final_presentation_ben.pptx
+++ b/docs/final_presentation_ben.pptx
@@ -11,11 +11,19 @@
     <p:sldId id="259" r:id="rId5"/>
     <p:sldId id="258" r:id="rId6"/>
     <p:sldId id="261" r:id="rId7"/>
-    <p:sldId id="263" r:id="rId8"/>
+    <p:sldId id="267" r:id="rId8"/>
     <p:sldId id="262" r:id="rId9"/>
     <p:sldId id="264" r:id="rId10"/>
-    <p:sldId id="265" r:id="rId11"/>
-    <p:sldId id="266" r:id="rId12"/>
+    <p:sldId id="274" r:id="rId11"/>
+    <p:sldId id="275" r:id="rId12"/>
+    <p:sldId id="265" r:id="rId13"/>
+    <p:sldId id="266" r:id="rId14"/>
+    <p:sldId id="268" r:id="rId15"/>
+    <p:sldId id="269" r:id="rId16"/>
+    <p:sldId id="270" r:id="rId17"/>
+    <p:sldId id="271" r:id="rId18"/>
+    <p:sldId id="272" r:id="rId19"/>
+    <p:sldId id="273" r:id="rId20"/>
   </p:sldIdLst>
   <p:sldSz cx="9144000" cy="6858000" type="screen4x3"/>
   <p:notesSz cx="6858000" cy="9144000"/>
@@ -742,7 +750,8 @@
           <a:p>
             <a:fld id="{E85DD8AD-C494-4B9A-9348-233566F768E2}" type="datetimeFigureOut">
               <a:rPr lang="en-US" smtClean="0"/>
-              <a:t>11/28/2012</a:t>
+              <a:pPr/>
+              <a:t>11/29/2012</a:t>
             </a:fld>
             <a:endParaRPr lang="en-US"/>
           </a:p>
@@ -804,6 +813,7 @@
           <a:p>
             <a:fld id="{A8A42A51-9A24-4653-99A9-FA7FEEC5E3F5}" type="slidenum">
               <a:rPr lang="en-US" smtClean="0"/>
+              <a:pPr/>
               <a:t>‹#›</a:t>
             </a:fld>
             <a:endParaRPr lang="en-US"/>
@@ -938,7 +948,8 @@
           <a:p>
             <a:fld id="{E85DD8AD-C494-4B9A-9348-233566F768E2}" type="datetimeFigureOut">
               <a:rPr lang="en-US" smtClean="0"/>
-              <a:t>11/28/2012</a:t>
+              <a:pPr/>
+              <a:t>11/29/2012</a:t>
             </a:fld>
             <a:endParaRPr lang="en-US"/>
           </a:p>
@@ -984,6 +995,7 @@
           <a:p>
             <a:fld id="{A8A42A51-9A24-4653-99A9-FA7FEEC5E3F5}" type="slidenum">
               <a:rPr lang="en-US" smtClean="0"/>
+              <a:pPr/>
               <a:t>‹#›</a:t>
             </a:fld>
             <a:endParaRPr lang="en-US"/>
@@ -1123,7 +1135,8 @@
           <a:p>
             <a:fld id="{E85DD8AD-C494-4B9A-9348-233566F768E2}" type="datetimeFigureOut">
               <a:rPr lang="en-US" smtClean="0"/>
-              <a:t>11/28/2012</a:t>
+              <a:pPr/>
+              <a:t>11/29/2012</a:t>
             </a:fld>
             <a:endParaRPr lang="en-US"/>
           </a:p>
@@ -1169,6 +1182,7 @@
           <a:p>
             <a:fld id="{A8A42A51-9A24-4653-99A9-FA7FEEC5E3F5}" type="slidenum">
               <a:rPr lang="en-US" smtClean="0"/>
+              <a:pPr/>
               <a:t>‹#›</a:t>
             </a:fld>
             <a:endParaRPr lang="en-US"/>
@@ -1273,7 +1287,8 @@
           <a:p>
             <a:fld id="{E85DD8AD-C494-4B9A-9348-233566F768E2}" type="datetimeFigureOut">
               <a:rPr lang="en-US" smtClean="0"/>
-              <a:t>11/28/2012</a:t>
+              <a:pPr/>
+              <a:t>11/29/2012</a:t>
             </a:fld>
             <a:endParaRPr lang="en-US"/>
           </a:p>
@@ -1319,6 +1334,7 @@
           <a:p>
             <a:fld id="{A8A42A51-9A24-4653-99A9-FA7FEEC5E3F5}" type="slidenum">
               <a:rPr lang="en-US" smtClean="0"/>
+              <a:pPr/>
               <a:t>‹#›</a:t>
             </a:fld>
             <a:endParaRPr lang="en-US"/>
@@ -1528,7 +1544,8 @@
           <a:p>
             <a:fld id="{E85DD8AD-C494-4B9A-9348-233566F768E2}" type="datetimeFigureOut">
               <a:rPr lang="en-US" smtClean="0"/>
-              <a:t>11/28/2012</a:t>
+              <a:pPr/>
+              <a:t>11/29/2012</a:t>
             </a:fld>
             <a:endParaRPr lang="en-US"/>
           </a:p>
@@ -1574,6 +1591,7 @@
           <a:p>
             <a:fld id="{A8A42A51-9A24-4653-99A9-FA7FEEC5E3F5}" type="slidenum">
               <a:rPr lang="en-US" smtClean="0"/>
+              <a:pPr/>
               <a:t>‹#›</a:t>
             </a:fld>
             <a:endParaRPr lang="en-US"/>
@@ -1937,7 +1955,8 @@
           <a:p>
             <a:fld id="{E85DD8AD-C494-4B9A-9348-233566F768E2}" type="datetimeFigureOut">
               <a:rPr lang="en-US" smtClean="0"/>
-              <a:t>11/28/2012</a:t>
+              <a:pPr/>
+              <a:t>11/29/2012</a:t>
             </a:fld>
             <a:endParaRPr lang="en-US"/>
           </a:p>
@@ -1983,6 +2002,7 @@
           <a:p>
             <a:fld id="{A8A42A51-9A24-4653-99A9-FA7FEEC5E3F5}" type="slidenum">
               <a:rPr lang="en-US" smtClean="0"/>
+              <a:pPr/>
               <a:t>‹#›</a:t>
             </a:fld>
             <a:endParaRPr lang="en-US"/>
@@ -2383,7 +2403,8 @@
           <a:p>
             <a:fld id="{E85DD8AD-C494-4B9A-9348-233566F768E2}" type="datetimeFigureOut">
               <a:rPr lang="en-US" smtClean="0"/>
-              <a:t>11/28/2012</a:t>
+              <a:pPr/>
+              <a:t>11/29/2012</a:t>
             </a:fld>
             <a:endParaRPr lang="en-US"/>
           </a:p>
@@ -2429,6 +2450,7 @@
           <a:p>
             <a:fld id="{A8A42A51-9A24-4653-99A9-FA7FEEC5E3F5}" type="slidenum">
               <a:rPr lang="en-US" smtClean="0"/>
+              <a:pPr/>
               <a:t>‹#›</a:t>
             </a:fld>
             <a:endParaRPr lang="en-US"/>
@@ -2484,7 +2506,8 @@
           <a:p>
             <a:fld id="{E85DD8AD-C494-4B9A-9348-233566F768E2}" type="datetimeFigureOut">
               <a:rPr lang="en-US" smtClean="0"/>
-              <a:t>11/28/2012</a:t>
+              <a:pPr/>
+              <a:t>11/29/2012</a:t>
             </a:fld>
             <a:endParaRPr lang="en-US"/>
           </a:p>
@@ -2530,6 +2553,7 @@
           <a:p>
             <a:fld id="{A8A42A51-9A24-4653-99A9-FA7FEEC5E3F5}" type="slidenum">
               <a:rPr lang="en-US" smtClean="0"/>
+              <a:pPr/>
               <a:t>‹#›</a:t>
             </a:fld>
             <a:endParaRPr lang="en-US"/>
@@ -2605,7 +2629,8 @@
           <a:p>
             <a:fld id="{E85DD8AD-C494-4B9A-9348-233566F768E2}" type="datetimeFigureOut">
               <a:rPr lang="en-US" smtClean="0"/>
-              <a:t>11/28/2012</a:t>
+              <a:pPr/>
+              <a:t>11/29/2012</a:t>
             </a:fld>
             <a:endParaRPr lang="en-US"/>
           </a:p>
@@ -2651,6 +2676,7 @@
           <a:p>
             <a:fld id="{A8A42A51-9A24-4653-99A9-FA7FEEC5E3F5}" type="slidenum">
               <a:rPr lang="en-US" smtClean="0"/>
+              <a:pPr/>
               <a:t>‹#›</a:t>
             </a:fld>
             <a:endParaRPr lang="en-US"/>
@@ -2879,7 +2905,8 @@
           <a:p>
             <a:fld id="{E85DD8AD-C494-4B9A-9348-233566F768E2}" type="datetimeFigureOut">
               <a:rPr lang="en-US" smtClean="0"/>
-              <a:t>11/28/2012</a:t>
+              <a:pPr/>
+              <a:t>11/29/2012</a:t>
             </a:fld>
             <a:endParaRPr lang="en-US"/>
           </a:p>
@@ -2925,6 +2952,7 @@
           <a:p>
             <a:fld id="{A8A42A51-9A24-4653-99A9-FA7FEEC5E3F5}" type="slidenum">
               <a:rPr lang="en-US" smtClean="0"/>
+              <a:pPr/>
               <a:t>‹#›</a:t>
             </a:fld>
             <a:endParaRPr lang="en-US"/>
@@ -3084,7 +3112,8 @@
           <a:p>
             <a:fld id="{E85DD8AD-C494-4B9A-9348-233566F768E2}" type="datetimeFigureOut">
               <a:rPr lang="en-US" smtClean="0"/>
-              <a:t>11/28/2012</a:t>
+              <a:pPr/>
+              <a:t>11/29/2012</a:t>
             </a:fld>
             <a:endParaRPr lang="en-US"/>
           </a:p>
@@ -3149,6 +3178,7 @@
           <a:p>
             <a:fld id="{A8A42A51-9A24-4653-99A9-FA7FEEC5E3F5}" type="slidenum">
               <a:rPr lang="en-US" smtClean="0"/>
+              <a:pPr/>
               <a:t>‹#›</a:t>
             </a:fld>
             <a:endParaRPr lang="en-US"/>
@@ -4193,7 +4223,8 @@
           <a:p>
             <a:fld id="{E85DD8AD-C494-4B9A-9348-233566F768E2}" type="datetimeFigureOut">
               <a:rPr lang="en-US" smtClean="0"/>
-              <a:t>11/28/2012</a:t>
+              <a:pPr/>
+              <a:t>11/29/2012</a:t>
             </a:fld>
             <a:endParaRPr lang="en-US"/>
           </a:p>
@@ -4269,6 +4300,7 @@
           <a:p>
             <a:fld id="{A8A42A51-9A24-4653-99A9-FA7FEEC5E3F5}" type="slidenum">
               <a:rPr lang="en-US" smtClean="0"/>
+              <a:pPr/>
               <a:t>‹#›</a:t>
             </a:fld>
             <a:endParaRPr lang="en-US"/>
@@ -4626,13 +4658,7 @@
               <a:rPr lang="en-US" sz="2000" dirty="0" smtClean="0">
                 <a:latin typeface="Alien Encounters Solid" pitchFamily="2" charset="0"/>
               </a:rPr>
-              <a:t>r</a:t>
-            </a:r>
-            <a:r>
-              <a:rPr lang="en-US" sz="2000" dirty="0" smtClean="0">
-                <a:latin typeface="Alien Encounters Solid" pitchFamily="2" charset="0"/>
-              </a:rPr>
-              <a:t>emote access infrastructure for </a:t>
+              <a:t>remote access infrastructure for </a:t>
             </a:r>
           </a:p>
           <a:p>
@@ -4905,6 +4931,247 @@
             <p:ph idx="1"/>
           </p:nvPr>
         </p:nvSpPr>
+        <p:spPr/>
+        <p:txBody>
+          <a:bodyPr>
+            <a:normAutofit/>
+          </a:bodyPr>
+          <a:lstStyle/>
+          <a:p>
+            <a:r>
+              <a:rPr lang="en-US" sz="2800" dirty="0" smtClean="0"/>
+              <a:t>To demo the RAICHU servers capabilities the team has come up with several hardware implementations that can show the diversity of the system.</a:t>
+            </a:r>
+          </a:p>
+          <a:p>
+            <a:pPr lvl="1"/>
+            <a:r>
+              <a:rPr lang="en-US" sz="2400" dirty="0" smtClean="0"/>
+              <a:t>RC car</a:t>
+            </a:r>
+          </a:p>
+          <a:p>
+            <a:pPr lvl="1"/>
+            <a:r>
+              <a:rPr lang="en-US" sz="2400" dirty="0" smtClean="0"/>
+              <a:t>P</a:t>
+            </a:r>
+            <a:r>
+              <a:rPr lang="en-US" sz="2400" dirty="0" smtClean="0"/>
+              <a:t>ower bank</a:t>
+            </a:r>
+          </a:p>
+          <a:p>
+            <a:pPr lvl="1"/>
+            <a:r>
+              <a:rPr lang="en-US" sz="2400" dirty="0" smtClean="0"/>
+              <a:t>Mp3 player</a:t>
+            </a:r>
+            <a:endParaRPr lang="en-US" sz="2400" dirty="0" smtClean="0"/>
+          </a:p>
+          <a:p>
+            <a:pPr>
+              <a:buNone/>
+            </a:pPr>
+            <a:endParaRPr lang="en-US" sz="2800" dirty="0" smtClean="0"/>
+          </a:p>
+          <a:p>
+            <a:pPr>
+              <a:buNone/>
+            </a:pPr>
+            <a:endParaRPr lang="en-US" sz="2800" dirty="0" smtClean="0"/>
+          </a:p>
+        </p:txBody>
+      </p:sp>
+      <p:sp>
+        <p:nvSpPr>
+          <p:cNvPr id="3" name="Title 2"/>
+          <p:cNvSpPr>
+            <a:spLocks noGrp="1"/>
+          </p:cNvSpPr>
+          <p:nvPr>
+            <p:ph type="title"/>
+          </p:nvPr>
+        </p:nvSpPr>
+        <p:spPr/>
+        <p:txBody>
+          <a:bodyPr/>
+          <a:lstStyle/>
+          <a:p>
+            <a:pPr algn="ctr"/>
+            <a:r>
+              <a:rPr lang="en-US" b="0" u="sng" dirty="0" smtClean="0">
+                <a:latin typeface="Alien Encounters Solid" pitchFamily="2" charset="0"/>
+              </a:rPr>
+              <a:t>Hardware Applications</a:t>
+            </a:r>
+            <a:endParaRPr lang="en-US" b="0" dirty="0">
+              <a:latin typeface="Lucida Console" pitchFamily="49" charset="0"/>
+            </a:endParaRPr>
+          </a:p>
+        </p:txBody>
+      </p:sp>
+    </p:spTree>
+  </p:cSld>
+  <p:clrMapOvr>
+    <a:masterClrMapping/>
+  </p:clrMapOvr>
+  <p:timing>
+    <p:tnLst>
+      <p:par>
+        <p:cTn id="1" dur="indefinite" restart="never" nodeType="tmRoot"/>
+      </p:par>
+    </p:tnLst>
+  </p:timing>
+</p:sld>
+</file>
+
+<file path=ppt/slides/slide11.xml><?xml version="1.0" encoding="utf-8"?>
+<p:sld xmlns:a="http://schemas.openxmlformats.org/drawingml/2006/main" xmlns:r="http://schemas.openxmlformats.org/officeDocument/2006/relationships" xmlns:p="http://schemas.openxmlformats.org/presentationml/2006/main">
+  <p:cSld>
+    <p:spTree>
+      <p:nvGrpSpPr>
+        <p:cNvPr id="1" name=""/>
+        <p:cNvGrpSpPr/>
+        <p:nvPr/>
+      </p:nvGrpSpPr>
+      <p:grpSpPr>
+        <a:xfrm>
+          <a:off x="0" y="0"/>
+          <a:ext cx="0" cy="0"/>
+          <a:chOff x="0" y="0"/>
+          <a:chExt cx="0" cy="0"/>
+        </a:xfrm>
+      </p:grpSpPr>
+      <p:sp>
+        <p:nvSpPr>
+          <p:cNvPr id="2" name="Content Placeholder 1"/>
+          <p:cNvSpPr>
+            <a:spLocks noGrp="1"/>
+          </p:cNvSpPr>
+          <p:nvPr>
+            <p:ph idx="1"/>
+          </p:nvPr>
+        </p:nvSpPr>
+        <p:spPr/>
+        <p:txBody>
+          <a:bodyPr>
+            <a:normAutofit fontScale="62500" lnSpcReduction="20000"/>
+          </a:bodyPr>
+          <a:lstStyle/>
+          <a:p>
+            <a:r>
+              <a:rPr lang="en-US" sz="2800" dirty="0" smtClean="0"/>
+              <a:t>Each device implementation utilizes a different set of commands and functionality.</a:t>
+            </a:r>
+          </a:p>
+          <a:p>
+            <a:r>
+              <a:rPr lang="en-US" sz="2800" dirty="0" smtClean="0"/>
+              <a:t>The RC car allows users to drive(forward-back, left-right) while the device relays pertinent information back to the user such as GPS location, heading, speed, and if obstacles may obstruct path.</a:t>
+            </a:r>
+          </a:p>
+          <a:p>
+            <a:r>
+              <a:rPr lang="en-US" sz="2800" dirty="0" smtClean="0"/>
+              <a:t>The power back allows the user to turn on and off two outlets independently that are located within the same wall socket and relays back the state of each switch.</a:t>
+            </a:r>
+          </a:p>
+          <a:p>
+            <a:r>
+              <a:rPr lang="en-US" sz="2800" dirty="0" smtClean="0"/>
+              <a:t>The Mp3 player allows the user to play, pause, seek forward and back and relays the song title and duration of tracks, as well other tracks that can be selected.</a:t>
+            </a:r>
+          </a:p>
+          <a:p>
+            <a:r>
+              <a:rPr lang="en-US" sz="2800" dirty="0" smtClean="0"/>
+              <a:t>Although each device represents a different aspect of everyday life, the RAICHU </a:t>
+            </a:r>
+            <a:r>
+              <a:rPr lang="en-US" sz="2800" dirty="0" smtClean="0"/>
+              <a:t>API allows developers to use the same code structure across a wide array of devices. To show RAICHU’s ability to be injected into an already viable and living code source, both the power bank and RC car were fitted with RAICHU functionality at the end of the development period. The power bank was designed from the beginning to target the RAICHU platform.</a:t>
+            </a:r>
+            <a:endParaRPr lang="en-US" sz="2800" dirty="0" smtClean="0"/>
+          </a:p>
+          <a:p>
+            <a:pPr>
+              <a:buNone/>
+            </a:pPr>
+            <a:endParaRPr lang="en-US" sz="2800" dirty="0" smtClean="0"/>
+          </a:p>
+        </p:txBody>
+      </p:sp>
+      <p:sp>
+        <p:nvSpPr>
+          <p:cNvPr id="3" name="Title 2"/>
+          <p:cNvSpPr>
+            <a:spLocks noGrp="1"/>
+          </p:cNvSpPr>
+          <p:nvPr>
+            <p:ph type="title"/>
+          </p:nvPr>
+        </p:nvSpPr>
+        <p:spPr/>
+        <p:txBody>
+          <a:bodyPr/>
+          <a:lstStyle/>
+          <a:p>
+            <a:pPr algn="ctr"/>
+            <a:r>
+              <a:rPr lang="en-US" b="0" u="sng" dirty="0" smtClean="0">
+                <a:latin typeface="Alien Encounters Solid" pitchFamily="2" charset="0"/>
+              </a:rPr>
+              <a:t>Hardware Applications</a:t>
+            </a:r>
+            <a:endParaRPr lang="en-US" b="0" dirty="0">
+              <a:latin typeface="Lucida Console" pitchFamily="49" charset="0"/>
+            </a:endParaRPr>
+          </a:p>
+        </p:txBody>
+      </p:sp>
+    </p:spTree>
+  </p:cSld>
+  <p:clrMapOvr>
+    <a:masterClrMapping/>
+  </p:clrMapOvr>
+  <p:timing>
+    <p:tnLst>
+      <p:par>
+        <p:cTn id="1" dur="indefinite" restart="never" nodeType="tmRoot"/>
+      </p:par>
+    </p:tnLst>
+  </p:timing>
+</p:sld>
+</file>
+
+<file path=ppt/slides/slide12.xml><?xml version="1.0" encoding="utf-8"?>
+<p:sld xmlns:a="http://schemas.openxmlformats.org/drawingml/2006/main" xmlns:r="http://schemas.openxmlformats.org/officeDocument/2006/relationships" xmlns:p="http://schemas.openxmlformats.org/presentationml/2006/main">
+  <p:cSld>
+    <p:spTree>
+      <p:nvGrpSpPr>
+        <p:cNvPr id="1" name=""/>
+        <p:cNvGrpSpPr/>
+        <p:nvPr/>
+      </p:nvGrpSpPr>
+      <p:grpSpPr>
+        <a:xfrm>
+          <a:off x="0" y="0"/>
+          <a:ext cx="0" cy="0"/>
+          <a:chOff x="0" y="0"/>
+          <a:chExt cx="0" cy="0"/>
+        </a:xfrm>
+      </p:grpSpPr>
+      <p:sp>
+        <p:nvSpPr>
+          <p:cNvPr id="2" name="Content Placeholder 1"/>
+          <p:cNvSpPr>
+            <a:spLocks noGrp="1"/>
+          </p:cNvSpPr>
+          <p:nvPr>
+            <p:ph idx="1"/>
+          </p:nvPr>
+        </p:nvSpPr>
         <p:spPr>
           <a:xfrm>
             <a:off x="457200" y="1481328"/>
@@ -5008,7 +5275,7 @@
 </p:sld>
 </file>
 
-<file path=ppt/slides/slide11.xml><?xml version="1.0" encoding="utf-8"?>
+<file path=ppt/slides/slide13.xml><?xml version="1.0" encoding="utf-8"?>
 <p:sld xmlns:a="http://schemas.openxmlformats.org/drawingml/2006/main" xmlns:r="http://schemas.openxmlformats.org/officeDocument/2006/relationships" xmlns:p="http://schemas.openxmlformats.org/presentationml/2006/main">
   <p:cSld>
     <p:spTree>
@@ -5191,6 +5458,599 @@
 </p:sld>
 </file>
 
+<file path=ppt/slides/slide14.xml><?xml version="1.0" encoding="utf-8"?>
+<p:sld xmlns:a="http://schemas.openxmlformats.org/drawingml/2006/main" xmlns:r="http://schemas.openxmlformats.org/officeDocument/2006/relationships" xmlns:p="http://schemas.openxmlformats.org/presentationml/2006/main">
+  <p:cSld>
+    <p:spTree>
+      <p:nvGrpSpPr>
+        <p:cNvPr id="1" name=""/>
+        <p:cNvGrpSpPr/>
+        <p:nvPr/>
+      </p:nvGrpSpPr>
+      <p:grpSpPr>
+        <a:xfrm>
+          <a:off x="0" y="0"/>
+          <a:ext cx="0" cy="0"/>
+          <a:chOff x="0" y="0"/>
+          <a:chExt cx="0" cy="0"/>
+        </a:xfrm>
+      </p:grpSpPr>
+      <p:sp>
+        <p:nvSpPr>
+          <p:cNvPr id="3" name="Title 2"/>
+          <p:cNvSpPr>
+            <a:spLocks noGrp="1"/>
+          </p:cNvSpPr>
+          <p:nvPr>
+            <p:ph type="title"/>
+          </p:nvPr>
+        </p:nvSpPr>
+        <p:spPr/>
+        <p:txBody>
+          <a:bodyPr/>
+          <a:lstStyle/>
+          <a:p>
+            <a:pPr algn="ctr"/>
+            <a:r>
+              <a:rPr lang="en-US" u="sng" dirty="0" smtClean="0">
+                <a:latin typeface="Alien Encounters Solid" pitchFamily="2" charset="0"/>
+              </a:rPr>
+              <a:t>Server Architecture</a:t>
+            </a:r>
+            <a:endParaRPr lang="en-US" u="sng" dirty="0">
+              <a:latin typeface="Alien Encounters Solid" pitchFamily="2" charset="0"/>
+            </a:endParaRPr>
+          </a:p>
+        </p:txBody>
+      </p:sp>
+      <p:pic>
+        <p:nvPicPr>
+          <p:cNvPr id="6" name="Picture 5" descr="CMPE146_195 Project.png"/>
+          <p:cNvPicPr>
+            <a:picLocks noChangeAspect="1"/>
+          </p:cNvPicPr>
+          <p:nvPr/>
+        </p:nvPicPr>
+        <p:blipFill>
+          <a:blip r:embed="rId2" cstate="print">
+            <a:extLst>
+              <a:ext uri="{28A0092B-C50C-407E-A947-70E740481C1C}">
+                <a14:useLocalDpi xmlns:a14="http://schemas.microsoft.com/office/drawing/2010/main" xmlns="" val="0"/>
+              </a:ext>
+            </a:extLst>
+          </a:blip>
+          <a:stretch>
+            <a:fillRect/>
+          </a:stretch>
+        </p:blipFill>
+        <p:spPr>
+          <a:xfrm>
+            <a:off x="609600" y="1219200"/>
+            <a:ext cx="8305800" cy="5106318"/>
+          </a:xfrm>
+          <a:prstGeom prst="rect">
+            <a:avLst/>
+          </a:prstGeom>
+        </p:spPr>
+      </p:pic>
+    </p:spTree>
+    <p:extLst>
+      <p:ext uri="{BB962C8B-B14F-4D97-AF65-F5344CB8AC3E}">
+        <p14:creationId xmlns:p14="http://schemas.microsoft.com/office/powerpoint/2010/main" xmlns="" val="1815371728"/>
+      </p:ext>
+    </p:extLst>
+  </p:cSld>
+  <p:clrMapOvr>
+    <a:masterClrMapping/>
+  </p:clrMapOvr>
+</p:sld>
+</file>
+
+<file path=ppt/slides/slide15.xml><?xml version="1.0" encoding="utf-8"?>
+<p:sld xmlns:a="http://schemas.openxmlformats.org/drawingml/2006/main" xmlns:r="http://schemas.openxmlformats.org/officeDocument/2006/relationships" xmlns:p="http://schemas.openxmlformats.org/presentationml/2006/main">
+  <p:cSld>
+    <p:spTree>
+      <p:nvGrpSpPr>
+        <p:cNvPr id="1" name=""/>
+        <p:cNvGrpSpPr/>
+        <p:nvPr/>
+      </p:nvGrpSpPr>
+      <p:grpSpPr>
+        <a:xfrm>
+          <a:off x="0" y="0"/>
+          <a:ext cx="0" cy="0"/>
+          <a:chOff x="0" y="0"/>
+          <a:chExt cx="0" cy="0"/>
+        </a:xfrm>
+      </p:grpSpPr>
+      <p:sp>
+        <p:nvSpPr>
+          <p:cNvPr id="2" name="Content Placeholder 1"/>
+          <p:cNvSpPr>
+            <a:spLocks noGrp="1"/>
+          </p:cNvSpPr>
+          <p:nvPr>
+            <p:ph idx="1"/>
+          </p:nvPr>
+        </p:nvSpPr>
+        <p:spPr/>
+        <p:txBody>
+          <a:bodyPr/>
+          <a:lstStyle/>
+          <a:p>
+            <a:r>
+              <a:rPr lang="en-US" dirty="0" smtClean="0"/>
+              <a:t>- custom server application to handle clients and devices</a:t>
+            </a:r>
+          </a:p>
+          <a:p>
+            <a:r>
+              <a:rPr lang="en-US" dirty="0" smtClean="0"/>
+              <a:t>- Apache HTTP web server to web clients</a:t>
+            </a:r>
+          </a:p>
+          <a:p>
+            <a:r>
+              <a:rPr lang="en-US" dirty="0" smtClean="0"/>
+              <a:t>- MySQL for database	</a:t>
+            </a:r>
+          </a:p>
+          <a:p>
+            <a:pPr lvl="1"/>
+            <a:r>
+              <a:rPr lang="en-US" dirty="0" smtClean="0"/>
+              <a:t>Using </a:t>
+            </a:r>
+            <a:r>
+              <a:rPr lang="en-US" dirty="0" err="1" smtClean="0"/>
+              <a:t>InnoDB</a:t>
+            </a:r>
+            <a:r>
+              <a:rPr lang="en-US" dirty="0" smtClean="0"/>
+              <a:t> for database engine since it supports foreign keys, and we don’t need full text indexing</a:t>
+            </a:r>
+          </a:p>
+        </p:txBody>
+      </p:sp>
+      <p:sp>
+        <p:nvSpPr>
+          <p:cNvPr id="3" name="Title 2"/>
+          <p:cNvSpPr>
+            <a:spLocks noGrp="1"/>
+          </p:cNvSpPr>
+          <p:nvPr>
+            <p:ph type="title"/>
+          </p:nvPr>
+        </p:nvSpPr>
+        <p:spPr/>
+        <p:txBody>
+          <a:bodyPr>
+            <a:normAutofit/>
+          </a:bodyPr>
+          <a:lstStyle/>
+          <a:p>
+            <a:pPr algn="ctr"/>
+            <a:r>
+              <a:rPr lang="en-US" u="sng" dirty="0" smtClean="0">
+                <a:latin typeface="Alien Encounters Solid" pitchFamily="2" charset="0"/>
+              </a:rPr>
+              <a:t>Server Architecture</a:t>
+            </a:r>
+            <a:endParaRPr lang="en-US" u="sng" dirty="0">
+              <a:latin typeface="Alien Encounters Solid" pitchFamily="2" charset="0"/>
+            </a:endParaRPr>
+          </a:p>
+        </p:txBody>
+      </p:sp>
+    </p:spTree>
+    <p:extLst>
+      <p:ext uri="{BB962C8B-B14F-4D97-AF65-F5344CB8AC3E}">
+        <p14:creationId xmlns:p14="http://schemas.microsoft.com/office/powerpoint/2010/main" xmlns="" val="3249620437"/>
+      </p:ext>
+    </p:extLst>
+  </p:cSld>
+  <p:clrMapOvr>
+    <a:masterClrMapping/>
+  </p:clrMapOvr>
+</p:sld>
+</file>
+
+<file path=ppt/slides/slide16.xml><?xml version="1.0" encoding="utf-8"?>
+<p:sld xmlns:a="http://schemas.openxmlformats.org/drawingml/2006/main" xmlns:r="http://schemas.openxmlformats.org/officeDocument/2006/relationships" xmlns:p="http://schemas.openxmlformats.org/presentationml/2006/main">
+  <p:cSld>
+    <p:spTree>
+      <p:nvGrpSpPr>
+        <p:cNvPr id="1" name=""/>
+        <p:cNvGrpSpPr/>
+        <p:nvPr/>
+      </p:nvGrpSpPr>
+      <p:grpSpPr>
+        <a:xfrm>
+          <a:off x="0" y="0"/>
+          <a:ext cx="0" cy="0"/>
+          <a:chOff x="0" y="0"/>
+          <a:chExt cx="0" cy="0"/>
+        </a:xfrm>
+      </p:grpSpPr>
+      <p:sp>
+        <p:nvSpPr>
+          <p:cNvPr id="2" name="Content Placeholder 1"/>
+          <p:cNvSpPr>
+            <a:spLocks noGrp="1"/>
+          </p:cNvSpPr>
+          <p:nvPr>
+            <p:ph idx="1"/>
+          </p:nvPr>
+        </p:nvSpPr>
+        <p:spPr/>
+        <p:txBody>
+          <a:bodyPr/>
+          <a:lstStyle/>
+          <a:p>
+            <a:r>
+              <a:rPr lang="en-US" dirty="0" smtClean="0"/>
+              <a:t>Design:</a:t>
+            </a:r>
+          </a:p>
+          <a:p>
+            <a:pPr lvl="1"/>
+            <a:r>
+              <a:rPr lang="en-US" dirty="0" smtClean="0"/>
+              <a:t>Server application based off classical thread model</a:t>
+            </a:r>
+          </a:p>
+          <a:p>
+            <a:pPr lvl="1"/>
+            <a:r>
+              <a:rPr lang="en-US" dirty="0" smtClean="0"/>
+              <a:t>While it does not scale as well compared to asynchronous, it’s better suited to demonstrate a prototype</a:t>
+            </a:r>
+          </a:p>
+          <a:p>
+            <a:r>
+              <a:rPr lang="en-US" dirty="0" smtClean="0"/>
+              <a:t>Design trade off:</a:t>
+            </a:r>
+          </a:p>
+          <a:p>
+            <a:pPr lvl="1"/>
+            <a:r>
+              <a:rPr lang="en-US" dirty="0" smtClean="0"/>
+              <a:t>Server was planned to utilize asynchronous framework to improve scalability and efficiency</a:t>
+            </a:r>
+          </a:p>
+          <a:p>
+            <a:pPr lvl="1"/>
+            <a:r>
+              <a:rPr lang="en-US" dirty="0" smtClean="0"/>
+              <a:t>However we decided the time and effort required to design, implement, and test the system would be beyond the demand of the project</a:t>
+            </a:r>
+          </a:p>
+          <a:p>
+            <a:pPr marL="109728" indent="0">
+              <a:buNone/>
+            </a:pPr>
+            <a:endParaRPr lang="en-US" dirty="0" smtClean="0"/>
+          </a:p>
+        </p:txBody>
+      </p:sp>
+      <p:sp>
+        <p:nvSpPr>
+          <p:cNvPr id="3" name="Title 2"/>
+          <p:cNvSpPr>
+            <a:spLocks noGrp="1"/>
+          </p:cNvSpPr>
+          <p:nvPr>
+            <p:ph type="title"/>
+          </p:nvPr>
+        </p:nvSpPr>
+        <p:spPr/>
+        <p:txBody>
+          <a:bodyPr>
+            <a:normAutofit/>
+          </a:bodyPr>
+          <a:lstStyle/>
+          <a:p>
+            <a:pPr algn="ctr"/>
+            <a:r>
+              <a:rPr lang="en-US" u="sng" dirty="0" smtClean="0">
+                <a:latin typeface="Alien Encounters Solid" pitchFamily="2" charset="0"/>
+              </a:rPr>
+              <a:t>Server Architecture</a:t>
+            </a:r>
+            <a:endParaRPr lang="en-US" u="sng" dirty="0">
+              <a:latin typeface="Alien Encounters Solid" pitchFamily="2" charset="0"/>
+            </a:endParaRPr>
+          </a:p>
+        </p:txBody>
+      </p:sp>
+    </p:spTree>
+    <p:extLst>
+      <p:ext uri="{BB962C8B-B14F-4D97-AF65-F5344CB8AC3E}">
+        <p14:creationId xmlns:p14="http://schemas.microsoft.com/office/powerpoint/2010/main" xmlns="" val="239908727"/>
+      </p:ext>
+    </p:extLst>
+  </p:cSld>
+  <p:clrMapOvr>
+    <a:masterClrMapping/>
+  </p:clrMapOvr>
+</p:sld>
+</file>
+
+<file path=ppt/slides/slide17.xml><?xml version="1.0" encoding="utf-8"?>
+<p:sld xmlns:a="http://schemas.openxmlformats.org/drawingml/2006/main" xmlns:r="http://schemas.openxmlformats.org/officeDocument/2006/relationships" xmlns:p="http://schemas.openxmlformats.org/presentationml/2006/main">
+  <p:cSld>
+    <p:spTree>
+      <p:nvGrpSpPr>
+        <p:cNvPr id="1" name=""/>
+        <p:cNvGrpSpPr/>
+        <p:nvPr/>
+      </p:nvGrpSpPr>
+      <p:grpSpPr>
+        <a:xfrm>
+          <a:off x="0" y="0"/>
+          <a:ext cx="0" cy="0"/>
+          <a:chOff x="0" y="0"/>
+          <a:chExt cx="0" cy="0"/>
+        </a:xfrm>
+      </p:grpSpPr>
+      <p:sp>
+        <p:nvSpPr>
+          <p:cNvPr id="2" name="Content Placeholder 1"/>
+          <p:cNvSpPr>
+            <a:spLocks noGrp="1"/>
+          </p:cNvSpPr>
+          <p:nvPr>
+            <p:ph idx="1"/>
+          </p:nvPr>
+        </p:nvSpPr>
+        <p:spPr/>
+        <p:txBody>
+          <a:bodyPr/>
+          <a:lstStyle/>
+          <a:p>
+            <a:r>
+              <a:rPr lang="en-US" dirty="0" smtClean="0"/>
+              <a:t>When a client or device connects to the server, a new thread is spawn to handle and process any data sent</a:t>
+            </a:r>
+          </a:p>
+          <a:p>
+            <a:r>
+              <a:rPr lang="en-US" dirty="0" smtClean="0"/>
+              <a:t>Once determined if it’s a client or device, the information is logged into a list, which is constantly updated locally and periodically updated on the database </a:t>
+            </a:r>
+          </a:p>
+          <a:p>
+            <a:r>
+              <a:rPr lang="en-US" dirty="0" smtClean="0"/>
+              <a:t>Client asks the server to assign it a device, once assigned, the server will relay any data from the client to the device</a:t>
+            </a:r>
+            <a:endParaRPr lang="en-US" dirty="0"/>
+          </a:p>
+        </p:txBody>
+      </p:sp>
+      <p:sp>
+        <p:nvSpPr>
+          <p:cNvPr id="3" name="Title 2"/>
+          <p:cNvSpPr>
+            <a:spLocks noGrp="1"/>
+          </p:cNvSpPr>
+          <p:nvPr>
+            <p:ph type="title"/>
+          </p:nvPr>
+        </p:nvSpPr>
+        <p:spPr/>
+        <p:txBody>
+          <a:bodyPr>
+            <a:normAutofit/>
+          </a:bodyPr>
+          <a:lstStyle/>
+          <a:p>
+            <a:pPr algn="ctr"/>
+            <a:r>
+              <a:rPr lang="en-US" u="sng" dirty="0" smtClean="0">
+                <a:latin typeface="Alien Encounters Solid" pitchFamily="2" charset="0"/>
+              </a:rPr>
+              <a:t>Server Implementation</a:t>
+            </a:r>
+            <a:endParaRPr lang="en-US" u="sng" dirty="0">
+              <a:latin typeface="Alien Encounters Solid" pitchFamily="2" charset="0"/>
+            </a:endParaRPr>
+          </a:p>
+        </p:txBody>
+      </p:sp>
+    </p:spTree>
+    <p:extLst>
+      <p:ext uri="{BB962C8B-B14F-4D97-AF65-F5344CB8AC3E}">
+        <p14:creationId xmlns:p14="http://schemas.microsoft.com/office/powerpoint/2010/main" xmlns="" val="3437818343"/>
+      </p:ext>
+    </p:extLst>
+  </p:cSld>
+  <p:clrMapOvr>
+    <a:masterClrMapping/>
+  </p:clrMapOvr>
+</p:sld>
+</file>
+
+<file path=ppt/slides/slide18.xml><?xml version="1.0" encoding="utf-8"?>
+<p:sld xmlns:a="http://schemas.openxmlformats.org/drawingml/2006/main" xmlns:r="http://schemas.openxmlformats.org/officeDocument/2006/relationships" xmlns:p="http://schemas.openxmlformats.org/presentationml/2006/main">
+  <p:cSld>
+    <p:spTree>
+      <p:nvGrpSpPr>
+        <p:cNvPr id="1" name=""/>
+        <p:cNvGrpSpPr/>
+        <p:nvPr/>
+      </p:nvGrpSpPr>
+      <p:grpSpPr>
+        <a:xfrm>
+          <a:off x="0" y="0"/>
+          <a:ext cx="0" cy="0"/>
+          <a:chOff x="0" y="0"/>
+          <a:chExt cx="0" cy="0"/>
+        </a:xfrm>
+      </p:grpSpPr>
+      <p:sp>
+        <p:nvSpPr>
+          <p:cNvPr id="2" name="Content Placeholder 1"/>
+          <p:cNvSpPr>
+            <a:spLocks noGrp="1"/>
+          </p:cNvSpPr>
+          <p:nvPr>
+            <p:ph idx="1"/>
+          </p:nvPr>
+        </p:nvSpPr>
+        <p:spPr/>
+        <p:txBody>
+          <a:bodyPr/>
+          <a:lstStyle/>
+          <a:p>
+            <a:r>
+              <a:rPr lang="en-US" dirty="0" smtClean="0"/>
+              <a:t>Server keeps a cached list of available devices and clients</a:t>
+            </a:r>
+          </a:p>
+          <a:p>
+            <a:r>
+              <a:rPr lang="en-US" dirty="0" smtClean="0"/>
+              <a:t>Makes periodic database writes for web and mobile client access</a:t>
+            </a:r>
+          </a:p>
+          <a:p>
+            <a:r>
+              <a:rPr lang="en-US" dirty="0" smtClean="0"/>
+              <a:t>Database writes can be expensive so only done periodically</a:t>
+            </a:r>
+          </a:p>
+          <a:p>
+            <a:r>
+              <a:rPr lang="en-US" dirty="0" smtClean="0"/>
+              <a:t>Internal list needs to be updated in real time so devices aren’t mistakenly claimed</a:t>
+            </a:r>
+            <a:endParaRPr lang="en-US" dirty="0"/>
+          </a:p>
+        </p:txBody>
+      </p:sp>
+      <p:sp>
+        <p:nvSpPr>
+          <p:cNvPr id="3" name="Title 2"/>
+          <p:cNvSpPr>
+            <a:spLocks noGrp="1"/>
+          </p:cNvSpPr>
+          <p:nvPr>
+            <p:ph type="title"/>
+          </p:nvPr>
+        </p:nvSpPr>
+        <p:spPr/>
+        <p:txBody>
+          <a:bodyPr/>
+          <a:lstStyle/>
+          <a:p>
+            <a:pPr algn="ctr"/>
+            <a:r>
+              <a:rPr lang="en-US" u="sng" dirty="0">
+                <a:latin typeface="Alien Encounters Solid" pitchFamily="2" charset="0"/>
+              </a:rPr>
+              <a:t>Server Implementation</a:t>
+            </a:r>
+          </a:p>
+        </p:txBody>
+      </p:sp>
+    </p:spTree>
+    <p:extLst>
+      <p:ext uri="{BB962C8B-B14F-4D97-AF65-F5344CB8AC3E}">
+        <p14:creationId xmlns:p14="http://schemas.microsoft.com/office/powerpoint/2010/main" xmlns="" val="1463393360"/>
+      </p:ext>
+    </p:extLst>
+  </p:cSld>
+  <p:clrMapOvr>
+    <a:masterClrMapping/>
+  </p:clrMapOvr>
+</p:sld>
+</file>
+
+<file path=ppt/slides/slide19.xml><?xml version="1.0" encoding="utf-8"?>
+<p:sld xmlns:a="http://schemas.openxmlformats.org/drawingml/2006/main" xmlns:r="http://schemas.openxmlformats.org/officeDocument/2006/relationships" xmlns:p="http://schemas.openxmlformats.org/presentationml/2006/main">
+  <p:cSld>
+    <p:spTree>
+      <p:nvGrpSpPr>
+        <p:cNvPr id="1" name=""/>
+        <p:cNvGrpSpPr/>
+        <p:nvPr/>
+      </p:nvGrpSpPr>
+      <p:grpSpPr>
+        <a:xfrm>
+          <a:off x="0" y="0"/>
+          <a:ext cx="0" cy="0"/>
+          <a:chOff x="0" y="0"/>
+          <a:chExt cx="0" cy="0"/>
+        </a:xfrm>
+      </p:grpSpPr>
+      <p:sp>
+        <p:nvSpPr>
+          <p:cNvPr id="2" name="Content Placeholder 1"/>
+          <p:cNvSpPr>
+            <a:spLocks noGrp="1"/>
+          </p:cNvSpPr>
+          <p:nvPr>
+            <p:ph idx="1"/>
+          </p:nvPr>
+        </p:nvSpPr>
+        <p:spPr/>
+        <p:txBody>
+          <a:bodyPr/>
+          <a:lstStyle/>
+          <a:p>
+            <a:r>
+              <a:rPr lang="en-US" dirty="0" smtClean="0"/>
+              <a:t>Expanding and extending the functionality of the API can be difficult, server can store what available commands exist for a certain device, but the user interface cannot dynamically translate commands into a practical layout </a:t>
+            </a:r>
+          </a:p>
+          <a:p>
+            <a:endParaRPr lang="en-US" dirty="0"/>
+          </a:p>
+        </p:txBody>
+      </p:sp>
+      <p:sp>
+        <p:nvSpPr>
+          <p:cNvPr id="3" name="Title 2"/>
+          <p:cNvSpPr>
+            <a:spLocks noGrp="1"/>
+          </p:cNvSpPr>
+          <p:nvPr>
+            <p:ph type="title"/>
+          </p:nvPr>
+        </p:nvSpPr>
+        <p:spPr/>
+        <p:txBody>
+          <a:bodyPr/>
+          <a:lstStyle/>
+          <a:p>
+            <a:pPr algn="ctr"/>
+            <a:r>
+              <a:rPr lang="en-US" u="sng" dirty="0" smtClean="0">
+                <a:latin typeface="Alien Encounters Solid" pitchFamily="2" charset="0"/>
+              </a:rPr>
+              <a:t>Server Issues</a:t>
+            </a:r>
+            <a:endParaRPr lang="en-US" u="sng" dirty="0">
+              <a:latin typeface="Alien Encounters Solid" pitchFamily="2" charset="0"/>
+            </a:endParaRPr>
+          </a:p>
+        </p:txBody>
+      </p:sp>
+    </p:spTree>
+    <p:extLst>
+      <p:ext uri="{BB962C8B-B14F-4D97-AF65-F5344CB8AC3E}">
+        <p14:creationId xmlns:p14="http://schemas.microsoft.com/office/powerpoint/2010/main" xmlns="" val="4152842642"/>
+      </p:ext>
+    </p:extLst>
+  </p:cSld>
+  <p:clrMapOvr>
+    <a:masterClrMapping/>
+  </p:clrMapOvr>
+</p:sld>
+</file>
+
 <file path=ppt/slides/slide2.xml><?xml version="1.0" encoding="utf-8"?>
 <p:sld xmlns:a="http://schemas.openxmlformats.org/drawingml/2006/main" xmlns:r="http://schemas.openxmlformats.org/officeDocument/2006/relationships" xmlns:p="http://schemas.openxmlformats.org/presentationml/2006/main">
   <p:cSld>
@@ -5227,19 +6087,7 @@
           <a:p>
             <a:r>
               <a:rPr lang="en-US" sz="2800" dirty="0" smtClean="0"/>
-              <a:t>The internet is </a:t>
-            </a:r>
-            <a:r>
-              <a:rPr lang="en-US" sz="2800" dirty="0" smtClean="0"/>
-              <a:t>almost </a:t>
-            </a:r>
-            <a:r>
-              <a:rPr lang="en-US" sz="2800" dirty="0" smtClean="0"/>
-              <a:t>everywhere we go, whether it be via Smartphone, PC or other </a:t>
-            </a:r>
-            <a:r>
-              <a:rPr lang="en-US" sz="2800" dirty="0" smtClean="0"/>
-              <a:t>internet connected devices, we rarely find ourselves more than an arms length away from our next status update, bill payment or shoe purchase. </a:t>
+              <a:t>The internet is almost everywhere we go, whether it be via Smartphone, PC or other internet connected devices, we rarely find ourselves more than an arms length away from our next status update, bill payment or shoe purchase. </a:t>
             </a:r>
             <a:endParaRPr lang="en-US" dirty="0" smtClean="0"/>
           </a:p>
@@ -6102,7 +6950,6 @@
               <a:rPr lang="en-US" sz="2800" u="sng" dirty="0" smtClean="0"/>
               <a:t>Ben</a:t>
             </a:r>
-            <a:endParaRPr lang="en-US" sz="2800" u="sng" dirty="0" smtClean="0"/>
           </a:p>
           <a:p>
             <a:pPr lvl="0">
@@ -6114,7 +6961,6 @@
               <a:rPr lang="en-US" sz="2800" dirty="0" smtClean="0"/>
               <a:t>Device Design</a:t>
             </a:r>
-            <a:endParaRPr lang="en-US" sz="2800" dirty="0" smtClean="0"/>
           </a:p>
           <a:p>
             <a:pPr lvl="0">
@@ -6126,7 +6972,6 @@
               <a:rPr lang="en-US" sz="2800" dirty="0" smtClean="0"/>
               <a:t>API </a:t>
             </a:r>
-            <a:endParaRPr lang="en-US" sz="2800" dirty="0" smtClean="0"/>
           </a:p>
           <a:p>
             <a:pPr lvl="0">
@@ -6273,16 +7118,8 @@
               <a:defRPr/>
             </a:pPr>
             <a:r>
-              <a:rPr lang="en-US" sz="2800" dirty="0"/>
-              <a:t>M</a:t>
-            </a:r>
-            <a:r>
-              <a:rPr lang="en-US" sz="2800" noProof="0" dirty="0" err="1" smtClean="0"/>
-              <a:t>ain</a:t>
-            </a:r>
-            <a:r>
               <a:rPr lang="en-US" sz="2800" noProof="0" dirty="0" smtClean="0"/>
-              <a:t> server code </a:t>
+              <a:t>Server application</a:t>
             </a:r>
           </a:p>
           <a:p>
@@ -6320,7 +7157,7 @@
                 <a:ea typeface="+mn-ea"/>
                 <a:cs typeface="+mn-cs"/>
               </a:rPr>
-              <a:t>Database</a:t>
+              <a:t>Web</a:t>
             </a:r>
             <a:r>
               <a:rPr kumimoji="0" lang="en-US" sz="2800" b="0" i="0" strike="noStrike" kern="1200" cap="none" spc="0" normalizeH="0" dirty="0" smtClean="0">
@@ -6337,7 +7174,7 @@
                 <a:ea typeface="+mn-ea"/>
                 <a:cs typeface="+mn-cs"/>
               </a:rPr>
-              <a:t> creation</a:t>
+              <a:t> and database server</a:t>
             </a:r>
           </a:p>
           <a:p>
@@ -6402,6 +7239,64 @@
               </a:rPr>
               <a:t>System architecture</a:t>
             </a:r>
+          </a:p>
+          <a:p>
+            <a:pPr marL="365760" marR="0" lvl="0" indent="-256032" defTabSz="914400" rtl="0" eaLnBrk="1" fontAlgn="auto" latinLnBrk="0" hangingPunct="1">
+              <a:lnSpc>
+                <a:spcPct val="100000"/>
+              </a:lnSpc>
+              <a:spcBef>
+                <a:spcPts val="400"/>
+              </a:spcBef>
+              <a:spcAft>
+                <a:spcPts val="0"/>
+              </a:spcAft>
+              <a:buClr>
+                <a:schemeClr val="accent1"/>
+              </a:buClr>
+              <a:buSzPct val="68000"/>
+              <a:buFont typeface="Wingdings" pitchFamily="2" charset="2"/>
+              <a:buChar char="§"/>
+              <a:tabLst/>
+              <a:defRPr/>
+            </a:pPr>
+            <a:r>
+              <a:rPr lang="en-US" sz="2800" noProof="0" dirty="0" smtClean="0"/>
+              <a:t>Simulation tools</a:t>
+            </a:r>
+          </a:p>
+          <a:p>
+            <a:pPr marL="109728" marR="0" lvl="0" defTabSz="914400" rtl="0" eaLnBrk="1" fontAlgn="auto" latinLnBrk="0" hangingPunct="1">
+              <a:lnSpc>
+                <a:spcPct val="100000"/>
+              </a:lnSpc>
+              <a:spcBef>
+                <a:spcPts val="400"/>
+              </a:spcBef>
+              <a:spcAft>
+                <a:spcPts val="0"/>
+              </a:spcAft>
+              <a:buClr>
+                <a:schemeClr val="accent1"/>
+              </a:buClr>
+              <a:buSzPct val="68000"/>
+              <a:tabLst/>
+              <a:defRPr/>
+            </a:pPr>
+            <a:endParaRPr kumimoji="0" lang="en-US" sz="2800" b="0" i="0" strike="noStrike" kern="1200" cap="none" spc="0" normalizeH="0" baseline="0" noProof="0" dirty="0" smtClean="0">
+              <a:ln>
+                <a:noFill/>
+              </a:ln>
+              <a:solidFill>
+                <a:schemeClr val="tx1"/>
+              </a:solidFill>
+              <a:effectLst/>
+              <a:uLnTx/>
+              <a:uFillTx/>
+              <a:latin typeface="+mn-lt"/>
+              <a:ea typeface="+mn-ea"/>
+              <a:cs typeface="+mn-cs"/>
+            </a:endParaRPr>
           </a:p>
           <a:p>
             <a:pPr marL="365760" marR="0" lvl="0" indent="-256032" defTabSz="914400" rtl="0" eaLnBrk="1" fontAlgn="auto" latinLnBrk="0" hangingPunct="1">
@@ -6441,6 +7336,11 @@
         </p:txBody>
       </p:sp>
     </p:spTree>
+    <p:extLst>
+      <p:ext uri="{BB962C8B-B14F-4D97-AF65-F5344CB8AC3E}">
+        <p14:creationId xmlns:p14="http://schemas.microsoft.com/office/powerpoint/2010/main" xmlns="" val="2380237567"/>
+      </p:ext>
+    </p:extLst>
   </p:cSld>
   <p:clrMapOvr>
     <a:masterClrMapping/>
@@ -6493,7 +7393,6 @@
               <a:rPr lang="en-US" sz="2800" dirty="0" smtClean="0"/>
               <a:t>As a team of two it was rather hard to make a large divide in the work. </a:t>
             </a:r>
-            <a:endParaRPr lang="en-US" sz="2800" dirty="0" smtClean="0"/>
           </a:p>
           <a:p>
             <a:r>

--- a/docs/final_presentation_ben.pptx
+++ b/docs/final_presentation_ben.pptx
@@ -11,19 +11,14 @@
     <p:sldId id="259" r:id="rId5"/>
     <p:sldId id="258" r:id="rId6"/>
     <p:sldId id="261" r:id="rId7"/>
-    <p:sldId id="267" r:id="rId8"/>
-    <p:sldId id="262" r:id="rId9"/>
-    <p:sldId id="264" r:id="rId10"/>
+    <p:sldId id="276" r:id="rId8"/>
+    <p:sldId id="265" r:id="rId9"/>
+    <p:sldId id="266" r:id="rId10"/>
     <p:sldId id="274" r:id="rId11"/>
     <p:sldId id="275" r:id="rId12"/>
-    <p:sldId id="265" r:id="rId13"/>
-    <p:sldId id="266" r:id="rId14"/>
-    <p:sldId id="268" r:id="rId15"/>
-    <p:sldId id="269" r:id="rId16"/>
-    <p:sldId id="270" r:id="rId17"/>
-    <p:sldId id="271" r:id="rId18"/>
-    <p:sldId id="272" r:id="rId19"/>
-    <p:sldId id="273" r:id="rId20"/>
+    <p:sldId id="262" r:id="rId13"/>
+    <p:sldId id="267" r:id="rId14"/>
+    <p:sldId id="264" r:id="rId15"/>
   </p:sldIdLst>
   <p:sldSz cx="9144000" cy="6858000" type="screen4x3"/>
   <p:notesSz cx="6858000" cy="9144000"/>
@@ -4954,11 +4949,7 @@
             <a:pPr lvl="1"/>
             <a:r>
               <a:rPr lang="en-US" sz="2400" dirty="0" smtClean="0"/>
-              <a:t>P</a:t>
-            </a:r>
-            <a:r>
-              <a:rPr lang="en-US" sz="2400" dirty="0" smtClean="0"/>
-              <a:t>ower bank</a:t>
+              <a:t>Power bank</a:t>
             </a:r>
           </a:p>
           <a:p>
@@ -4967,7 +4958,6 @@
               <a:rPr lang="en-US" sz="2400" dirty="0" smtClean="0"/>
               <a:t>Mp3 player</a:t>
             </a:r>
-            <a:endParaRPr lang="en-US" sz="2400" dirty="0" smtClean="0"/>
           </a:p>
           <a:p>
             <a:pPr>
@@ -5086,13 +5076,8 @@
           <a:p>
             <a:r>
               <a:rPr lang="en-US" sz="2800" dirty="0" smtClean="0"/>
-              <a:t>Although each device represents a different aspect of everyday life, the RAICHU </a:t>
-            </a:r>
-            <a:r>
-              <a:rPr lang="en-US" sz="2800" dirty="0" smtClean="0"/>
-              <a:t>API allows developers to use the same code structure across a wide array of devices. To show RAICHU’s ability to be injected into an already viable and living code source, both the power bank and RC car were fitted with RAICHU functionality at the end of the development period. The power bank was designed from the beginning to target the RAICHU platform.</a:t>
-            </a:r>
-            <a:endParaRPr lang="en-US" sz="2800" dirty="0" smtClean="0"/>
+              <a:t>Although each device represents a different aspect of everyday life, the RAICHU API allows developers to use the same code structure across a wide array of devices. To show RAICHU’s ability to be injected into an already viable and living code source, both the power bank and RC car were fitted with RAICHU functionality at the end of the development period. The power bank was designed from the beginning to target the RAICHU platform.</a:t>
+            </a:r>
           </a:p>
           <a:p>
             <a:pPr>
@@ -5172,12 +5157,7 @@
             <p:ph idx="1"/>
           </p:nvPr>
         </p:nvSpPr>
-        <p:spPr>
-          <a:xfrm>
-            <a:off x="457200" y="1481328"/>
-            <a:ext cx="4648200" cy="4525963"/>
-          </a:xfrm>
-        </p:spPr>
+        <p:spPr/>
         <p:txBody>
           <a:bodyPr>
             <a:normAutofit fontScale="92500" lnSpcReduction="20000"/>
@@ -5186,24 +5166,31 @@
           <a:p>
             <a:r>
               <a:rPr lang="en-US" sz="2800" dirty="0" smtClean="0"/>
-              <a:t>RAICHU incorporates both mobile and web applications to allow users to connect to their devices from virtually anywhere.</a:t>
+              <a:t>As a team of two it was rather hard to make a large divide in the work. </a:t>
             </a:r>
           </a:p>
           <a:p>
             <a:r>
               <a:rPr lang="en-US" sz="2800" dirty="0" smtClean="0"/>
-              <a:t>With dynamic controls and customized interaction per RAICHU enable device. The applications are simple to set up and easy to use.</a:t>
-            </a:r>
+              <a:t>With two main aspects of this project, hardware that can demo and support RAICHU, as well as software running on the server, devices and control applications. We each took charge of one aspect.</a:t>
+            </a:r>
+          </a:p>
+          <a:p>
+            <a:r>
+              <a:rPr lang="en-US" sz="2800" dirty="0" smtClean="0"/>
+              <a:t>Thomas ran software development while Ben was in charge of hardware.</a:t>
+            </a:r>
+          </a:p>
+          <a:p>
+            <a:r>
+              <a:rPr lang="en-US" sz="2800" dirty="0" smtClean="0"/>
+              <a:t>It should also be noted that as a small team, no one area of this project was completed alone. It took careful planning and execution by all members to create a working system.</a:t>
+            </a:r>
+            <a:endParaRPr lang="en-US" dirty="0" smtClean="0"/>
           </a:p>
           <a:p>
             <a:endParaRPr lang="en-US" sz="2800" dirty="0" smtClean="0"/>
           </a:p>
-          <a:p>
-            <a:pPr>
-              <a:buNone/>
-            </a:pPr>
-            <a:endParaRPr lang="en-US" sz="2800" dirty="0" smtClean="0"/>
-          </a:p>
         </p:txBody>
       </p:sp>
       <p:sp>
@@ -5218,9 +5205,7 @@
         </p:nvSpPr>
         <p:spPr/>
         <p:txBody>
-          <a:bodyPr>
-            <a:normAutofit fontScale="90000"/>
-          </a:bodyPr>
+          <a:bodyPr/>
           <a:lstStyle/>
           <a:p>
             <a:pPr algn="ctr"/>
@@ -5228,38 +5213,14 @@
               <a:rPr lang="en-US" b="0" u="sng" dirty="0" smtClean="0">
                 <a:latin typeface="Alien Encounters Solid" pitchFamily="2" charset="0"/>
               </a:rPr>
-              <a:t>Mobile and web Applications</a:t>
-            </a:r>
-            <a:endParaRPr lang="en-US" b="0" u="sng" dirty="0">
+              <a:t>Team Dynamic</a:t>
+            </a:r>
+            <a:endParaRPr lang="en-US" b="0" dirty="0">
               <a:latin typeface="Lucida Console" pitchFamily="49" charset="0"/>
             </a:endParaRPr>
           </a:p>
         </p:txBody>
       </p:sp>
-      <p:pic>
-        <p:nvPicPr>
-          <p:cNvPr id="4" name="Picture 3" descr="Screen 1.jpg"/>
-          <p:cNvPicPr>
-            <a:picLocks noChangeAspect="1"/>
-          </p:cNvPicPr>
-          <p:nvPr/>
-        </p:nvPicPr>
-        <p:blipFill>
-          <a:blip r:embed="rId2" cstate="print"/>
-          <a:stretch>
-            <a:fillRect/>
-          </a:stretch>
-        </p:blipFill>
-        <p:spPr>
-          <a:xfrm>
-            <a:off x="5257800" y="1219200"/>
-            <a:ext cx="2981097" cy="5257800"/>
-          </a:xfrm>
-          <a:prstGeom prst="rect">
-            <a:avLst/>
-          </a:prstGeom>
-        </p:spPr>
-      </p:pic>
     </p:spTree>
   </p:cSld>
   <p:clrMapOvr>
@@ -5294,156 +5255,425 @@
       </p:grpSpPr>
       <p:sp>
         <p:nvSpPr>
-          <p:cNvPr id="3" name="Title 2"/>
-          <p:cNvSpPr>
-            <a:spLocks noGrp="1"/>
-          </p:cNvSpPr>
-          <p:nvPr>
-            <p:ph type="title"/>
-          </p:nvPr>
-        </p:nvSpPr>
-        <p:spPr/>
+          <p:cNvPr id="2" name="Content Placeholder 1"/>
+          <p:cNvSpPr>
+            <a:spLocks noGrp="1"/>
+          </p:cNvSpPr>
+          <p:nvPr>
+            <p:ph idx="1"/>
+          </p:nvPr>
+        </p:nvSpPr>
+        <p:spPr>
+          <a:xfrm>
+            <a:off x="4495800" y="1481328"/>
+            <a:ext cx="4191000" cy="4525963"/>
+          </a:xfrm>
+        </p:spPr>
         <p:txBody>
           <a:bodyPr>
             <a:normAutofit/>
           </a:bodyPr>
           <a:lstStyle/>
           <a:p>
+            <a:pPr lvl="0" algn="ctr">
+              <a:buNone/>
+              <a:defRPr/>
+            </a:pPr>
+            <a:r>
+              <a:rPr lang="en-US" sz="2800" u="sng" dirty="0" smtClean="0"/>
+              <a:t>Ben</a:t>
+            </a:r>
+          </a:p>
+          <a:p>
+            <a:pPr lvl="0">
+              <a:buFont typeface="Wingdings" pitchFamily="2" charset="2"/>
+              <a:buChar char="§"/>
+              <a:defRPr/>
+            </a:pPr>
+            <a:r>
+              <a:rPr lang="en-US" sz="2800" dirty="0" smtClean="0"/>
+              <a:t>Device Design</a:t>
+            </a:r>
+          </a:p>
+          <a:p>
+            <a:pPr lvl="0">
+              <a:buFont typeface="Wingdings" pitchFamily="2" charset="2"/>
+              <a:buChar char="§"/>
+              <a:defRPr/>
+            </a:pPr>
+            <a:r>
+              <a:rPr lang="en-US" sz="2800" dirty="0" smtClean="0"/>
+              <a:t>API </a:t>
+            </a:r>
+          </a:p>
+          <a:p>
+            <a:pPr lvl="0">
+              <a:buFont typeface="Wingdings" pitchFamily="2" charset="2"/>
+              <a:buChar char="§"/>
+              <a:defRPr/>
+            </a:pPr>
+            <a:r>
+              <a:rPr lang="en-US" sz="2800" dirty="0" smtClean="0"/>
+              <a:t>Build System</a:t>
+            </a:r>
+          </a:p>
+          <a:p>
+            <a:pPr lvl="0">
+              <a:buFont typeface="Wingdings" pitchFamily="2" charset="2"/>
+              <a:buChar char="§"/>
+              <a:defRPr/>
+            </a:pPr>
+            <a:r>
+              <a:rPr lang="en-US" sz="2800" dirty="0" smtClean="0"/>
+              <a:t>Hardware requirements and implementation</a:t>
+            </a:r>
+          </a:p>
+          <a:p>
+            <a:pPr lvl="0">
+              <a:buFont typeface="Wingdings" pitchFamily="2" charset="2"/>
+              <a:buChar char="§"/>
+              <a:defRPr/>
+            </a:pPr>
+            <a:endParaRPr lang="en-US" sz="2800" dirty="0" smtClean="0"/>
+          </a:p>
+        </p:txBody>
+      </p:sp>
+      <p:sp>
+        <p:nvSpPr>
+          <p:cNvPr id="3" name="Title 2"/>
+          <p:cNvSpPr>
+            <a:spLocks noGrp="1"/>
+          </p:cNvSpPr>
+          <p:nvPr>
+            <p:ph type="title"/>
+          </p:nvPr>
+        </p:nvSpPr>
+        <p:spPr/>
+        <p:txBody>
+          <a:bodyPr/>
+          <a:lstStyle/>
+          <a:p>
             <a:pPr algn="ctr"/>
             <a:r>
               <a:rPr lang="en-US" b="0" u="sng" dirty="0" smtClean="0">
                 <a:latin typeface="Alien Encounters Solid" pitchFamily="2" charset="0"/>
               </a:rPr>
-              <a:t>Client control flow</a:t>
-            </a:r>
-            <a:endParaRPr lang="en-US" b="0" u="sng" dirty="0">
+              <a:t>Individual </a:t>
+            </a:r>
+            <a:r>
+              <a:rPr lang="en-US" b="0" u="sng" dirty="0" err="1" smtClean="0">
+                <a:latin typeface="Alien Encounters Solid" pitchFamily="2" charset="0"/>
+              </a:rPr>
+              <a:t>responisbilities</a:t>
+            </a:r>
+            <a:endParaRPr lang="en-US" b="0" dirty="0">
               <a:latin typeface="Lucida Console" pitchFamily="49" charset="0"/>
             </a:endParaRPr>
           </a:p>
         </p:txBody>
       </p:sp>
-      <p:pic>
-        <p:nvPicPr>
-          <p:cNvPr id="1026" name="Picture 2"/>
-          <p:cNvPicPr>
-            <a:picLocks noChangeAspect="1" noChangeArrowheads="1"/>
-          </p:cNvPicPr>
+      <p:sp>
+        <p:nvSpPr>
+          <p:cNvPr id="4" name="Content Placeholder 1"/>
+          <p:cNvSpPr txBox="1">
+            <a:spLocks/>
+          </p:cNvSpPr>
           <p:nvPr/>
-        </p:nvPicPr>
-        <p:blipFill>
-          <a:blip r:embed="rId2" cstate="print"/>
-          <a:srcRect/>
-          <a:stretch>
-            <a:fillRect/>
-          </a:stretch>
-        </p:blipFill>
-        <p:spPr bwMode="auto">
+        </p:nvSpPr>
+        <p:spPr>
           <a:xfrm>
-            <a:off x="2286000" y="1447800"/>
-            <a:ext cx="6429375" cy="3800475"/>
+            <a:off x="228600" y="1600200"/>
+            <a:ext cx="4191000" cy="4525963"/>
           </a:xfrm>
           <a:prstGeom prst="rect">
             <a:avLst/>
           </a:prstGeom>
-          <a:noFill/>
-          <a:ln w="9525">
-            <a:noFill/>
-            <a:miter lim="800000"/>
-            <a:headEnd/>
-            <a:tailEnd/>
-          </a:ln>
         </p:spPr>
-      </p:pic>
-      <p:sp>
-        <p:nvSpPr>
-          <p:cNvPr id="2" name="Content Placeholder 1"/>
-          <p:cNvSpPr>
-            <a:spLocks noGrp="1"/>
-          </p:cNvSpPr>
-          <p:nvPr>
-            <p:ph idx="1"/>
-          </p:nvPr>
-        </p:nvSpPr>
-        <p:spPr>
-          <a:xfrm>
-            <a:off x="457200" y="2286000"/>
-            <a:ext cx="4648200" cy="3721291"/>
-          </a:xfrm>
-        </p:spPr>
-        <p:txBody>
-          <a:bodyPr>
-            <a:normAutofit fontScale="85000" lnSpcReduction="10000"/>
+        <p:txBody>
+          <a:bodyPr vert="horz">
+            <a:normAutofit/>
           </a:bodyPr>
           <a:lstStyle/>
           <a:p>
-            <a:r>
-              <a:rPr lang="en-US" sz="2800" dirty="0" smtClean="0"/>
-              <a:t>User interaction is fast and simple</a:t>
-            </a:r>
-          </a:p>
-          <a:p>
-            <a:pPr lvl="1"/>
-            <a:r>
-              <a:rPr lang="en-US" sz="2400" dirty="0" smtClean="0"/>
-              <a:t>Upon login, available devices are presented to the user.</a:t>
-            </a:r>
-          </a:p>
-          <a:p>
-            <a:pPr lvl="1"/>
-            <a:r>
-              <a:rPr lang="en-US" sz="2400" dirty="0" smtClean="0"/>
-              <a:t>Once device(s) are selected, available device controls and device state are relayed to client.</a:t>
-            </a:r>
-          </a:p>
-          <a:p>
-            <a:pPr lvl="1"/>
-            <a:r>
-              <a:rPr lang="en-US" sz="2400" dirty="0" smtClean="0"/>
-              <a:t>User interaction occurs</a:t>
-            </a:r>
-          </a:p>
-          <a:p>
-            <a:pPr lvl="1"/>
-            <a:r>
-              <a:rPr lang="en-US" sz="2400" dirty="0" smtClean="0"/>
-              <a:t>Upon user logout, devices are returned to ready-device pool.</a:t>
-            </a:r>
-          </a:p>
-        </p:txBody>
-      </p:sp>
-      <p:pic>
-        <p:nvPicPr>
-          <p:cNvPr id="1028" name="Picture 4"/>
-          <p:cNvPicPr>
-            <a:picLocks noChangeAspect="1" noChangeArrowheads="1"/>
-          </p:cNvPicPr>
-          <p:nvPr/>
-        </p:nvPicPr>
-        <p:blipFill>
-          <a:blip r:embed="rId3" cstate="print"/>
-          <a:srcRect/>
-          <a:stretch>
-            <a:fillRect/>
-          </a:stretch>
-        </p:blipFill>
-        <p:spPr bwMode="auto">
-          <a:xfrm>
-            <a:off x="5867400" y="5867400"/>
-            <a:ext cx="2819400" cy="565388"/>
-          </a:xfrm>
-          <a:prstGeom prst="rect">
-            <a:avLst/>
-          </a:prstGeom>
-          <a:noFill/>
-          <a:ln w="9525">
-            <a:noFill/>
-            <a:miter lim="800000"/>
-            <a:headEnd/>
-            <a:tailEnd/>
-          </a:ln>
-        </p:spPr>
-      </p:pic>
+            <a:pPr marL="365760" marR="0" lvl="0" indent="-256032" algn="ctr" defTabSz="914400" rtl="0" eaLnBrk="1" fontAlgn="auto" latinLnBrk="0" hangingPunct="1">
+              <a:lnSpc>
+                <a:spcPct val="100000"/>
+              </a:lnSpc>
+              <a:spcBef>
+                <a:spcPts val="400"/>
+              </a:spcBef>
+              <a:spcAft>
+                <a:spcPts val="0"/>
+              </a:spcAft>
+              <a:buClr>
+                <a:schemeClr val="accent1"/>
+              </a:buClr>
+              <a:buSzPct val="68000"/>
+              <a:tabLst/>
+              <a:defRPr/>
+            </a:pPr>
+            <a:r>
+              <a:rPr kumimoji="0" lang="en-US" sz="2800" b="0" i="0" u="sng" strike="noStrike" kern="1200" cap="none" spc="0" normalizeH="0" baseline="0" noProof="0" dirty="0" smtClean="0">
+                <a:ln>
+                  <a:noFill/>
+                </a:ln>
+                <a:solidFill>
+                  <a:schemeClr val="tx1"/>
+                </a:solidFill>
+                <a:effectLst/>
+                <a:uLnTx/>
+                <a:uFillTx/>
+                <a:latin typeface="+mn-lt"/>
+                <a:ea typeface="+mn-ea"/>
+                <a:cs typeface="+mn-cs"/>
+              </a:rPr>
+              <a:t>Thomas</a:t>
+            </a:r>
+          </a:p>
+          <a:p>
+            <a:pPr marL="365760" marR="0" lvl="0" indent="-256032" defTabSz="914400" rtl="0" eaLnBrk="1" fontAlgn="auto" latinLnBrk="0" hangingPunct="1">
+              <a:lnSpc>
+                <a:spcPct val="100000"/>
+              </a:lnSpc>
+              <a:spcBef>
+                <a:spcPts val="400"/>
+              </a:spcBef>
+              <a:spcAft>
+                <a:spcPts val="0"/>
+              </a:spcAft>
+              <a:buClr>
+                <a:schemeClr val="accent1"/>
+              </a:buClr>
+              <a:buSzPct val="68000"/>
+              <a:buFont typeface="Wingdings" pitchFamily="2" charset="2"/>
+              <a:buChar char="§"/>
+              <a:tabLst/>
+              <a:defRPr/>
+            </a:pPr>
+            <a:r>
+              <a:rPr lang="en-US" sz="2800" noProof="0" dirty="0" smtClean="0"/>
+              <a:t>Server application</a:t>
+            </a:r>
+          </a:p>
+          <a:p>
+            <a:pPr marL="365760" marR="0" lvl="0" indent="-256032" defTabSz="914400" rtl="0" eaLnBrk="1" fontAlgn="auto" latinLnBrk="0" hangingPunct="1">
+              <a:lnSpc>
+                <a:spcPct val="100000"/>
+              </a:lnSpc>
+              <a:spcBef>
+                <a:spcPts val="400"/>
+              </a:spcBef>
+              <a:spcAft>
+                <a:spcPts val="0"/>
+              </a:spcAft>
+              <a:buClr>
+                <a:schemeClr val="accent1"/>
+              </a:buClr>
+              <a:buSzPct val="68000"/>
+              <a:buFont typeface="Wingdings" pitchFamily="2" charset="2"/>
+              <a:buChar char="§"/>
+              <a:tabLst/>
+              <a:defRPr/>
+            </a:pPr>
+            <a:r>
+              <a:rPr kumimoji="0" lang="en-US" sz="2800" b="0" i="0" strike="noStrike" kern="1200" cap="none" spc="0" normalizeH="0" baseline="0" dirty="0" smtClean="0">
+                <a:ln>
+                  <a:noFill/>
+                </a:ln>
+                <a:solidFill>
+                  <a:schemeClr val="tx1"/>
+                </a:solidFill>
+                <a:effectLst/>
+                <a:uLnTx/>
+                <a:uFillTx/>
+                <a:latin typeface="+mn-lt"/>
+                <a:ea typeface="+mn-ea"/>
+                <a:cs typeface="+mn-cs"/>
+              </a:rPr>
+              <a:t>Web</a:t>
+            </a:r>
+            <a:r>
+              <a:rPr kumimoji="0" lang="en-US" sz="2800" b="0" i="0" strike="noStrike" kern="1200" cap="none" spc="0" normalizeH="0" dirty="0" smtClean="0">
+                <a:ln>
+                  <a:noFill/>
+                </a:ln>
+                <a:solidFill>
+                  <a:schemeClr val="tx1"/>
+                </a:solidFill>
+                <a:effectLst/>
+                <a:uLnTx/>
+                <a:uFillTx/>
+                <a:latin typeface="+mn-lt"/>
+                <a:ea typeface="+mn-ea"/>
+                <a:cs typeface="+mn-cs"/>
+              </a:rPr>
+              <a:t> and database server</a:t>
+            </a:r>
+          </a:p>
+          <a:p>
+            <a:pPr marL="365760" marR="0" lvl="0" indent="-256032" defTabSz="914400" rtl="0" eaLnBrk="1" fontAlgn="auto" latinLnBrk="0" hangingPunct="1">
+              <a:lnSpc>
+                <a:spcPct val="100000"/>
+              </a:lnSpc>
+              <a:spcBef>
+                <a:spcPts val="400"/>
+              </a:spcBef>
+              <a:spcAft>
+                <a:spcPts val="0"/>
+              </a:spcAft>
+              <a:buClr>
+                <a:schemeClr val="accent1"/>
+              </a:buClr>
+              <a:buSzPct val="68000"/>
+              <a:buFont typeface="Wingdings" pitchFamily="2" charset="2"/>
+              <a:buChar char="§"/>
+              <a:tabLst/>
+              <a:defRPr/>
+            </a:pPr>
+            <a:r>
+              <a:rPr lang="en-US" sz="2800" baseline="0" noProof="0" dirty="0" smtClean="0"/>
+              <a:t>Control protocol</a:t>
+            </a:r>
+          </a:p>
+          <a:p>
+            <a:pPr marL="365760" marR="0" lvl="0" indent="-256032" defTabSz="914400" rtl="0" eaLnBrk="1" fontAlgn="auto" latinLnBrk="0" hangingPunct="1">
+              <a:lnSpc>
+                <a:spcPct val="100000"/>
+              </a:lnSpc>
+              <a:spcBef>
+                <a:spcPts val="400"/>
+              </a:spcBef>
+              <a:spcAft>
+                <a:spcPts val="0"/>
+              </a:spcAft>
+              <a:buClr>
+                <a:schemeClr val="accent1"/>
+              </a:buClr>
+              <a:buSzPct val="68000"/>
+              <a:buFont typeface="Wingdings" pitchFamily="2" charset="2"/>
+              <a:buChar char="§"/>
+              <a:tabLst/>
+              <a:defRPr/>
+            </a:pPr>
+            <a:r>
+              <a:rPr kumimoji="0" lang="en-US" sz="2800" b="0" i="0" strike="noStrike" kern="1200" cap="none" spc="0" normalizeH="0" baseline="0" noProof="0" dirty="0" smtClean="0">
+                <a:ln>
+                  <a:noFill/>
+                </a:ln>
+                <a:solidFill>
+                  <a:schemeClr val="tx1"/>
+                </a:solidFill>
+                <a:effectLst/>
+                <a:uLnTx/>
+                <a:uFillTx/>
+                <a:latin typeface="+mn-lt"/>
+                <a:ea typeface="+mn-ea"/>
+                <a:cs typeface="+mn-cs"/>
+              </a:rPr>
+              <a:t>System architecture</a:t>
+            </a:r>
+          </a:p>
+          <a:p>
+            <a:pPr marL="365760" marR="0" lvl="0" indent="-256032" defTabSz="914400" rtl="0" eaLnBrk="1" fontAlgn="auto" latinLnBrk="0" hangingPunct="1">
+              <a:lnSpc>
+                <a:spcPct val="100000"/>
+              </a:lnSpc>
+              <a:spcBef>
+                <a:spcPts val="400"/>
+              </a:spcBef>
+              <a:spcAft>
+                <a:spcPts val="0"/>
+              </a:spcAft>
+              <a:buClr>
+                <a:schemeClr val="accent1"/>
+              </a:buClr>
+              <a:buSzPct val="68000"/>
+              <a:buFont typeface="Wingdings" pitchFamily="2" charset="2"/>
+              <a:buChar char="§"/>
+              <a:tabLst/>
+              <a:defRPr/>
+            </a:pPr>
+            <a:r>
+              <a:rPr lang="en-US" sz="2800" noProof="0" dirty="0" smtClean="0"/>
+              <a:t>Simulation tools</a:t>
+            </a:r>
+          </a:p>
+          <a:p>
+            <a:pPr marL="109728" marR="0" lvl="0" defTabSz="914400" rtl="0" eaLnBrk="1" fontAlgn="auto" latinLnBrk="0" hangingPunct="1">
+              <a:lnSpc>
+                <a:spcPct val="100000"/>
+              </a:lnSpc>
+              <a:spcBef>
+                <a:spcPts val="400"/>
+              </a:spcBef>
+              <a:spcAft>
+                <a:spcPts val="0"/>
+              </a:spcAft>
+              <a:buClr>
+                <a:schemeClr val="accent1"/>
+              </a:buClr>
+              <a:buSzPct val="68000"/>
+              <a:tabLst/>
+              <a:defRPr/>
+            </a:pPr>
+            <a:endParaRPr kumimoji="0" lang="en-US" sz="2800" b="0" i="0" strike="noStrike" kern="1200" cap="none" spc="0" normalizeH="0" baseline="0" noProof="0" dirty="0" smtClean="0">
+              <a:ln>
+                <a:noFill/>
+              </a:ln>
+              <a:solidFill>
+                <a:schemeClr val="tx1"/>
+              </a:solidFill>
+              <a:effectLst/>
+              <a:uLnTx/>
+              <a:uFillTx/>
+              <a:latin typeface="+mn-lt"/>
+              <a:ea typeface="+mn-ea"/>
+              <a:cs typeface="+mn-cs"/>
+            </a:endParaRPr>
+          </a:p>
+          <a:p>
+            <a:pPr marL="365760" marR="0" lvl="0" indent="-256032" defTabSz="914400" rtl="0" eaLnBrk="1" fontAlgn="auto" latinLnBrk="0" hangingPunct="1">
+              <a:lnSpc>
+                <a:spcPct val="100000"/>
+              </a:lnSpc>
+              <a:spcBef>
+                <a:spcPts val="400"/>
+              </a:spcBef>
+              <a:spcAft>
+                <a:spcPts val="0"/>
+              </a:spcAft>
+              <a:buClr>
+                <a:schemeClr val="accent1"/>
+              </a:buClr>
+              <a:buSzPct val="68000"/>
+              <a:buFont typeface="Wingdings" pitchFamily="2" charset="2"/>
+              <a:buChar char="§"/>
+              <a:tabLst/>
+              <a:defRPr/>
+            </a:pPr>
+            <a:endParaRPr kumimoji="0" lang="en-US" sz="2800" b="0" i="0" strike="noStrike" kern="1200" cap="none" spc="0" normalizeH="0" baseline="0" noProof="0" dirty="0" smtClean="0">
+              <a:ln>
+                <a:noFill/>
+              </a:ln>
+              <a:solidFill>
+                <a:schemeClr val="tx1"/>
+              </a:solidFill>
+              <a:effectLst/>
+              <a:uLnTx/>
+              <a:uFillTx/>
+              <a:latin typeface="+mn-lt"/>
+              <a:ea typeface="+mn-ea"/>
+              <a:cs typeface="+mn-cs"/>
+            </a:endParaRPr>
+          </a:p>
+        </p:txBody>
+      </p:sp>
     </p:spTree>
+    <p:extLst>
+      <p:ext uri="{BB962C8B-B14F-4D97-AF65-F5344CB8AC3E}">
+        <p14:creationId xmlns:p14="http://schemas.microsoft.com/office/powerpoint/2010/main" xmlns="" val="2380237567"/>
+      </p:ext>
+    </p:extLst>
   </p:cSld>
   <p:clrMapOvr>
     <a:masterClrMapping/>
@@ -5477,6 +5707,45 @@
       </p:grpSpPr>
       <p:sp>
         <p:nvSpPr>
+          <p:cNvPr id="2" name="Content Placeholder 1"/>
+          <p:cNvSpPr>
+            <a:spLocks noGrp="1"/>
+          </p:cNvSpPr>
+          <p:nvPr>
+            <p:ph idx="1"/>
+          </p:nvPr>
+        </p:nvSpPr>
+        <p:spPr/>
+        <p:txBody>
+          <a:bodyPr>
+            <a:normAutofit fontScale="85000" lnSpcReduction="10000"/>
+          </a:bodyPr>
+          <a:lstStyle/>
+          <a:p>
+            <a:r>
+              <a:rPr lang="en-US" sz="2800" dirty="0" smtClean="0"/>
+              <a:t>The RAICHU framework and API will be an ever evolving project that will work to best fit developers needs. One of the initial goals set fourth by the RAICHU team was to create a system in which developers would want to use and want to improve. At its current state, there are many shortcomings as well as many strengths. These can all be leveraged to help advance RAICHU and get it in more in more devices.</a:t>
+            </a:r>
+          </a:p>
+          <a:p>
+            <a:r>
+              <a:rPr lang="en-US" sz="2800" dirty="0" smtClean="0"/>
+              <a:t>The RAICHU team encourages feedback, both positive and negative that can help make this architecture easier to use, more reliable, and more secure.</a:t>
+            </a:r>
+          </a:p>
+          <a:p>
+            <a:endParaRPr lang="en-US" sz="2800" dirty="0" smtClean="0"/>
+          </a:p>
+          <a:p>
+            <a:pPr>
+              <a:buNone/>
+            </a:pPr>
+            <a:endParaRPr lang="en-US" sz="2800" dirty="0" smtClean="0"/>
+          </a:p>
+        </p:txBody>
+      </p:sp>
+      <p:sp>
+        <p:nvSpPr>
           <p:cNvPr id="3" name="Title 2"/>
           <p:cNvSpPr>
             <a:spLocks noGrp="1"/>
@@ -5492,562 +5761,29 @@
           <a:p>
             <a:pPr algn="ctr"/>
             <a:r>
-              <a:rPr lang="en-US" u="sng" dirty="0" smtClean="0">
+              <a:rPr lang="en-US" b="0" u="sng" dirty="0" smtClean="0">
                 <a:latin typeface="Alien Encounters Solid" pitchFamily="2" charset="0"/>
               </a:rPr>
-              <a:t>Server Architecture</a:t>
-            </a:r>
-            <a:endParaRPr lang="en-US" u="sng" dirty="0">
-              <a:latin typeface="Alien Encounters Solid" pitchFamily="2" charset="0"/>
+              <a:t>Future work</a:t>
+            </a:r>
+            <a:endParaRPr lang="en-US" b="0" dirty="0">
+              <a:latin typeface="Lucida Console" pitchFamily="49" charset="0"/>
             </a:endParaRPr>
           </a:p>
         </p:txBody>
       </p:sp>
-      <p:pic>
-        <p:nvPicPr>
-          <p:cNvPr id="6" name="Picture 5" descr="CMPE146_195 Project.png"/>
-          <p:cNvPicPr>
-            <a:picLocks noChangeAspect="1"/>
-          </p:cNvPicPr>
-          <p:nvPr/>
-        </p:nvPicPr>
-        <p:blipFill>
-          <a:blip r:embed="rId2" cstate="print">
-            <a:extLst>
-              <a:ext uri="{28A0092B-C50C-407E-A947-70E740481C1C}">
-                <a14:useLocalDpi xmlns:a14="http://schemas.microsoft.com/office/drawing/2010/main" xmlns="" val="0"/>
-              </a:ext>
-            </a:extLst>
-          </a:blip>
-          <a:stretch>
-            <a:fillRect/>
-          </a:stretch>
-        </p:blipFill>
-        <p:spPr>
-          <a:xfrm>
-            <a:off x="609600" y="1219200"/>
-            <a:ext cx="8305800" cy="5106318"/>
-          </a:xfrm>
-          <a:prstGeom prst="rect">
-            <a:avLst/>
-          </a:prstGeom>
-        </p:spPr>
-      </p:pic>
     </p:spTree>
-    <p:extLst>
-      <p:ext uri="{BB962C8B-B14F-4D97-AF65-F5344CB8AC3E}">
-        <p14:creationId xmlns:p14="http://schemas.microsoft.com/office/powerpoint/2010/main" xmlns="" val="1815371728"/>
-      </p:ext>
-    </p:extLst>
   </p:cSld>
   <p:clrMapOvr>
     <a:masterClrMapping/>
   </p:clrMapOvr>
-</p:sld>
-</file>
-
-<file path=ppt/slides/slide15.xml><?xml version="1.0" encoding="utf-8"?>
-<p:sld xmlns:a="http://schemas.openxmlformats.org/drawingml/2006/main" xmlns:r="http://schemas.openxmlformats.org/officeDocument/2006/relationships" xmlns:p="http://schemas.openxmlformats.org/presentationml/2006/main">
-  <p:cSld>
-    <p:spTree>
-      <p:nvGrpSpPr>
-        <p:cNvPr id="1" name=""/>
-        <p:cNvGrpSpPr/>
-        <p:nvPr/>
-      </p:nvGrpSpPr>
-      <p:grpSpPr>
-        <a:xfrm>
-          <a:off x="0" y="0"/>
-          <a:ext cx="0" cy="0"/>
-          <a:chOff x="0" y="0"/>
-          <a:chExt cx="0" cy="0"/>
-        </a:xfrm>
-      </p:grpSpPr>
-      <p:sp>
-        <p:nvSpPr>
-          <p:cNvPr id="2" name="Content Placeholder 1"/>
-          <p:cNvSpPr>
-            <a:spLocks noGrp="1"/>
-          </p:cNvSpPr>
-          <p:nvPr>
-            <p:ph idx="1"/>
-          </p:nvPr>
-        </p:nvSpPr>
-        <p:spPr/>
-        <p:txBody>
-          <a:bodyPr/>
-          <a:lstStyle/>
-          <a:p>
-            <a:r>
-              <a:rPr lang="en-US" dirty="0" smtClean="0"/>
-              <a:t>- custom server application to handle clients and devices</a:t>
-            </a:r>
-          </a:p>
-          <a:p>
-            <a:r>
-              <a:rPr lang="en-US" dirty="0" smtClean="0"/>
-              <a:t>- Apache HTTP web server to web clients</a:t>
-            </a:r>
-          </a:p>
-          <a:p>
-            <a:r>
-              <a:rPr lang="en-US" dirty="0" smtClean="0"/>
-              <a:t>- MySQL for database	</a:t>
-            </a:r>
-          </a:p>
-          <a:p>
-            <a:pPr lvl="1"/>
-            <a:r>
-              <a:rPr lang="en-US" dirty="0" smtClean="0"/>
-              <a:t>Using </a:t>
-            </a:r>
-            <a:r>
-              <a:rPr lang="en-US" dirty="0" err="1" smtClean="0"/>
-              <a:t>InnoDB</a:t>
-            </a:r>
-            <a:r>
-              <a:rPr lang="en-US" dirty="0" smtClean="0"/>
-              <a:t> for database engine since it supports foreign keys, and we don’t need full text indexing</a:t>
-            </a:r>
-          </a:p>
-        </p:txBody>
-      </p:sp>
-      <p:sp>
-        <p:nvSpPr>
-          <p:cNvPr id="3" name="Title 2"/>
-          <p:cNvSpPr>
-            <a:spLocks noGrp="1"/>
-          </p:cNvSpPr>
-          <p:nvPr>
-            <p:ph type="title"/>
-          </p:nvPr>
-        </p:nvSpPr>
-        <p:spPr/>
-        <p:txBody>
-          <a:bodyPr>
-            <a:normAutofit/>
-          </a:bodyPr>
-          <a:lstStyle/>
-          <a:p>
-            <a:pPr algn="ctr"/>
-            <a:r>
-              <a:rPr lang="en-US" u="sng" dirty="0" smtClean="0">
-                <a:latin typeface="Alien Encounters Solid" pitchFamily="2" charset="0"/>
-              </a:rPr>
-              <a:t>Server Architecture</a:t>
-            </a:r>
-            <a:endParaRPr lang="en-US" u="sng" dirty="0">
-              <a:latin typeface="Alien Encounters Solid" pitchFamily="2" charset="0"/>
-            </a:endParaRPr>
-          </a:p>
-        </p:txBody>
-      </p:sp>
-    </p:spTree>
-    <p:extLst>
-      <p:ext uri="{BB962C8B-B14F-4D97-AF65-F5344CB8AC3E}">
-        <p14:creationId xmlns:p14="http://schemas.microsoft.com/office/powerpoint/2010/main" xmlns="" val="3249620437"/>
-      </p:ext>
-    </p:extLst>
-  </p:cSld>
-  <p:clrMapOvr>
-    <a:masterClrMapping/>
-  </p:clrMapOvr>
-</p:sld>
-</file>
-
-<file path=ppt/slides/slide16.xml><?xml version="1.0" encoding="utf-8"?>
-<p:sld xmlns:a="http://schemas.openxmlformats.org/drawingml/2006/main" xmlns:r="http://schemas.openxmlformats.org/officeDocument/2006/relationships" xmlns:p="http://schemas.openxmlformats.org/presentationml/2006/main">
-  <p:cSld>
-    <p:spTree>
-      <p:nvGrpSpPr>
-        <p:cNvPr id="1" name=""/>
-        <p:cNvGrpSpPr/>
-        <p:nvPr/>
-      </p:nvGrpSpPr>
-      <p:grpSpPr>
-        <a:xfrm>
-          <a:off x="0" y="0"/>
-          <a:ext cx="0" cy="0"/>
-          <a:chOff x="0" y="0"/>
-          <a:chExt cx="0" cy="0"/>
-        </a:xfrm>
-      </p:grpSpPr>
-      <p:sp>
-        <p:nvSpPr>
-          <p:cNvPr id="2" name="Content Placeholder 1"/>
-          <p:cNvSpPr>
-            <a:spLocks noGrp="1"/>
-          </p:cNvSpPr>
-          <p:nvPr>
-            <p:ph idx="1"/>
-          </p:nvPr>
-        </p:nvSpPr>
-        <p:spPr/>
-        <p:txBody>
-          <a:bodyPr/>
-          <a:lstStyle/>
-          <a:p>
-            <a:r>
-              <a:rPr lang="en-US" dirty="0" smtClean="0"/>
-              <a:t>Design:</a:t>
-            </a:r>
-          </a:p>
-          <a:p>
-            <a:pPr lvl="1"/>
-            <a:r>
-              <a:rPr lang="en-US" dirty="0" smtClean="0"/>
-              <a:t>Server application based off classical thread model</a:t>
-            </a:r>
-          </a:p>
-          <a:p>
-            <a:pPr lvl="1"/>
-            <a:r>
-              <a:rPr lang="en-US" dirty="0" smtClean="0"/>
-              <a:t>While it does not scale as well compared to asynchronous, it’s better suited to demonstrate a prototype</a:t>
-            </a:r>
-          </a:p>
-          <a:p>
-            <a:r>
-              <a:rPr lang="en-US" dirty="0" smtClean="0"/>
-              <a:t>Design trade off:</a:t>
-            </a:r>
-          </a:p>
-          <a:p>
-            <a:pPr lvl="1"/>
-            <a:r>
-              <a:rPr lang="en-US" dirty="0" smtClean="0"/>
-              <a:t>Server was planned to utilize asynchronous framework to improve scalability and efficiency</a:t>
-            </a:r>
-          </a:p>
-          <a:p>
-            <a:pPr lvl="1"/>
-            <a:r>
-              <a:rPr lang="en-US" dirty="0" smtClean="0"/>
-              <a:t>However we decided the time and effort required to design, implement, and test the system would be beyond the demand of the project</a:t>
-            </a:r>
-          </a:p>
-          <a:p>
-            <a:pPr marL="109728" indent="0">
-              <a:buNone/>
-            </a:pPr>
-            <a:endParaRPr lang="en-US" dirty="0" smtClean="0"/>
-          </a:p>
-        </p:txBody>
-      </p:sp>
-      <p:sp>
-        <p:nvSpPr>
-          <p:cNvPr id="3" name="Title 2"/>
-          <p:cNvSpPr>
-            <a:spLocks noGrp="1"/>
-          </p:cNvSpPr>
-          <p:nvPr>
-            <p:ph type="title"/>
-          </p:nvPr>
-        </p:nvSpPr>
-        <p:spPr/>
-        <p:txBody>
-          <a:bodyPr>
-            <a:normAutofit/>
-          </a:bodyPr>
-          <a:lstStyle/>
-          <a:p>
-            <a:pPr algn="ctr"/>
-            <a:r>
-              <a:rPr lang="en-US" u="sng" dirty="0" smtClean="0">
-                <a:latin typeface="Alien Encounters Solid" pitchFamily="2" charset="0"/>
-              </a:rPr>
-              <a:t>Server Architecture</a:t>
-            </a:r>
-            <a:endParaRPr lang="en-US" u="sng" dirty="0">
-              <a:latin typeface="Alien Encounters Solid" pitchFamily="2" charset="0"/>
-            </a:endParaRPr>
-          </a:p>
-        </p:txBody>
-      </p:sp>
-    </p:spTree>
-    <p:extLst>
-      <p:ext uri="{BB962C8B-B14F-4D97-AF65-F5344CB8AC3E}">
-        <p14:creationId xmlns:p14="http://schemas.microsoft.com/office/powerpoint/2010/main" xmlns="" val="239908727"/>
-      </p:ext>
-    </p:extLst>
-  </p:cSld>
-  <p:clrMapOvr>
-    <a:masterClrMapping/>
-  </p:clrMapOvr>
-</p:sld>
-</file>
-
-<file path=ppt/slides/slide17.xml><?xml version="1.0" encoding="utf-8"?>
-<p:sld xmlns:a="http://schemas.openxmlformats.org/drawingml/2006/main" xmlns:r="http://schemas.openxmlformats.org/officeDocument/2006/relationships" xmlns:p="http://schemas.openxmlformats.org/presentationml/2006/main">
-  <p:cSld>
-    <p:spTree>
-      <p:nvGrpSpPr>
-        <p:cNvPr id="1" name=""/>
-        <p:cNvGrpSpPr/>
-        <p:nvPr/>
-      </p:nvGrpSpPr>
-      <p:grpSpPr>
-        <a:xfrm>
-          <a:off x="0" y="0"/>
-          <a:ext cx="0" cy="0"/>
-          <a:chOff x="0" y="0"/>
-          <a:chExt cx="0" cy="0"/>
-        </a:xfrm>
-      </p:grpSpPr>
-      <p:sp>
-        <p:nvSpPr>
-          <p:cNvPr id="2" name="Content Placeholder 1"/>
-          <p:cNvSpPr>
-            <a:spLocks noGrp="1"/>
-          </p:cNvSpPr>
-          <p:nvPr>
-            <p:ph idx="1"/>
-          </p:nvPr>
-        </p:nvSpPr>
-        <p:spPr/>
-        <p:txBody>
-          <a:bodyPr/>
-          <a:lstStyle/>
-          <a:p>
-            <a:r>
-              <a:rPr lang="en-US" dirty="0" smtClean="0"/>
-              <a:t>When a client or device connects to the server, a new thread is spawn to handle and process any data sent</a:t>
-            </a:r>
-          </a:p>
-          <a:p>
-            <a:r>
-              <a:rPr lang="en-US" dirty="0" smtClean="0"/>
-              <a:t>Once determined if it’s a client or device, the information is logged into a list, which is constantly updated locally and periodically updated on the database </a:t>
-            </a:r>
-          </a:p>
-          <a:p>
-            <a:r>
-              <a:rPr lang="en-US" dirty="0" smtClean="0"/>
-              <a:t>Client asks the server to assign it a device, once assigned, the server will relay any data from the client to the device</a:t>
-            </a:r>
-            <a:endParaRPr lang="en-US" dirty="0"/>
-          </a:p>
-        </p:txBody>
-      </p:sp>
-      <p:sp>
-        <p:nvSpPr>
-          <p:cNvPr id="3" name="Title 2"/>
-          <p:cNvSpPr>
-            <a:spLocks noGrp="1"/>
-          </p:cNvSpPr>
-          <p:nvPr>
-            <p:ph type="title"/>
-          </p:nvPr>
-        </p:nvSpPr>
-        <p:spPr/>
-        <p:txBody>
-          <a:bodyPr>
-            <a:normAutofit/>
-          </a:bodyPr>
-          <a:lstStyle/>
-          <a:p>
-            <a:pPr algn="ctr"/>
-            <a:r>
-              <a:rPr lang="en-US" u="sng" dirty="0" smtClean="0">
-                <a:latin typeface="Alien Encounters Solid" pitchFamily="2" charset="0"/>
-              </a:rPr>
-              <a:t>Server Implementation</a:t>
-            </a:r>
-            <a:endParaRPr lang="en-US" u="sng" dirty="0">
-              <a:latin typeface="Alien Encounters Solid" pitchFamily="2" charset="0"/>
-            </a:endParaRPr>
-          </a:p>
-        </p:txBody>
-      </p:sp>
-    </p:spTree>
-    <p:extLst>
-      <p:ext uri="{BB962C8B-B14F-4D97-AF65-F5344CB8AC3E}">
-        <p14:creationId xmlns:p14="http://schemas.microsoft.com/office/powerpoint/2010/main" xmlns="" val="3437818343"/>
-      </p:ext>
-    </p:extLst>
-  </p:cSld>
-  <p:clrMapOvr>
-    <a:masterClrMapping/>
-  </p:clrMapOvr>
-</p:sld>
-</file>
-
-<file path=ppt/slides/slide18.xml><?xml version="1.0" encoding="utf-8"?>
-<p:sld xmlns:a="http://schemas.openxmlformats.org/drawingml/2006/main" xmlns:r="http://schemas.openxmlformats.org/officeDocument/2006/relationships" xmlns:p="http://schemas.openxmlformats.org/presentationml/2006/main">
-  <p:cSld>
-    <p:spTree>
-      <p:nvGrpSpPr>
-        <p:cNvPr id="1" name=""/>
-        <p:cNvGrpSpPr/>
-        <p:nvPr/>
-      </p:nvGrpSpPr>
-      <p:grpSpPr>
-        <a:xfrm>
-          <a:off x="0" y="0"/>
-          <a:ext cx="0" cy="0"/>
-          <a:chOff x="0" y="0"/>
-          <a:chExt cx="0" cy="0"/>
-        </a:xfrm>
-      </p:grpSpPr>
-      <p:sp>
-        <p:nvSpPr>
-          <p:cNvPr id="2" name="Content Placeholder 1"/>
-          <p:cNvSpPr>
-            <a:spLocks noGrp="1"/>
-          </p:cNvSpPr>
-          <p:nvPr>
-            <p:ph idx="1"/>
-          </p:nvPr>
-        </p:nvSpPr>
-        <p:spPr/>
-        <p:txBody>
-          <a:bodyPr/>
-          <a:lstStyle/>
-          <a:p>
-            <a:r>
-              <a:rPr lang="en-US" dirty="0" smtClean="0"/>
-              <a:t>Server keeps a cached list of available devices and clients</a:t>
-            </a:r>
-          </a:p>
-          <a:p>
-            <a:r>
-              <a:rPr lang="en-US" dirty="0" smtClean="0"/>
-              <a:t>Makes periodic database writes for web and mobile client access</a:t>
-            </a:r>
-          </a:p>
-          <a:p>
-            <a:r>
-              <a:rPr lang="en-US" dirty="0" smtClean="0"/>
-              <a:t>Database writes can be expensive so only done periodically</a:t>
-            </a:r>
-          </a:p>
-          <a:p>
-            <a:r>
-              <a:rPr lang="en-US" dirty="0" smtClean="0"/>
-              <a:t>Internal list needs to be updated in real time so devices aren’t mistakenly claimed</a:t>
-            </a:r>
-            <a:endParaRPr lang="en-US" dirty="0"/>
-          </a:p>
-        </p:txBody>
-      </p:sp>
-      <p:sp>
-        <p:nvSpPr>
-          <p:cNvPr id="3" name="Title 2"/>
-          <p:cNvSpPr>
-            <a:spLocks noGrp="1"/>
-          </p:cNvSpPr>
-          <p:nvPr>
-            <p:ph type="title"/>
-          </p:nvPr>
-        </p:nvSpPr>
-        <p:spPr/>
-        <p:txBody>
-          <a:bodyPr/>
-          <a:lstStyle/>
-          <a:p>
-            <a:pPr algn="ctr"/>
-            <a:r>
-              <a:rPr lang="en-US" u="sng" dirty="0">
-                <a:latin typeface="Alien Encounters Solid" pitchFamily="2" charset="0"/>
-              </a:rPr>
-              <a:t>Server Implementation</a:t>
-            </a:r>
-          </a:p>
-        </p:txBody>
-      </p:sp>
-    </p:spTree>
-    <p:extLst>
-      <p:ext uri="{BB962C8B-B14F-4D97-AF65-F5344CB8AC3E}">
-        <p14:creationId xmlns:p14="http://schemas.microsoft.com/office/powerpoint/2010/main" xmlns="" val="1463393360"/>
-      </p:ext>
-    </p:extLst>
-  </p:cSld>
-  <p:clrMapOvr>
-    <a:masterClrMapping/>
-  </p:clrMapOvr>
-</p:sld>
-</file>
-
-<file path=ppt/slides/slide19.xml><?xml version="1.0" encoding="utf-8"?>
-<p:sld xmlns:a="http://schemas.openxmlformats.org/drawingml/2006/main" xmlns:r="http://schemas.openxmlformats.org/officeDocument/2006/relationships" xmlns:p="http://schemas.openxmlformats.org/presentationml/2006/main">
-  <p:cSld>
-    <p:spTree>
-      <p:nvGrpSpPr>
-        <p:cNvPr id="1" name=""/>
-        <p:cNvGrpSpPr/>
-        <p:nvPr/>
-      </p:nvGrpSpPr>
-      <p:grpSpPr>
-        <a:xfrm>
-          <a:off x="0" y="0"/>
-          <a:ext cx="0" cy="0"/>
-          <a:chOff x="0" y="0"/>
-          <a:chExt cx="0" cy="0"/>
-        </a:xfrm>
-      </p:grpSpPr>
-      <p:sp>
-        <p:nvSpPr>
-          <p:cNvPr id="2" name="Content Placeholder 1"/>
-          <p:cNvSpPr>
-            <a:spLocks noGrp="1"/>
-          </p:cNvSpPr>
-          <p:nvPr>
-            <p:ph idx="1"/>
-          </p:nvPr>
-        </p:nvSpPr>
-        <p:spPr/>
-        <p:txBody>
-          <a:bodyPr/>
-          <a:lstStyle/>
-          <a:p>
-            <a:r>
-              <a:rPr lang="en-US" dirty="0" smtClean="0"/>
-              <a:t>Expanding and extending the functionality of the API can be difficult, server can store what available commands exist for a certain device, but the user interface cannot dynamically translate commands into a practical layout </a:t>
-            </a:r>
-          </a:p>
-          <a:p>
-            <a:endParaRPr lang="en-US" dirty="0"/>
-          </a:p>
-        </p:txBody>
-      </p:sp>
-      <p:sp>
-        <p:nvSpPr>
-          <p:cNvPr id="3" name="Title 2"/>
-          <p:cNvSpPr>
-            <a:spLocks noGrp="1"/>
-          </p:cNvSpPr>
-          <p:nvPr>
-            <p:ph type="title"/>
-          </p:nvPr>
-        </p:nvSpPr>
-        <p:spPr/>
-        <p:txBody>
-          <a:bodyPr/>
-          <a:lstStyle/>
-          <a:p>
-            <a:pPr algn="ctr"/>
-            <a:r>
-              <a:rPr lang="en-US" u="sng" dirty="0" smtClean="0">
-                <a:latin typeface="Alien Encounters Solid" pitchFamily="2" charset="0"/>
-              </a:rPr>
-              <a:t>Server Issues</a:t>
-            </a:r>
-            <a:endParaRPr lang="en-US" u="sng" dirty="0">
-              <a:latin typeface="Alien Encounters Solid" pitchFamily="2" charset="0"/>
-            </a:endParaRPr>
-          </a:p>
-        </p:txBody>
-      </p:sp>
-    </p:spTree>
-    <p:extLst>
-      <p:ext uri="{BB962C8B-B14F-4D97-AF65-F5344CB8AC3E}">
-        <p14:creationId xmlns:p14="http://schemas.microsoft.com/office/powerpoint/2010/main" xmlns="" val="4152842642"/>
-      </p:ext>
-    </p:extLst>
-  </p:cSld>
-  <p:clrMapOvr>
-    <a:masterClrMapping/>
-  </p:clrMapOvr>
+  <p:timing>
+    <p:tnLst>
+      <p:par>
+        <p:cTn id="1" dur="indefinite" restart="never" nodeType="tmRoot"/>
+      </p:par>
+    </p:tnLst>
+  </p:timing>
 </p:sld>
 </file>
 
@@ -6930,78 +6666,84 @@
             <p:ph idx="1"/>
           </p:nvPr>
         </p:nvSpPr>
-        <p:spPr>
-          <a:xfrm>
-            <a:off x="4495800" y="1481328"/>
-            <a:ext cx="4191000" cy="4525963"/>
-          </a:xfrm>
-        </p:spPr>
+        <p:spPr/>
         <p:txBody>
           <a:bodyPr>
-            <a:normAutofit/>
+            <a:normAutofit fontScale="92500" lnSpcReduction="20000"/>
           </a:bodyPr>
           <a:lstStyle/>
           <a:p>
-            <a:pPr lvl="0" algn="ctr">
-              <a:buNone/>
-              <a:defRPr/>
-            </a:pPr>
-            <a:r>
-              <a:rPr lang="en-US" sz="2800" u="sng" dirty="0" smtClean="0"/>
-              <a:t>Ben</a:t>
-            </a:r>
-          </a:p>
-          <a:p>
-            <a:pPr lvl="0">
-              <a:buFont typeface="Wingdings" pitchFamily="2" charset="2"/>
-              <a:buChar char="§"/>
-              <a:defRPr/>
-            </a:pPr>
             <a:r>
               <a:rPr lang="en-US" sz="2800" dirty="0" smtClean="0"/>
-              <a:t>Device Design</a:t>
-            </a:r>
-          </a:p>
-          <a:p>
-            <a:pPr lvl="0">
-              <a:buFont typeface="Wingdings" pitchFamily="2" charset="2"/>
-              <a:buChar char="§"/>
-              <a:defRPr/>
-            </a:pPr>
+              <a:t>A key aspect to RAICHU is a simple to use API that will allow for developers to integrate our system as either an initial building block in their code or inject into a living code source.</a:t>
+            </a:r>
+          </a:p>
+          <a:p>
             <a:r>
               <a:rPr lang="en-US" sz="2800" dirty="0" smtClean="0"/>
-              <a:t>API </a:t>
-            </a:r>
-          </a:p>
-          <a:p>
-            <a:pPr lvl="0">
-              <a:buFont typeface="Wingdings" pitchFamily="2" charset="2"/>
-              <a:buChar char="§"/>
-              <a:defRPr/>
-            </a:pPr>
+              <a:t>Function naming schemes and common API conventions make the API easy to navigate:</a:t>
+            </a:r>
+          </a:p>
+          <a:p>
+            <a:pPr lvl="1"/>
+            <a:r>
+              <a:rPr lang="en-US" sz="2400" dirty="0" err="1" smtClean="0"/>
+              <a:t>Raichu_setDeviceName</a:t>
+            </a:r>
+            <a:r>
+              <a:rPr lang="en-US" sz="2400" dirty="0" smtClean="0"/>
+              <a:t>();</a:t>
+            </a:r>
+          </a:p>
+          <a:p>
+            <a:pPr lvl="1"/>
+            <a:r>
+              <a:rPr lang="en-US" sz="2400" dirty="0" err="1" smtClean="0"/>
+              <a:t>Raichu_setDeviceCommands</a:t>
+            </a:r>
+            <a:r>
+              <a:rPr lang="en-US" sz="2400" dirty="0" smtClean="0"/>
+              <a:t>();</a:t>
+            </a:r>
+          </a:p>
+          <a:p>
+            <a:pPr lvl="1"/>
+            <a:r>
+              <a:rPr lang="en-US" sz="2400" dirty="0" err="1" smtClean="0"/>
+              <a:t>Riachu_setStatusParameters</a:t>
+            </a:r>
+            <a:r>
+              <a:rPr lang="en-US" sz="2400" dirty="0" smtClean="0"/>
+              <a:t>();</a:t>
+            </a:r>
+          </a:p>
+          <a:p>
+            <a:pPr lvl="1"/>
+            <a:r>
+              <a:rPr lang="en-US" sz="2400" dirty="0" err="1" smtClean="0"/>
+              <a:t>Riachu_getConnectedClient</a:t>
+            </a:r>
+            <a:r>
+              <a:rPr lang="en-US" sz="2400" dirty="0" smtClean="0"/>
+              <a:t>();</a:t>
+            </a:r>
+          </a:p>
+          <a:p>
+            <a:pPr lvl="1"/>
+            <a:r>
+              <a:rPr lang="en-US" sz="2400" dirty="0" err="1" smtClean="0"/>
+              <a:t>Riachu_getServerStatus</a:t>
+            </a:r>
+            <a:r>
+              <a:rPr lang="en-US" sz="2400" dirty="0" smtClean="0"/>
+              <a:t>();</a:t>
+            </a:r>
+          </a:p>
+          <a:p>
             <a:r>
               <a:rPr lang="en-US" sz="2800" dirty="0" smtClean="0"/>
-              <a:t>Build System</a:t>
-            </a:r>
-          </a:p>
-          <a:p>
-            <a:pPr lvl="0">
-              <a:buFont typeface="Wingdings" pitchFamily="2" charset="2"/>
-              <a:buChar char="§"/>
-              <a:defRPr/>
-            </a:pPr>
-            <a:r>
-              <a:rPr lang="en-US" sz="2800" dirty="0" smtClean="0"/>
-              <a:t>Hardware requirements and implementation</a:t>
-            </a:r>
-          </a:p>
-          <a:p>
-            <a:pPr lvl="0">
-              <a:buFont typeface="Wingdings" pitchFamily="2" charset="2"/>
-              <a:buChar char="§"/>
-              <a:defRPr/>
-            </a:pPr>
-            <a:endParaRPr lang="en-US" sz="2800" dirty="0" smtClean="0"/>
+              <a:t>API documentation provides users with detailed information on RAICHU methods and variables.</a:t>
+            </a:r>
           </a:p>
         </p:txBody>
       </p:sp>
@@ -7025,13 +6767,7 @@
               <a:rPr lang="en-US" b="0" u="sng" dirty="0" smtClean="0">
                 <a:latin typeface="Alien Encounters Solid" pitchFamily="2" charset="0"/>
               </a:rPr>
-              <a:t>Individual </a:t>
-            </a:r>
-            <a:r>
-              <a:rPr lang="en-US" b="0" u="sng" dirty="0" err="1" smtClean="0">
-                <a:latin typeface="Alien Encounters Solid" pitchFamily="2" charset="0"/>
-              </a:rPr>
-              <a:t>responisbilities</a:t>
+              <a:t>The RAICHU API</a:t>
             </a:r>
             <a:endParaRPr lang="en-US" b="0" dirty="0">
               <a:latin typeface="Lucida Console" pitchFamily="49" charset="0"/>
@@ -7039,308 +6775,7 @@
           </a:p>
         </p:txBody>
       </p:sp>
-      <p:sp>
-        <p:nvSpPr>
-          <p:cNvPr id="4" name="Content Placeholder 1"/>
-          <p:cNvSpPr txBox="1">
-            <a:spLocks/>
-          </p:cNvSpPr>
-          <p:nvPr/>
-        </p:nvSpPr>
-        <p:spPr>
-          <a:xfrm>
-            <a:off x="228600" y="1600200"/>
-            <a:ext cx="4191000" cy="4525963"/>
-          </a:xfrm>
-          <a:prstGeom prst="rect">
-            <a:avLst/>
-          </a:prstGeom>
-        </p:spPr>
-        <p:txBody>
-          <a:bodyPr vert="horz">
-            <a:normAutofit/>
-          </a:bodyPr>
-          <a:lstStyle/>
-          <a:p>
-            <a:pPr marL="365760" marR="0" lvl="0" indent="-256032" algn="ctr" defTabSz="914400" rtl="0" eaLnBrk="1" fontAlgn="auto" latinLnBrk="0" hangingPunct="1">
-              <a:lnSpc>
-                <a:spcPct val="100000"/>
-              </a:lnSpc>
-              <a:spcBef>
-                <a:spcPts val="400"/>
-              </a:spcBef>
-              <a:spcAft>
-                <a:spcPts val="0"/>
-              </a:spcAft>
-              <a:buClr>
-                <a:schemeClr val="accent1"/>
-              </a:buClr>
-              <a:buSzPct val="68000"/>
-              <a:tabLst/>
-              <a:defRPr/>
-            </a:pPr>
-            <a:r>
-              <a:rPr kumimoji="0" lang="en-US" sz="2800" b="0" i="0" u="sng" strike="noStrike" kern="1200" cap="none" spc="0" normalizeH="0" baseline="0" noProof="0" dirty="0" smtClean="0">
-                <a:ln>
-                  <a:noFill/>
-                </a:ln>
-                <a:solidFill>
-                  <a:schemeClr val="tx1"/>
-                </a:solidFill>
-                <a:effectLst/>
-                <a:uLnTx/>
-                <a:uFillTx/>
-                <a:latin typeface="+mn-lt"/>
-                <a:ea typeface="+mn-ea"/>
-                <a:cs typeface="+mn-cs"/>
-              </a:rPr>
-              <a:t>Thomas</a:t>
-            </a:r>
-          </a:p>
-          <a:p>
-            <a:pPr marL="365760" marR="0" lvl="0" indent="-256032" defTabSz="914400" rtl="0" eaLnBrk="1" fontAlgn="auto" latinLnBrk="0" hangingPunct="1">
-              <a:lnSpc>
-                <a:spcPct val="100000"/>
-              </a:lnSpc>
-              <a:spcBef>
-                <a:spcPts val="400"/>
-              </a:spcBef>
-              <a:spcAft>
-                <a:spcPts val="0"/>
-              </a:spcAft>
-              <a:buClr>
-                <a:schemeClr val="accent1"/>
-              </a:buClr>
-              <a:buSzPct val="68000"/>
-              <a:buFont typeface="Wingdings" pitchFamily="2" charset="2"/>
-              <a:buChar char="§"/>
-              <a:tabLst/>
-              <a:defRPr/>
-            </a:pPr>
-            <a:r>
-              <a:rPr lang="en-US" sz="2800" noProof="0" dirty="0" smtClean="0"/>
-              <a:t>Server application</a:t>
-            </a:r>
-          </a:p>
-          <a:p>
-            <a:pPr marL="365760" marR="0" lvl="0" indent="-256032" defTabSz="914400" rtl="0" eaLnBrk="1" fontAlgn="auto" latinLnBrk="0" hangingPunct="1">
-              <a:lnSpc>
-                <a:spcPct val="100000"/>
-              </a:lnSpc>
-              <a:spcBef>
-                <a:spcPts val="400"/>
-              </a:spcBef>
-              <a:spcAft>
-                <a:spcPts val="0"/>
-              </a:spcAft>
-              <a:buClr>
-                <a:schemeClr val="accent1"/>
-              </a:buClr>
-              <a:buSzPct val="68000"/>
-              <a:buFont typeface="Wingdings" pitchFamily="2" charset="2"/>
-              <a:buChar char="§"/>
-              <a:tabLst/>
-              <a:defRPr/>
-            </a:pPr>
-            <a:r>
-              <a:rPr kumimoji="0" lang="en-US" sz="2800" b="0" i="0" strike="noStrike" kern="1200" cap="none" spc="0" normalizeH="0" baseline="0" dirty="0" smtClean="0">
-                <a:ln>
-                  <a:noFill/>
-                </a:ln>
-                <a:solidFill>
-                  <a:schemeClr val="tx1"/>
-                </a:solidFill>
-                <a:effectLst/>
-                <a:uLnTx/>
-                <a:uFillTx/>
-                <a:latin typeface="+mn-lt"/>
-                <a:ea typeface="+mn-ea"/>
-                <a:cs typeface="+mn-cs"/>
-              </a:rPr>
-              <a:t>Web</a:t>
-            </a:r>
-            <a:r>
-              <a:rPr kumimoji="0" lang="en-US" sz="2800" b="0" i="0" strike="noStrike" kern="1200" cap="none" spc="0" normalizeH="0" dirty="0" smtClean="0">
-                <a:ln>
-                  <a:noFill/>
-                </a:ln>
-                <a:solidFill>
-                  <a:schemeClr val="tx1"/>
-                </a:solidFill>
-                <a:effectLst/>
-                <a:uLnTx/>
-                <a:uFillTx/>
-                <a:latin typeface="+mn-lt"/>
-                <a:ea typeface="+mn-ea"/>
-                <a:cs typeface="+mn-cs"/>
-              </a:rPr>
-              <a:t> and database server</a:t>
-            </a:r>
-          </a:p>
-          <a:p>
-            <a:pPr marL="365760" marR="0" lvl="0" indent="-256032" defTabSz="914400" rtl="0" eaLnBrk="1" fontAlgn="auto" latinLnBrk="0" hangingPunct="1">
-              <a:lnSpc>
-                <a:spcPct val="100000"/>
-              </a:lnSpc>
-              <a:spcBef>
-                <a:spcPts val="400"/>
-              </a:spcBef>
-              <a:spcAft>
-                <a:spcPts val="0"/>
-              </a:spcAft>
-              <a:buClr>
-                <a:schemeClr val="accent1"/>
-              </a:buClr>
-              <a:buSzPct val="68000"/>
-              <a:buFont typeface="Wingdings" pitchFamily="2" charset="2"/>
-              <a:buChar char="§"/>
-              <a:tabLst/>
-              <a:defRPr/>
-            </a:pPr>
-            <a:r>
-              <a:rPr lang="en-US" sz="2800" baseline="0" noProof="0" dirty="0" smtClean="0"/>
-              <a:t>Control protocol</a:t>
-            </a:r>
-          </a:p>
-          <a:p>
-            <a:pPr marL="365760" marR="0" lvl="0" indent="-256032" defTabSz="914400" rtl="0" eaLnBrk="1" fontAlgn="auto" latinLnBrk="0" hangingPunct="1">
-              <a:lnSpc>
-                <a:spcPct val="100000"/>
-              </a:lnSpc>
-              <a:spcBef>
-                <a:spcPts val="400"/>
-              </a:spcBef>
-              <a:spcAft>
-                <a:spcPts val="0"/>
-              </a:spcAft>
-              <a:buClr>
-                <a:schemeClr val="accent1"/>
-              </a:buClr>
-              <a:buSzPct val="68000"/>
-              <a:buFont typeface="Wingdings" pitchFamily="2" charset="2"/>
-              <a:buChar char="§"/>
-              <a:tabLst/>
-              <a:defRPr/>
-            </a:pPr>
-            <a:r>
-              <a:rPr kumimoji="0" lang="en-US" sz="2800" b="0" i="0" strike="noStrike" kern="1200" cap="none" spc="0" normalizeH="0" baseline="0" noProof="0" dirty="0" smtClean="0">
-                <a:ln>
-                  <a:noFill/>
-                </a:ln>
-                <a:solidFill>
-                  <a:schemeClr val="tx1"/>
-                </a:solidFill>
-                <a:effectLst/>
-                <a:uLnTx/>
-                <a:uFillTx/>
-                <a:latin typeface="+mn-lt"/>
-                <a:ea typeface="+mn-ea"/>
-                <a:cs typeface="+mn-cs"/>
-              </a:rPr>
-              <a:t>System architecture</a:t>
-            </a:r>
-          </a:p>
-          <a:p>
-            <a:pPr marL="365760" marR="0" lvl="0" indent="-256032" defTabSz="914400" rtl="0" eaLnBrk="1" fontAlgn="auto" latinLnBrk="0" hangingPunct="1">
-              <a:lnSpc>
-                <a:spcPct val="100000"/>
-              </a:lnSpc>
-              <a:spcBef>
-                <a:spcPts val="400"/>
-              </a:spcBef>
-              <a:spcAft>
-                <a:spcPts val="0"/>
-              </a:spcAft>
-              <a:buClr>
-                <a:schemeClr val="accent1"/>
-              </a:buClr>
-              <a:buSzPct val="68000"/>
-              <a:buFont typeface="Wingdings" pitchFamily="2" charset="2"/>
-              <a:buChar char="§"/>
-              <a:tabLst/>
-              <a:defRPr/>
-            </a:pPr>
-            <a:r>
-              <a:rPr lang="en-US" sz="2800" noProof="0" dirty="0" smtClean="0"/>
-              <a:t>Simulation tools</a:t>
-            </a:r>
-          </a:p>
-          <a:p>
-            <a:pPr marL="109728" marR="0" lvl="0" defTabSz="914400" rtl="0" eaLnBrk="1" fontAlgn="auto" latinLnBrk="0" hangingPunct="1">
-              <a:lnSpc>
-                <a:spcPct val="100000"/>
-              </a:lnSpc>
-              <a:spcBef>
-                <a:spcPts val="400"/>
-              </a:spcBef>
-              <a:spcAft>
-                <a:spcPts val="0"/>
-              </a:spcAft>
-              <a:buClr>
-                <a:schemeClr val="accent1"/>
-              </a:buClr>
-              <a:buSzPct val="68000"/>
-              <a:tabLst/>
-              <a:defRPr/>
-            </a:pPr>
-            <a:endParaRPr kumimoji="0" lang="en-US" sz="2800" b="0" i="0" strike="noStrike" kern="1200" cap="none" spc="0" normalizeH="0" baseline="0" noProof="0" dirty="0" smtClean="0">
-              <a:ln>
-                <a:noFill/>
-              </a:ln>
-              <a:solidFill>
-                <a:schemeClr val="tx1"/>
-              </a:solidFill>
-              <a:effectLst/>
-              <a:uLnTx/>
-              <a:uFillTx/>
-              <a:latin typeface="+mn-lt"/>
-              <a:ea typeface="+mn-ea"/>
-              <a:cs typeface="+mn-cs"/>
-            </a:endParaRPr>
-          </a:p>
-          <a:p>
-            <a:pPr marL="365760" marR="0" lvl="0" indent="-256032" defTabSz="914400" rtl="0" eaLnBrk="1" fontAlgn="auto" latinLnBrk="0" hangingPunct="1">
-              <a:lnSpc>
-                <a:spcPct val="100000"/>
-              </a:lnSpc>
-              <a:spcBef>
-                <a:spcPts val="400"/>
-              </a:spcBef>
-              <a:spcAft>
-                <a:spcPts val="0"/>
-              </a:spcAft>
-              <a:buClr>
-                <a:schemeClr val="accent1"/>
-              </a:buClr>
-              <a:buSzPct val="68000"/>
-              <a:buFont typeface="Wingdings" pitchFamily="2" charset="2"/>
-              <a:buChar char="§"/>
-              <a:tabLst/>
-              <a:defRPr/>
-            </a:pPr>
-            <a:endParaRPr kumimoji="0" lang="en-US" sz="2800" b="0" i="0" strike="noStrike" kern="1200" cap="none" spc="0" normalizeH="0" baseline="0" noProof="0" dirty="0" smtClean="0">
-              <a:ln>
-                <a:noFill/>
-              </a:ln>
-              <a:solidFill>
-                <a:schemeClr val="tx1"/>
-              </a:solidFill>
-              <a:effectLst/>
-              <a:uLnTx/>
-              <a:uFillTx/>
-              <a:latin typeface="+mn-lt"/>
-              <a:ea typeface="+mn-ea"/>
-              <a:cs typeface="+mn-cs"/>
-            </a:endParaRPr>
-          </a:p>
-        </p:txBody>
-      </p:sp>
     </p:spTree>
-    <p:extLst>
-      <p:ext uri="{BB962C8B-B14F-4D97-AF65-F5344CB8AC3E}">
-        <p14:creationId xmlns:p14="http://schemas.microsoft.com/office/powerpoint/2010/main" xmlns="" val="2380237567"/>
-      </p:ext>
-    </p:extLst>
   </p:cSld>
   <p:clrMapOvr>
     <a:masterClrMapping/>
@@ -7382,7 +6817,12 @@
             <p:ph idx="1"/>
           </p:nvPr>
         </p:nvSpPr>
-        <p:spPr/>
+        <p:spPr>
+          <a:xfrm>
+            <a:off x="457200" y="1481328"/>
+            <a:ext cx="4648200" cy="4525963"/>
+          </a:xfrm>
+        </p:spPr>
         <p:txBody>
           <a:bodyPr>
             <a:normAutofit fontScale="92500" lnSpcReduction="20000"/>
@@ -7391,31 +6831,24 @@
           <a:p>
             <a:r>
               <a:rPr lang="en-US" sz="2800" dirty="0" smtClean="0"/>
-              <a:t>As a team of two it was rather hard to make a large divide in the work. </a:t>
+              <a:t>RAICHU incorporates both mobile and web applications to allow users to connect to their devices from virtually anywhere.</a:t>
             </a:r>
           </a:p>
           <a:p>
             <a:r>
               <a:rPr lang="en-US" sz="2800" dirty="0" smtClean="0"/>
-              <a:t>With two main aspects of this project, hardware that can demo and support RAICHU, as well as software running on the server, devices and control applications. We each took charge of one aspect.</a:t>
-            </a:r>
-          </a:p>
-          <a:p>
-            <a:r>
-              <a:rPr lang="en-US" sz="2800" dirty="0" smtClean="0"/>
-              <a:t>Thomas ran software development while Ben was in charge of hardware.</a:t>
-            </a:r>
-          </a:p>
-          <a:p>
-            <a:r>
-              <a:rPr lang="en-US" sz="2800" dirty="0" smtClean="0"/>
-              <a:t>It should also be noted that as a small team, no one area of this project was completed alone. It took careful planning and execution by all members to create a working system.</a:t>
-            </a:r>
-            <a:endParaRPr lang="en-US" dirty="0" smtClean="0"/>
+              <a:t>With dynamic controls and customized interaction per RAICHU enable device. The applications are simple to set up and easy to use.</a:t>
+            </a:r>
           </a:p>
           <a:p>
             <a:endParaRPr lang="en-US" sz="2800" dirty="0" smtClean="0"/>
           </a:p>
+          <a:p>
+            <a:pPr>
+              <a:buNone/>
+            </a:pPr>
+            <a:endParaRPr lang="en-US" sz="2800" dirty="0" smtClean="0"/>
+          </a:p>
         </p:txBody>
       </p:sp>
       <p:sp>
@@ -7430,7 +6863,9 @@
         </p:nvSpPr>
         <p:spPr/>
         <p:txBody>
-          <a:bodyPr/>
+          <a:bodyPr>
+            <a:normAutofit fontScale="90000"/>
+          </a:bodyPr>
           <a:lstStyle/>
           <a:p>
             <a:pPr algn="ctr"/>
@@ -7438,14 +6873,38 @@
               <a:rPr lang="en-US" b="0" u="sng" dirty="0" smtClean="0">
                 <a:latin typeface="Alien Encounters Solid" pitchFamily="2" charset="0"/>
               </a:rPr>
-              <a:t>Team Dynamic</a:t>
-            </a:r>
-            <a:endParaRPr lang="en-US" b="0" dirty="0">
+              <a:t>Mobile and web Applications</a:t>
+            </a:r>
+            <a:endParaRPr lang="en-US" b="0" u="sng" dirty="0">
               <a:latin typeface="Lucida Console" pitchFamily="49" charset="0"/>
             </a:endParaRPr>
           </a:p>
         </p:txBody>
       </p:sp>
+      <p:pic>
+        <p:nvPicPr>
+          <p:cNvPr id="4" name="Picture 3" descr="Screen 1.jpg"/>
+          <p:cNvPicPr>
+            <a:picLocks noChangeAspect="1"/>
+          </p:cNvPicPr>
+          <p:nvPr/>
+        </p:nvPicPr>
+        <p:blipFill>
+          <a:blip r:embed="rId2" cstate="print"/>
+          <a:stretch>
+            <a:fillRect/>
+          </a:stretch>
+        </p:blipFill>
+        <p:spPr>
+          <a:xfrm>
+            <a:off x="5257800" y="1219200"/>
+            <a:ext cx="2981097" cy="5257800"/>
+          </a:xfrm>
+          <a:prstGeom prst="rect">
+            <a:avLst/>
+          </a:prstGeom>
+        </p:spPr>
+      </p:pic>
     </p:spTree>
   </p:cSld>
   <p:clrMapOvr>
@@ -7480,6 +6939,68 @@
       </p:grpSpPr>
       <p:sp>
         <p:nvSpPr>
+          <p:cNvPr id="3" name="Title 2"/>
+          <p:cNvSpPr>
+            <a:spLocks noGrp="1"/>
+          </p:cNvSpPr>
+          <p:nvPr>
+            <p:ph type="title"/>
+          </p:nvPr>
+        </p:nvSpPr>
+        <p:spPr/>
+        <p:txBody>
+          <a:bodyPr>
+            <a:normAutofit/>
+          </a:bodyPr>
+          <a:lstStyle/>
+          <a:p>
+            <a:pPr algn="ctr"/>
+            <a:r>
+              <a:rPr lang="en-US" b="0" u="sng" dirty="0" smtClean="0">
+                <a:latin typeface="Alien Encounters Solid" pitchFamily="2" charset="0"/>
+              </a:rPr>
+              <a:t>Client control flow</a:t>
+            </a:r>
+            <a:endParaRPr lang="en-US" b="0" u="sng" dirty="0">
+              <a:latin typeface="Lucida Console" pitchFamily="49" charset="0"/>
+            </a:endParaRPr>
+          </a:p>
+        </p:txBody>
+      </p:sp>
+      <p:pic>
+        <p:nvPicPr>
+          <p:cNvPr id="1026" name="Picture 2"/>
+          <p:cNvPicPr>
+            <a:picLocks noChangeAspect="1" noChangeArrowheads="1"/>
+          </p:cNvPicPr>
+          <p:nvPr/>
+        </p:nvPicPr>
+        <p:blipFill>
+          <a:blip r:embed="rId2" cstate="print"/>
+          <a:srcRect/>
+          <a:stretch>
+            <a:fillRect/>
+          </a:stretch>
+        </p:blipFill>
+        <p:spPr bwMode="auto">
+          <a:xfrm>
+            <a:off x="2286000" y="1447800"/>
+            <a:ext cx="6429375" cy="3800475"/>
+          </a:xfrm>
+          <a:prstGeom prst="rect">
+            <a:avLst/>
+          </a:prstGeom>
+          <a:noFill/>
+          <a:ln w="9525">
+            <a:noFill/>
+            <a:miter lim="800000"/>
+            <a:headEnd/>
+            <a:tailEnd/>
+          </a:ln>
+        </p:spPr>
+      </p:pic>
+      <p:sp>
+        <p:nvSpPr>
           <p:cNvPr id="2" name="Content Placeholder 1"/>
           <p:cNvSpPr>
             <a:spLocks noGrp="1"/>
@@ -7488,7 +7009,12 @@
             <p:ph idx="1"/>
           </p:nvPr>
         </p:nvSpPr>
-        <p:spPr/>
+        <p:spPr>
+          <a:xfrm>
+            <a:off x="457200" y="2286000"/>
+            <a:ext cx="4648200" cy="3721291"/>
+          </a:xfrm>
+        </p:spPr>
         <p:txBody>
           <a:bodyPr>
             <a:normAutofit fontScale="85000" lnSpcReduction="10000"/>
@@ -7497,54 +7023,71 @@
           <a:p>
             <a:r>
               <a:rPr lang="en-US" sz="2800" dirty="0" smtClean="0"/>
-              <a:t>The RAICHU framework and API will be an ever evolving project that will work to best fit developers needs. One of the initial goals set fourth by the RAICHU team was to create a system in which developers would want to use and want to improve. At its current state, there are many shortcomings as well as many strengths. These can all be leveraged to help advance RAICHU and get it in more in more devices.</a:t>
-            </a:r>
-          </a:p>
-          <a:p>
-            <a:r>
-              <a:rPr lang="en-US" sz="2800" dirty="0" smtClean="0"/>
-              <a:t>The RAICHU team encourages feedback, both positive and negative that can help make this architecture easier to use, more reliable, and more secure.</a:t>
-            </a:r>
-          </a:p>
-          <a:p>
-            <a:endParaRPr lang="en-US" sz="2800" dirty="0" smtClean="0"/>
-          </a:p>
-          <a:p>
-            <a:pPr>
-              <a:buNone/>
-            </a:pPr>
-            <a:endParaRPr lang="en-US" sz="2800" dirty="0" smtClean="0"/>
-          </a:p>
-        </p:txBody>
-      </p:sp>
-      <p:sp>
-        <p:nvSpPr>
-          <p:cNvPr id="3" name="Title 2"/>
-          <p:cNvSpPr>
-            <a:spLocks noGrp="1"/>
-          </p:cNvSpPr>
-          <p:nvPr>
-            <p:ph type="title"/>
-          </p:nvPr>
-        </p:nvSpPr>
-        <p:spPr/>
-        <p:txBody>
-          <a:bodyPr/>
-          <a:lstStyle/>
-          <a:p>
-            <a:pPr algn="ctr"/>
-            <a:r>
-              <a:rPr lang="en-US" b="0" u="sng" dirty="0" smtClean="0">
-                <a:latin typeface="Alien Encounters Solid" pitchFamily="2" charset="0"/>
-              </a:rPr>
-              <a:t>Future work</a:t>
-            </a:r>
-            <a:endParaRPr lang="en-US" b="0" dirty="0">
-              <a:latin typeface="Lucida Console" pitchFamily="49" charset="0"/>
-            </a:endParaRPr>
-          </a:p>
-        </p:txBody>
-      </p:sp>
+              <a:t>User interaction is fast and simple</a:t>
+            </a:r>
+          </a:p>
+          <a:p>
+            <a:pPr lvl="1"/>
+            <a:r>
+              <a:rPr lang="en-US" sz="2400" dirty="0" smtClean="0"/>
+              <a:t>Upon login, available devices are presented to the user.</a:t>
+            </a:r>
+          </a:p>
+          <a:p>
+            <a:pPr lvl="1"/>
+            <a:r>
+              <a:rPr lang="en-US" sz="2400" dirty="0" smtClean="0"/>
+              <a:t>Once device(s) are selected, available device controls and device state are relayed to client.</a:t>
+            </a:r>
+          </a:p>
+          <a:p>
+            <a:pPr lvl="1"/>
+            <a:r>
+              <a:rPr lang="en-US" sz="2400" dirty="0" smtClean="0"/>
+              <a:t>User interaction occurs</a:t>
+            </a:r>
+          </a:p>
+          <a:p>
+            <a:pPr lvl="1"/>
+            <a:r>
+              <a:rPr lang="en-US" sz="2400" dirty="0" smtClean="0"/>
+              <a:t>Upon user logout, devices are returned to ready-device pool.</a:t>
+            </a:r>
+          </a:p>
+        </p:txBody>
+      </p:sp>
+      <p:pic>
+        <p:nvPicPr>
+          <p:cNvPr id="1028" name="Picture 4"/>
+          <p:cNvPicPr>
+            <a:picLocks noChangeAspect="1" noChangeArrowheads="1"/>
+          </p:cNvPicPr>
+          <p:nvPr/>
+        </p:nvPicPr>
+        <p:blipFill>
+          <a:blip r:embed="rId3" cstate="print"/>
+          <a:srcRect/>
+          <a:stretch>
+            <a:fillRect/>
+          </a:stretch>
+        </p:blipFill>
+        <p:spPr bwMode="auto">
+          <a:xfrm>
+            <a:off x="5867400" y="5867400"/>
+            <a:ext cx="2819400" cy="565388"/>
+          </a:xfrm>
+          <a:prstGeom prst="rect">
+            <a:avLst/>
+          </a:prstGeom>
+          <a:noFill/>
+          <a:ln w="9525">
+            <a:noFill/>
+            <a:miter lim="800000"/>
+            <a:headEnd/>
+            <a:tailEnd/>
+          </a:ln>
+        </p:spPr>
+      </p:pic>
     </p:spTree>
   </p:cSld>
   <p:clrMapOvr>

--- a/docs/final_presentation_ben.pptx
+++ b/docs/final_presentation_ben.pptx
@@ -2,7 +2,7 @@
 <file path=ppt/presentation.xml><?xml version="1.0" encoding="utf-8"?>
 <p:presentation xmlns:a="http://schemas.openxmlformats.org/drawingml/2006/main" xmlns:r="http://schemas.openxmlformats.org/officeDocument/2006/relationships" xmlns:p="http://schemas.openxmlformats.org/presentationml/2006/main" saveSubsetFonts="1">
   <p:sldMasterIdLst>
-    <p:sldMasterId id="2147483684" r:id="rId1"/>
+    <p:sldMasterId id="2147483768" r:id="rId1"/>
   </p:sldMasterIdLst>
   <p:sldIdLst>
     <p:sldId id="256" r:id="rId2"/>
@@ -11,14 +11,25 @@
     <p:sldId id="259" r:id="rId5"/>
     <p:sldId id="258" r:id="rId6"/>
     <p:sldId id="261" r:id="rId7"/>
-    <p:sldId id="276" r:id="rId8"/>
-    <p:sldId id="265" r:id="rId9"/>
-    <p:sldId id="266" r:id="rId10"/>
-    <p:sldId id="274" r:id="rId11"/>
-    <p:sldId id="275" r:id="rId12"/>
-    <p:sldId id="262" r:id="rId13"/>
-    <p:sldId id="267" r:id="rId14"/>
-    <p:sldId id="264" r:id="rId15"/>
+    <p:sldId id="265" r:id="rId8"/>
+    <p:sldId id="266" r:id="rId9"/>
+    <p:sldId id="274" r:id="rId10"/>
+    <p:sldId id="275" r:id="rId11"/>
+    <p:sldId id="280" r:id="rId12"/>
+    <p:sldId id="287" r:id="rId13"/>
+    <p:sldId id="276" r:id="rId14"/>
+    <p:sldId id="277" r:id="rId15"/>
+    <p:sldId id="278" r:id="rId16"/>
+    <p:sldId id="279" r:id="rId17"/>
+    <p:sldId id="286" r:id="rId18"/>
+    <p:sldId id="281" r:id="rId19"/>
+    <p:sldId id="282" r:id="rId20"/>
+    <p:sldId id="283" r:id="rId21"/>
+    <p:sldId id="284" r:id="rId22"/>
+    <p:sldId id="262" r:id="rId23"/>
+    <p:sldId id="267" r:id="rId24"/>
+    <p:sldId id="285" r:id="rId25"/>
+    <p:sldId id="264" r:id="rId26"/>
   </p:sldIdLst>
   <p:sldSz cx="9144000" cy="6858000" type="screen4x3"/>
   <p:notesSz cx="6858000" cy="9144000"/>
@@ -1372,11 +1383,6 @@
 <file path=ppt/slideLayouts/slideLayout3.xml><?xml version="1.0" encoding="utf-8"?>
 <p:sldLayout xmlns:a="http://schemas.openxmlformats.org/drawingml/2006/main" xmlns:r="http://schemas.openxmlformats.org/officeDocument/2006/relationships" xmlns:p="http://schemas.openxmlformats.org/presentationml/2006/main" type="secHead" preserve="1">
   <p:cSld name="Section Header">
-    <p:bg>
-      <p:bgRef idx="1002">
-        <a:schemeClr val="bg1"/>
-      </p:bgRef>
-    </p:bg>
     <p:spTree>
       <p:nvGrpSpPr>
         <p:cNvPr id="1" name=""/>
@@ -1756,7 +1762,7 @@
     </p:spTree>
   </p:cSld>
   <p:clrMapOvr>
-    <a:overrideClrMapping bg1="dk1" tx1="lt1" bg2="dk2" tx2="lt2" accent1="accent1" accent2="accent2" accent3="accent3" accent4="accent4" accent5="accent5" accent6="accent6" hlink="hlink" folHlink="folHlink"/>
+    <a:masterClrMapping/>
   </p:clrMapOvr>
 </p:sldLayout>
 </file>
@@ -1764,11 +1770,6 @@
 <file path=ppt/slideLayouts/slideLayout4.xml><?xml version="1.0" encoding="utf-8"?>
 <p:sldLayout xmlns:a="http://schemas.openxmlformats.org/drawingml/2006/main" xmlns:r="http://schemas.openxmlformats.org/officeDocument/2006/relationships" xmlns:p="http://schemas.openxmlformats.org/presentationml/2006/main" type="twoObj" preserve="1">
   <p:cSld name="Two Content">
-    <p:bg>
-      <p:bgRef idx="1002">
-        <a:schemeClr val="bg1"/>
-      </p:bgRef>
-    </p:bg>
     <p:spTree>
       <p:nvGrpSpPr>
         <p:cNvPr id="1" name=""/>
@@ -2032,7 +2033,7 @@
     </p:spTree>
   </p:cSld>
   <p:clrMapOvr>
-    <a:overrideClrMapping bg1="dk1" tx1="lt1" bg2="dk2" tx2="lt2" accent1="accent1" accent2="accent2" accent3="accent3" accent4="accent4" accent5="accent5" accent6="accent6" hlink="hlink" folHlink="folHlink"/>
+    <a:masterClrMapping/>
   </p:clrMapOvr>
 </p:sldLayout>
 </file>
@@ -2040,11 +2041,6 @@
 <file path=ppt/slideLayouts/slideLayout5.xml><?xml version="1.0" encoding="utf-8"?>
 <p:sldLayout xmlns:a="http://schemas.openxmlformats.org/drawingml/2006/main" xmlns:r="http://schemas.openxmlformats.org/officeDocument/2006/relationships" xmlns:p="http://schemas.openxmlformats.org/presentationml/2006/main" showMasterSp="0" type="twoTxTwoObj" preserve="1">
   <p:cSld name="Comparison">
-    <p:bg>
-      <p:bgRef idx="1003">
-        <a:schemeClr val="bg1"/>
-      </p:bgRef>
-    </p:bg>
     <p:spTree>
       <p:nvGrpSpPr>
         <p:cNvPr id="1" name=""/>
@@ -2455,7 +2451,7 @@
     </p:spTree>
   </p:cSld>
   <p:clrMapOvr>
-    <a:overrideClrMapping bg1="lt1" tx1="dk1" bg2="lt2" tx2="dk2" accent1="accent1" accent2="accent2" accent3="accent3" accent4="accent4" accent5="accent5" accent6="accent6" hlink="hlink" folHlink="folHlink"/>
+    <a:masterClrMapping/>
   </p:clrMapOvr>
 </p:sldLayout>
 </file>
@@ -2463,11 +2459,6 @@
 <file path=ppt/slideLayouts/slideLayout6.xml><?xml version="1.0" encoding="utf-8"?>
 <p:sldLayout xmlns:a="http://schemas.openxmlformats.org/drawingml/2006/main" xmlns:r="http://schemas.openxmlformats.org/officeDocument/2006/relationships" xmlns:p="http://schemas.openxmlformats.org/presentationml/2006/main" type="titleOnly" preserve="1">
   <p:cSld name="Title Only">
-    <p:bg>
-      <p:bgRef idx="1002">
-        <a:schemeClr val="bg1"/>
-      </p:bgRef>
-    </p:bg>
     <p:spTree>
       <p:nvGrpSpPr>
         <p:cNvPr id="1" name=""/>
@@ -2583,7 +2574,7 @@
     </p:spTree>
   </p:cSld>
   <p:clrMapOvr>
-    <a:overrideClrMapping bg1="dk1" tx1="lt1" bg2="dk2" tx2="lt2" accent1="accent1" accent2="accent2" accent3="accent3" accent4="accent4" accent5="accent5" accent6="accent6" hlink="hlink" folHlink="folHlink"/>
+    <a:masterClrMapping/>
   </p:clrMapOvr>
 </p:sldLayout>
 </file>
@@ -2689,11 +2680,6 @@
 <file path=ppt/slideLayouts/slideLayout8.xml><?xml version="1.0" encoding="utf-8"?>
 <p:sldLayout xmlns:a="http://schemas.openxmlformats.org/drawingml/2006/main" xmlns:r="http://schemas.openxmlformats.org/officeDocument/2006/relationships" xmlns:p="http://schemas.openxmlformats.org/presentationml/2006/main" showMasterSp="0" type="objTx" preserve="1">
   <p:cSld name="Content with Caption">
-    <p:bg>
-      <p:bgRef idx="1003">
-        <a:schemeClr val="bg1"/>
-      </p:bgRef>
-    </p:bg>
     <p:spTree>
       <p:nvGrpSpPr>
         <p:cNvPr id="1" name=""/>
@@ -2957,7 +2943,7 @@
     </p:spTree>
   </p:cSld>
   <p:clrMapOvr>
-    <a:overrideClrMapping bg1="lt1" tx1="dk1" bg2="lt2" tx2="dk2" accent1="accent1" accent2="accent2" accent3="accent3" accent4="accent4" accent5="accent5" accent6="accent6" hlink="hlink" folHlink="folHlink"/>
+    <a:masterClrMapping/>
   </p:clrMapOvr>
 </p:sldLayout>
 </file>
@@ -2965,11 +2951,6 @@
 <file path=ppt/slideLayouts/slideLayout9.xml><?xml version="1.0" encoding="utf-8"?>
 <p:sldLayout xmlns:a="http://schemas.openxmlformats.org/drawingml/2006/main" xmlns:r="http://schemas.openxmlformats.org/officeDocument/2006/relationships" xmlns:p="http://schemas.openxmlformats.org/presentationml/2006/main" showMasterSp="0" type="picTx" preserve="1">
   <p:cSld name="Picture with Caption">
-    <p:bg>
-      <p:bgRef idx="1002">
-        <a:schemeClr val="bg1"/>
-      </p:bgRef>
-    </p:bg>
     <p:spTree>
       <p:nvGrpSpPr>
         <p:cNvPr id="1" name=""/>
@@ -3721,7 +3702,7 @@
     </p:spTree>
   </p:cSld>
   <p:clrMapOvr>
-    <a:overrideClrMapping bg1="dk1" tx1="lt1" bg2="dk2" tx2="lt2" accent1="accent1" accent2="accent2" accent3="accent3" accent4="accent4" accent5="accent5" accent6="accent6" hlink="hlink" folHlink="folHlink"/>
+    <a:masterClrMapping/>
   </p:clrMapOvr>
 </p:sldLayout>
 </file>
@@ -3730,7 +3711,7 @@
 <p:sldMaster xmlns:a="http://schemas.openxmlformats.org/drawingml/2006/main" xmlns:r="http://schemas.openxmlformats.org/officeDocument/2006/relationships" xmlns:p="http://schemas.openxmlformats.org/presentationml/2006/main">
   <p:cSld>
     <p:bg>
-      <p:bgRef idx="1001">
+      <p:bgRef idx="1002">
         <a:schemeClr val="bg1"/>
       </p:bgRef>
     </p:bg>
@@ -4306,17 +4287,17 @@
   </p:cSld>
   <p:clrMap bg1="lt1" tx1="dk1" bg2="lt2" tx2="dk2" accent1="accent1" accent2="accent2" accent3="accent3" accent4="accent4" accent5="accent5" accent6="accent6" hlink="hlink" folHlink="folHlink"/>
   <p:sldLayoutIdLst>
-    <p:sldLayoutId id="2147483685" r:id="rId1"/>
-    <p:sldLayoutId id="2147483686" r:id="rId2"/>
-    <p:sldLayoutId id="2147483687" r:id="rId3"/>
-    <p:sldLayoutId id="2147483688" r:id="rId4"/>
-    <p:sldLayoutId id="2147483689" r:id="rId5"/>
-    <p:sldLayoutId id="2147483690" r:id="rId6"/>
-    <p:sldLayoutId id="2147483691" r:id="rId7"/>
-    <p:sldLayoutId id="2147483692" r:id="rId8"/>
-    <p:sldLayoutId id="2147483693" r:id="rId9"/>
-    <p:sldLayoutId id="2147483694" r:id="rId10"/>
-    <p:sldLayoutId id="2147483695" r:id="rId11"/>
+    <p:sldLayoutId id="2147483769" r:id="rId1"/>
+    <p:sldLayoutId id="2147483770" r:id="rId2"/>
+    <p:sldLayoutId id="2147483771" r:id="rId3"/>
+    <p:sldLayoutId id="2147483772" r:id="rId4"/>
+    <p:sldLayoutId id="2147483773" r:id="rId5"/>
+    <p:sldLayoutId id="2147483774" r:id="rId6"/>
+    <p:sldLayoutId id="2147483775" r:id="rId7"/>
+    <p:sldLayoutId id="2147483776" r:id="rId8"/>
+    <p:sldLayoutId id="2147483777" r:id="rId9"/>
+    <p:sldLayoutId id="2147483778" r:id="rId10"/>
+    <p:sldLayoutId id="2147483779" r:id="rId11"/>
   </p:sldLayoutIdLst>
   <p:txStyles>
     <p:titleStyle>
@@ -4929,41 +4910,38 @@
         <p:spPr/>
         <p:txBody>
           <a:bodyPr>
-            <a:normAutofit/>
+            <a:normAutofit fontScale="62500" lnSpcReduction="20000"/>
           </a:bodyPr>
           <a:lstStyle/>
           <a:p>
             <a:r>
               <a:rPr lang="en-US" sz="2800" dirty="0" smtClean="0"/>
-              <a:t>To demo the RAICHU servers capabilities the team has come up with several hardware implementations that can show the diversity of the system.</a:t>
-            </a:r>
-          </a:p>
-          <a:p>
-            <a:pPr lvl="1"/>
-            <a:r>
-              <a:rPr lang="en-US" sz="2400" dirty="0" smtClean="0"/>
-              <a:t>RC car</a:t>
-            </a:r>
-          </a:p>
-          <a:p>
-            <a:pPr lvl="1"/>
-            <a:r>
-              <a:rPr lang="en-US" sz="2400" dirty="0" smtClean="0"/>
-              <a:t>Power bank</a:t>
-            </a:r>
-          </a:p>
-          <a:p>
-            <a:pPr lvl="1"/>
-            <a:r>
-              <a:rPr lang="en-US" sz="2400" dirty="0" smtClean="0"/>
-              <a:t>Mp3 player</a:t>
-            </a:r>
-          </a:p>
-          <a:p>
-            <a:pPr>
-              <a:buNone/>
-            </a:pPr>
-            <a:endParaRPr lang="en-US" sz="2800" dirty="0" smtClean="0"/>
+              <a:t>Each device implementation utilizes a different set of commands and functionality.</a:t>
+            </a:r>
+          </a:p>
+          <a:p>
+            <a:r>
+              <a:rPr lang="en-US" sz="2800" dirty="0" smtClean="0"/>
+              <a:t>The RC car allows users to drive(forward-back, left-right) while the device relays pertinent information back to the user such as GPS location, heading, speed, and if obstacles may obstruct path.</a:t>
+            </a:r>
+          </a:p>
+          <a:p>
+            <a:r>
+              <a:rPr lang="en-US" sz="2800" dirty="0" smtClean="0"/>
+              <a:t>The power back allows the user to turn on and off two outlets independently that are located within the same wall socket and relays back the state of each switch.</a:t>
+            </a:r>
+          </a:p>
+          <a:p>
+            <a:r>
+              <a:rPr lang="en-US" sz="2800" dirty="0" smtClean="0"/>
+              <a:t>The Mp3 player allows the user to play, pause, seek forward and back and relays the song title and duration of tracks, as well other tracks that can be selected.</a:t>
+            </a:r>
+          </a:p>
+          <a:p>
+            <a:r>
+              <a:rPr lang="en-US" sz="2800" dirty="0" smtClean="0"/>
+              <a:t>Although each device represents a different aspect of everyday life, the RAICHU API allows developers to use the same code structure across a wide array of devices. To show RAICHU’s ability to be injected into an already viable and living code source, both the power bank and RC car were fitted with RAICHU functionality at the end of the development period. The power bank was designed from the beginning to target the RAICHU platform.</a:t>
+            </a:r>
           </a:p>
           <a:p>
             <a:pPr>
@@ -5046,44 +5024,58 @@
         <p:spPr/>
         <p:txBody>
           <a:bodyPr>
-            <a:normAutofit fontScale="62500" lnSpcReduction="20000"/>
+            <a:normAutofit/>
           </a:bodyPr>
           <a:lstStyle/>
           <a:p>
             <a:r>
-              <a:rPr lang="en-US" sz="2800" dirty="0" smtClean="0"/>
-              <a:t>Each device implementation utilizes a different set of commands and functionality.</a:t>
-            </a:r>
-          </a:p>
-          <a:p>
-            <a:r>
-              <a:rPr lang="en-US" sz="2800" dirty="0" smtClean="0"/>
-              <a:t>The RC car allows users to drive(forward-back, left-right) while the device relays pertinent information back to the user such as GPS location, heading, speed, and if obstacles may obstruct path.</a:t>
-            </a:r>
-          </a:p>
-          <a:p>
-            <a:r>
-              <a:rPr lang="en-US" sz="2800" dirty="0" smtClean="0"/>
-              <a:t>The power back allows the user to turn on and off two outlets independently that are located within the same wall socket and relays back the state of each switch.</a:t>
-            </a:r>
-          </a:p>
-          <a:p>
-            <a:r>
-              <a:rPr lang="en-US" sz="2800" dirty="0" smtClean="0"/>
-              <a:t>The Mp3 player allows the user to play, pause, seek forward and back and relays the song title and duration of tracks, as well other tracks that can be selected.</a:t>
-            </a:r>
-          </a:p>
-          <a:p>
-            <a:r>
-              <a:rPr lang="en-US" sz="2800" dirty="0" smtClean="0"/>
-              <a:t>Although each device represents a different aspect of everyday life, the RAICHU API allows developers to use the same code structure across a wide array of devices. To show RAICHU’s ability to be injected into an already viable and living code source, both the power bank and RC car were fitted with RAICHU functionality at the end of the development period. The power bank was designed from the beginning to target the RAICHU platform.</a:t>
-            </a:r>
-          </a:p>
-          <a:p>
-            <a:pPr>
-              <a:buNone/>
-            </a:pPr>
-            <a:endParaRPr lang="en-US" sz="2800" dirty="0" smtClean="0"/>
+              <a:rPr lang="en-US" dirty="0" smtClean="0"/>
+              <a:t>Functional:</a:t>
+            </a:r>
+          </a:p>
+          <a:p>
+            <a:pPr lvl="1"/>
+            <a:r>
+              <a:rPr lang="en-US" dirty="0" smtClean="0"/>
+              <a:t>Hardware device should integrate into RAICHU system</a:t>
+            </a:r>
+            <a:endParaRPr lang="en-US" dirty="0" smtClean="0"/>
+          </a:p>
+          <a:p>
+            <a:pPr lvl="1"/>
+            <a:r>
+              <a:rPr lang="en-US" dirty="0" smtClean="0"/>
+              <a:t>Hardware should detect and acknowledge RAICHU server</a:t>
+            </a:r>
+            <a:endParaRPr lang="en-US" dirty="0" smtClean="0"/>
+          </a:p>
+          <a:p>
+            <a:pPr lvl="1"/>
+            <a:r>
+              <a:rPr lang="en-US" dirty="0" smtClean="0"/>
+              <a:t>Device malfunction should not effect server or client software/hardware</a:t>
+            </a:r>
+            <a:endParaRPr lang="en-US" dirty="0" smtClean="0"/>
+          </a:p>
+          <a:p>
+            <a:pPr lvl="1"/>
+            <a:r>
+              <a:rPr lang="en-US" dirty="0" smtClean="0"/>
+              <a:t>Hardware should be </a:t>
+            </a:r>
+            <a:r>
+              <a:rPr lang="en-US" dirty="0" err="1" smtClean="0"/>
+              <a:t>wifi</a:t>
+            </a:r>
+            <a:r>
+              <a:rPr lang="en-US" dirty="0" smtClean="0"/>
+              <a:t>-</a:t>
+            </a:r>
+            <a:r>
+              <a:rPr lang="en-US" dirty="0" smtClean="0"/>
+              <a:t>capable</a:t>
+            </a:r>
+            <a:endParaRPr lang="en-US" dirty="0" smtClean="0"/>
           </a:p>
         </p:txBody>
       </p:sp>
@@ -5104,29 +5096,33 @@
           <a:p>
             <a:pPr algn="ctr"/>
             <a:r>
-              <a:rPr lang="en-US" b="0" u="sng" dirty="0" smtClean="0">
+              <a:rPr lang="en-US" u="sng" dirty="0" smtClean="0">
                 <a:latin typeface="Alien Encounters Solid" pitchFamily="2" charset="0"/>
               </a:rPr>
-              <a:t>Hardware Applications</a:t>
-            </a:r>
-            <a:endParaRPr lang="en-US" b="0" dirty="0">
-              <a:latin typeface="Lucida Console" pitchFamily="49" charset="0"/>
+              <a:t>HARDWARE </a:t>
+            </a:r>
+            <a:r>
+              <a:rPr lang="en-US" u="sng" dirty="0" smtClean="0">
+                <a:latin typeface="Alien Encounters Solid" pitchFamily="2" charset="0"/>
+              </a:rPr>
+              <a:t>Requirements</a:t>
+            </a:r>
+            <a:endParaRPr lang="en-US" u="sng" dirty="0">
+              <a:latin typeface="Alien Encounters Solid" pitchFamily="2" charset="0"/>
             </a:endParaRPr>
           </a:p>
         </p:txBody>
       </p:sp>
     </p:spTree>
+    <p:extLst>
+      <p:ext uri="{BB962C8B-B14F-4D97-AF65-F5344CB8AC3E}">
+        <p14:creationId xmlns:p14="http://schemas.microsoft.com/office/powerpoint/2010/main" xmlns="" val="1310860115"/>
+      </p:ext>
+    </p:extLst>
   </p:cSld>
   <p:clrMapOvr>
     <a:masterClrMapping/>
   </p:clrMapOvr>
-  <p:timing>
-    <p:tnLst>
-      <p:par>
-        <p:cTn id="1" dur="indefinite" restart="never" nodeType="tmRoot"/>
-      </p:par>
-    </p:tnLst>
-  </p:timing>
 </p:sld>
 </file>
 
@@ -5159,80 +5155,83 @@
         </p:nvSpPr>
         <p:spPr/>
         <p:txBody>
-          <a:bodyPr>
-            <a:normAutofit fontScale="92500" lnSpcReduction="20000"/>
-          </a:bodyPr>
-          <a:lstStyle/>
-          <a:p>
-            <a:r>
-              <a:rPr lang="en-US" sz="2800" dirty="0" smtClean="0"/>
-              <a:t>As a team of two it was rather hard to make a large divide in the work. </a:t>
-            </a:r>
-          </a:p>
-          <a:p>
-            <a:r>
-              <a:rPr lang="en-US" sz="2800" dirty="0" smtClean="0"/>
-              <a:t>With two main aspects of this project, hardware that can demo and support RAICHU, as well as software running on the server, devices and control applications. We each took charge of one aspect.</a:t>
-            </a:r>
-          </a:p>
-          <a:p>
-            <a:r>
-              <a:rPr lang="en-US" sz="2800" dirty="0" smtClean="0"/>
-              <a:t>Thomas ran software development while Ben was in charge of hardware.</a:t>
-            </a:r>
-          </a:p>
-          <a:p>
-            <a:r>
-              <a:rPr lang="en-US" sz="2800" dirty="0" smtClean="0"/>
-              <a:t>It should also be noted that as a small team, no one area of this project was completed alone. It took careful planning and execution by all members to create a working system.</a:t>
-            </a:r>
-            <a:endParaRPr lang="en-US" dirty="0" smtClean="0"/>
-          </a:p>
-          <a:p>
-            <a:endParaRPr lang="en-US" sz="2800" dirty="0" smtClean="0"/>
-          </a:p>
-        </p:txBody>
-      </p:sp>
-      <p:sp>
-        <p:nvSpPr>
-          <p:cNvPr id="3" name="Title 2"/>
-          <p:cNvSpPr>
-            <a:spLocks noGrp="1"/>
-          </p:cNvSpPr>
-          <p:nvPr>
-            <p:ph type="title"/>
-          </p:nvPr>
-        </p:nvSpPr>
-        <p:spPr/>
-        <p:txBody>
           <a:bodyPr/>
           <a:lstStyle/>
           <a:p>
+            <a:r>
+              <a:rPr lang="en-US" dirty="0" smtClean="0"/>
+              <a:t>Non-functional:</a:t>
+            </a:r>
+          </a:p>
+          <a:p>
+            <a:pPr lvl="1"/>
+            <a:r>
+              <a:rPr lang="en-US" dirty="0" smtClean="0"/>
+              <a:t>Device hardware should be capable of interacting with servers and clients in near real time</a:t>
+            </a:r>
+          </a:p>
+          <a:p>
+            <a:pPr lvl="1"/>
+            <a:r>
+              <a:rPr lang="en-US" dirty="0" smtClean="0"/>
+              <a:t>Device hardware should have robust design that allows for long idle periods and fast wakeup times.</a:t>
+            </a:r>
+            <a:endParaRPr lang="en-US" dirty="0" smtClean="0"/>
+          </a:p>
+          <a:p>
+            <a:pPr lvl="1"/>
+            <a:endParaRPr lang="en-US" dirty="0" smtClean="0"/>
+          </a:p>
+          <a:p>
+            <a:pPr lvl="1"/>
+            <a:endParaRPr lang="en-US" dirty="0" smtClean="0"/>
+          </a:p>
+        </p:txBody>
+      </p:sp>
+      <p:sp>
+        <p:nvSpPr>
+          <p:cNvPr id="3" name="Title 2"/>
+          <p:cNvSpPr>
+            <a:spLocks noGrp="1"/>
+          </p:cNvSpPr>
+          <p:nvPr>
+            <p:ph type="title"/>
+          </p:nvPr>
+        </p:nvSpPr>
+        <p:spPr/>
+        <p:txBody>
+          <a:bodyPr/>
+          <a:lstStyle/>
+          <a:p>
             <a:pPr algn="ctr"/>
             <a:r>
-              <a:rPr lang="en-US" b="0" u="sng" dirty="0" smtClean="0">
+              <a:rPr lang="en-US" u="sng" dirty="0" smtClean="0">
                 <a:latin typeface="Alien Encounters Solid" pitchFamily="2" charset="0"/>
               </a:rPr>
-              <a:t>Team Dynamic</a:t>
-            </a:r>
-            <a:endParaRPr lang="en-US" b="0" dirty="0">
-              <a:latin typeface="Lucida Console" pitchFamily="49" charset="0"/>
+              <a:t>Hardware </a:t>
+            </a:r>
+            <a:r>
+              <a:rPr lang="en-US" u="sng" dirty="0" smtClean="0">
+                <a:latin typeface="Alien Encounters Solid" pitchFamily="2" charset="0"/>
+              </a:rPr>
+              <a:t>Requirements</a:t>
+            </a:r>
+            <a:endParaRPr lang="en-US" u="sng" dirty="0">
+              <a:latin typeface="Alien Encounters Solid" pitchFamily="2" charset="0"/>
             </a:endParaRPr>
           </a:p>
         </p:txBody>
       </p:sp>
     </p:spTree>
+    <p:extLst>
+      <p:ext uri="{BB962C8B-B14F-4D97-AF65-F5344CB8AC3E}">
+        <p14:creationId xmlns:p14="http://schemas.microsoft.com/office/powerpoint/2010/main" xmlns="" val="2487975549"/>
+      </p:ext>
+    </p:extLst>
   </p:cSld>
   <p:clrMapOvr>
     <a:masterClrMapping/>
   </p:clrMapOvr>
-  <p:timing>
-    <p:tnLst>
-      <p:par>
-        <p:cTn id="1" dur="indefinite" restart="never" nodeType="tmRoot"/>
-      </p:par>
-    </p:tnLst>
-  </p:timing>
 </p:sld>
 </file>
 
@@ -5263,6 +5262,1208 @@
             <p:ph idx="1"/>
           </p:nvPr>
         </p:nvSpPr>
+        <p:spPr/>
+        <p:txBody>
+          <a:bodyPr>
+            <a:normAutofit fontScale="92500" lnSpcReduction="20000"/>
+          </a:bodyPr>
+          <a:lstStyle/>
+          <a:p>
+            <a:r>
+              <a:rPr lang="en-US" sz="2800" dirty="0" smtClean="0"/>
+              <a:t>A key aspect to RAICHU is a simple to use API that will allow for developers to integrate our system as either an initial building block in their code or inject into a living code source.</a:t>
+            </a:r>
+          </a:p>
+          <a:p>
+            <a:r>
+              <a:rPr lang="en-US" sz="2800" dirty="0" smtClean="0"/>
+              <a:t>Function naming schemes and common API conventions make the API easy to navigate:</a:t>
+            </a:r>
+          </a:p>
+          <a:p>
+            <a:pPr lvl="1"/>
+            <a:r>
+              <a:rPr lang="en-US" sz="2400" dirty="0" err="1" smtClean="0"/>
+              <a:t>Raichu_setDeviceName</a:t>
+            </a:r>
+            <a:r>
+              <a:rPr lang="en-US" sz="2400" dirty="0" smtClean="0"/>
+              <a:t>();</a:t>
+            </a:r>
+          </a:p>
+          <a:p>
+            <a:pPr lvl="1"/>
+            <a:r>
+              <a:rPr lang="en-US" sz="2400" dirty="0" err="1" smtClean="0"/>
+              <a:t>Raichu_setDeviceCommands</a:t>
+            </a:r>
+            <a:r>
+              <a:rPr lang="en-US" sz="2400" dirty="0" smtClean="0"/>
+              <a:t>();</a:t>
+            </a:r>
+          </a:p>
+          <a:p>
+            <a:pPr lvl="1"/>
+            <a:r>
+              <a:rPr lang="en-US" sz="2400" dirty="0" err="1" smtClean="0"/>
+              <a:t>Riachu_setStatusParameters</a:t>
+            </a:r>
+            <a:r>
+              <a:rPr lang="en-US" sz="2400" dirty="0" smtClean="0"/>
+              <a:t>();</a:t>
+            </a:r>
+          </a:p>
+          <a:p>
+            <a:pPr lvl="1"/>
+            <a:r>
+              <a:rPr lang="en-US" sz="2400" dirty="0" err="1" smtClean="0"/>
+              <a:t>Riachu_getConnectedClient</a:t>
+            </a:r>
+            <a:r>
+              <a:rPr lang="en-US" sz="2400" dirty="0" smtClean="0"/>
+              <a:t>();</a:t>
+            </a:r>
+          </a:p>
+          <a:p>
+            <a:pPr lvl="1"/>
+            <a:r>
+              <a:rPr lang="en-US" sz="2400" dirty="0" err="1" smtClean="0"/>
+              <a:t>Riachu_getServerStatus</a:t>
+            </a:r>
+            <a:r>
+              <a:rPr lang="en-US" sz="2400" dirty="0" smtClean="0"/>
+              <a:t>();</a:t>
+            </a:r>
+          </a:p>
+          <a:p>
+            <a:r>
+              <a:rPr lang="en-US" sz="2800" dirty="0" smtClean="0"/>
+              <a:t>API documentation provides users with detailed information on RAICHU methods and variables.</a:t>
+            </a:r>
+          </a:p>
+        </p:txBody>
+      </p:sp>
+      <p:sp>
+        <p:nvSpPr>
+          <p:cNvPr id="3" name="Title 2"/>
+          <p:cNvSpPr>
+            <a:spLocks noGrp="1"/>
+          </p:cNvSpPr>
+          <p:nvPr>
+            <p:ph type="title"/>
+          </p:nvPr>
+        </p:nvSpPr>
+        <p:spPr/>
+        <p:txBody>
+          <a:bodyPr/>
+          <a:lstStyle/>
+          <a:p>
+            <a:pPr algn="ctr"/>
+            <a:r>
+              <a:rPr lang="en-US" b="0" u="sng" dirty="0" smtClean="0">
+                <a:latin typeface="Alien Encounters Solid" pitchFamily="2" charset="0"/>
+              </a:rPr>
+              <a:t>The RAICHU API</a:t>
+            </a:r>
+            <a:endParaRPr lang="en-US" b="0" dirty="0">
+              <a:latin typeface="Lucida Console" pitchFamily="49" charset="0"/>
+            </a:endParaRPr>
+          </a:p>
+        </p:txBody>
+      </p:sp>
+    </p:spTree>
+  </p:cSld>
+  <p:clrMapOvr>
+    <a:masterClrMapping/>
+  </p:clrMapOvr>
+  <p:timing>
+    <p:tnLst>
+      <p:par>
+        <p:cTn id="1" dur="indefinite" restart="never" nodeType="tmRoot"/>
+      </p:par>
+    </p:tnLst>
+  </p:timing>
+</p:sld>
+</file>
+
+<file path=ppt/slides/slide14.xml><?xml version="1.0" encoding="utf-8"?>
+<p:sld xmlns:a="http://schemas.openxmlformats.org/drawingml/2006/main" xmlns:r="http://schemas.openxmlformats.org/officeDocument/2006/relationships" xmlns:p="http://schemas.openxmlformats.org/presentationml/2006/main">
+  <p:cSld>
+    <p:spTree>
+      <p:nvGrpSpPr>
+        <p:cNvPr id="1" name=""/>
+        <p:cNvGrpSpPr/>
+        <p:nvPr/>
+      </p:nvGrpSpPr>
+      <p:grpSpPr>
+        <a:xfrm>
+          <a:off x="0" y="0"/>
+          <a:ext cx="0" cy="0"/>
+          <a:chOff x="0" y="0"/>
+          <a:chExt cx="0" cy="0"/>
+        </a:xfrm>
+      </p:grpSpPr>
+      <p:sp>
+        <p:nvSpPr>
+          <p:cNvPr id="3" name="Title 2"/>
+          <p:cNvSpPr>
+            <a:spLocks noGrp="1"/>
+          </p:cNvSpPr>
+          <p:nvPr>
+            <p:ph type="title"/>
+          </p:nvPr>
+        </p:nvSpPr>
+        <p:spPr/>
+        <p:txBody>
+          <a:bodyPr/>
+          <a:lstStyle/>
+          <a:p>
+            <a:pPr algn="ctr"/>
+            <a:r>
+              <a:rPr lang="en-US" u="sng" dirty="0" smtClean="0">
+                <a:latin typeface="Alien Encounters Solid" pitchFamily="2" charset="0"/>
+              </a:rPr>
+              <a:t>Server Architecture</a:t>
+            </a:r>
+            <a:endParaRPr lang="en-US" u="sng" dirty="0">
+              <a:latin typeface="Alien Encounters Solid" pitchFamily="2" charset="0"/>
+            </a:endParaRPr>
+          </a:p>
+        </p:txBody>
+      </p:sp>
+      <p:pic>
+        <p:nvPicPr>
+          <p:cNvPr id="6" name="Picture 5" descr="CMPE146_195 Project.png"/>
+          <p:cNvPicPr>
+            <a:picLocks noChangeAspect="1"/>
+          </p:cNvPicPr>
+          <p:nvPr/>
+        </p:nvPicPr>
+        <p:blipFill>
+          <a:blip r:embed="rId2" cstate="print">
+            <a:extLst>
+              <a:ext uri="{28A0092B-C50C-407E-A947-70E740481C1C}">
+                <a14:useLocalDpi xmlns:a14="http://schemas.microsoft.com/office/drawing/2010/main" xmlns="" val="0"/>
+              </a:ext>
+            </a:extLst>
+          </a:blip>
+          <a:stretch>
+            <a:fillRect/>
+          </a:stretch>
+        </p:blipFill>
+        <p:spPr>
+          <a:xfrm>
+            <a:off x="609600" y="1219200"/>
+            <a:ext cx="8305800" cy="5106318"/>
+          </a:xfrm>
+          <a:prstGeom prst="rect">
+            <a:avLst/>
+          </a:prstGeom>
+        </p:spPr>
+      </p:pic>
+    </p:spTree>
+    <p:extLst>
+      <p:ext uri="{BB962C8B-B14F-4D97-AF65-F5344CB8AC3E}">
+        <p14:creationId xmlns:p14="http://schemas.microsoft.com/office/powerpoint/2010/main" xmlns="" val="1118925113"/>
+      </p:ext>
+    </p:extLst>
+  </p:cSld>
+  <p:clrMapOvr>
+    <a:masterClrMapping/>
+  </p:clrMapOvr>
+</p:sld>
+</file>
+
+<file path=ppt/slides/slide15.xml><?xml version="1.0" encoding="utf-8"?>
+<p:sld xmlns:a="http://schemas.openxmlformats.org/drawingml/2006/main" xmlns:r="http://schemas.openxmlformats.org/officeDocument/2006/relationships" xmlns:p="http://schemas.openxmlformats.org/presentationml/2006/main">
+  <p:cSld>
+    <p:spTree>
+      <p:nvGrpSpPr>
+        <p:cNvPr id="1" name=""/>
+        <p:cNvGrpSpPr/>
+        <p:nvPr/>
+      </p:nvGrpSpPr>
+      <p:grpSpPr>
+        <a:xfrm>
+          <a:off x="0" y="0"/>
+          <a:ext cx="0" cy="0"/>
+          <a:chOff x="0" y="0"/>
+          <a:chExt cx="0" cy="0"/>
+        </a:xfrm>
+      </p:grpSpPr>
+      <p:sp>
+        <p:nvSpPr>
+          <p:cNvPr id="2" name="Content Placeholder 1"/>
+          <p:cNvSpPr>
+            <a:spLocks noGrp="1"/>
+          </p:cNvSpPr>
+          <p:nvPr>
+            <p:ph idx="1"/>
+          </p:nvPr>
+        </p:nvSpPr>
+        <p:spPr/>
+        <p:txBody>
+          <a:bodyPr/>
+          <a:lstStyle/>
+          <a:p>
+            <a:r>
+              <a:rPr lang="en-US" dirty="0" smtClean="0"/>
+              <a:t>Custom </a:t>
+            </a:r>
+            <a:r>
+              <a:rPr lang="en-US" dirty="0" smtClean="0"/>
+              <a:t>server application to handle clients and devices</a:t>
+            </a:r>
+          </a:p>
+          <a:p>
+            <a:r>
+              <a:rPr lang="en-US" dirty="0" smtClean="0"/>
+              <a:t>Apache </a:t>
+            </a:r>
+            <a:r>
+              <a:rPr lang="en-US" dirty="0" smtClean="0"/>
+              <a:t>HTTP web server to web clients</a:t>
+            </a:r>
+          </a:p>
+          <a:p>
+            <a:r>
+              <a:rPr lang="en-US" dirty="0" err="1" smtClean="0"/>
+              <a:t>MySQL</a:t>
+            </a:r>
+            <a:r>
+              <a:rPr lang="en-US" dirty="0" smtClean="0"/>
+              <a:t> </a:t>
+            </a:r>
+            <a:r>
+              <a:rPr lang="en-US" dirty="0" smtClean="0"/>
+              <a:t>for database	</a:t>
+            </a:r>
+          </a:p>
+          <a:p>
+            <a:pPr lvl="1"/>
+            <a:r>
+              <a:rPr lang="en-US" dirty="0" smtClean="0"/>
+              <a:t>Using </a:t>
+            </a:r>
+            <a:r>
+              <a:rPr lang="en-US" dirty="0" err="1" smtClean="0"/>
+              <a:t>InnoDB</a:t>
+            </a:r>
+            <a:r>
+              <a:rPr lang="en-US" dirty="0" smtClean="0"/>
+              <a:t> for database engine since it supports foreign keys, and we don’t need full text indexing</a:t>
+            </a:r>
+          </a:p>
+        </p:txBody>
+      </p:sp>
+      <p:sp>
+        <p:nvSpPr>
+          <p:cNvPr id="3" name="Title 2"/>
+          <p:cNvSpPr>
+            <a:spLocks noGrp="1"/>
+          </p:cNvSpPr>
+          <p:nvPr>
+            <p:ph type="title"/>
+          </p:nvPr>
+        </p:nvSpPr>
+        <p:spPr/>
+        <p:txBody>
+          <a:bodyPr>
+            <a:normAutofit/>
+          </a:bodyPr>
+          <a:lstStyle/>
+          <a:p>
+            <a:pPr algn="ctr"/>
+            <a:r>
+              <a:rPr lang="en-US" u="sng" dirty="0" smtClean="0">
+                <a:latin typeface="Alien Encounters Solid" pitchFamily="2" charset="0"/>
+              </a:rPr>
+              <a:t>Server Architecture</a:t>
+            </a:r>
+            <a:endParaRPr lang="en-US" u="sng" dirty="0">
+              <a:latin typeface="Alien Encounters Solid" pitchFamily="2" charset="0"/>
+            </a:endParaRPr>
+          </a:p>
+        </p:txBody>
+      </p:sp>
+    </p:spTree>
+    <p:extLst>
+      <p:ext uri="{BB962C8B-B14F-4D97-AF65-F5344CB8AC3E}">
+        <p14:creationId xmlns:p14="http://schemas.microsoft.com/office/powerpoint/2010/main" xmlns="" val="3084671141"/>
+      </p:ext>
+    </p:extLst>
+  </p:cSld>
+  <p:clrMapOvr>
+    <a:masterClrMapping/>
+  </p:clrMapOvr>
+</p:sld>
+</file>
+
+<file path=ppt/slides/slide16.xml><?xml version="1.0" encoding="utf-8"?>
+<p:sld xmlns:a="http://schemas.openxmlformats.org/drawingml/2006/main" xmlns:r="http://schemas.openxmlformats.org/officeDocument/2006/relationships" xmlns:p="http://schemas.openxmlformats.org/presentationml/2006/main">
+  <p:cSld>
+    <p:spTree>
+      <p:nvGrpSpPr>
+        <p:cNvPr id="1" name=""/>
+        <p:cNvGrpSpPr/>
+        <p:nvPr/>
+      </p:nvGrpSpPr>
+      <p:grpSpPr>
+        <a:xfrm>
+          <a:off x="0" y="0"/>
+          <a:ext cx="0" cy="0"/>
+          <a:chOff x="0" y="0"/>
+          <a:chExt cx="0" cy="0"/>
+        </a:xfrm>
+      </p:grpSpPr>
+      <p:sp>
+        <p:nvSpPr>
+          <p:cNvPr id="2" name="Content Placeholder 1"/>
+          <p:cNvSpPr>
+            <a:spLocks noGrp="1"/>
+          </p:cNvSpPr>
+          <p:nvPr>
+            <p:ph idx="1"/>
+          </p:nvPr>
+        </p:nvSpPr>
+        <p:spPr/>
+        <p:txBody>
+          <a:bodyPr>
+            <a:normAutofit/>
+          </a:bodyPr>
+          <a:lstStyle/>
+          <a:p>
+            <a:r>
+              <a:rPr lang="en-US" dirty="0" smtClean="0"/>
+              <a:t>Design:</a:t>
+            </a:r>
+          </a:p>
+          <a:p>
+            <a:pPr lvl="1"/>
+            <a:r>
+              <a:rPr lang="en-US" dirty="0" smtClean="0"/>
+              <a:t>Server application based off classical thread model</a:t>
+            </a:r>
+          </a:p>
+          <a:p>
+            <a:pPr lvl="1"/>
+            <a:r>
+              <a:rPr lang="en-US" dirty="0" smtClean="0"/>
+              <a:t>While it does not scale as well compared to asynchronous, it’s better suited to demonstrate a prototype</a:t>
+            </a:r>
+          </a:p>
+          <a:p>
+            <a:r>
+              <a:rPr lang="en-US" dirty="0" smtClean="0"/>
+              <a:t>Design trade off:</a:t>
+            </a:r>
+          </a:p>
+          <a:p>
+            <a:pPr lvl="1"/>
+            <a:r>
+              <a:rPr lang="en-US" dirty="0" smtClean="0"/>
+              <a:t>Server was planned to utilize asynchronous framework to improve scalability and efficiency</a:t>
+            </a:r>
+          </a:p>
+          <a:p>
+            <a:pPr lvl="1"/>
+            <a:r>
+              <a:rPr lang="en-US" dirty="0" smtClean="0"/>
+              <a:t>However we decided the time and effort required to design, implement, and test the system would be beyond the demand of the project</a:t>
+            </a:r>
+          </a:p>
+          <a:p>
+            <a:pPr marL="109728" indent="0">
+              <a:buNone/>
+            </a:pPr>
+            <a:endParaRPr lang="en-US" dirty="0" smtClean="0"/>
+          </a:p>
+        </p:txBody>
+      </p:sp>
+      <p:sp>
+        <p:nvSpPr>
+          <p:cNvPr id="3" name="Title 2"/>
+          <p:cNvSpPr>
+            <a:spLocks noGrp="1"/>
+          </p:cNvSpPr>
+          <p:nvPr>
+            <p:ph type="title"/>
+          </p:nvPr>
+        </p:nvSpPr>
+        <p:spPr/>
+        <p:txBody>
+          <a:bodyPr>
+            <a:normAutofit/>
+          </a:bodyPr>
+          <a:lstStyle/>
+          <a:p>
+            <a:pPr algn="ctr"/>
+            <a:r>
+              <a:rPr lang="en-US" i="1" u="sng" dirty="0" smtClean="0">
+                <a:latin typeface="Alien Encounters Solid" pitchFamily="2" charset="0"/>
+              </a:rPr>
+              <a:t>Server Architecture</a:t>
+            </a:r>
+            <a:endParaRPr lang="en-US" i="1" u="sng" dirty="0">
+              <a:latin typeface="Alien Encounters Solid" pitchFamily="2" charset="0"/>
+            </a:endParaRPr>
+          </a:p>
+        </p:txBody>
+      </p:sp>
+    </p:spTree>
+    <p:extLst>
+      <p:ext uri="{BB962C8B-B14F-4D97-AF65-F5344CB8AC3E}">
+        <p14:creationId xmlns:p14="http://schemas.microsoft.com/office/powerpoint/2010/main" xmlns="" val="3111049772"/>
+      </p:ext>
+    </p:extLst>
+  </p:cSld>
+  <p:clrMapOvr>
+    <a:masterClrMapping/>
+  </p:clrMapOvr>
+</p:sld>
+</file>
+
+<file path=ppt/slides/slide17.xml><?xml version="1.0" encoding="utf-8"?>
+<p:sld xmlns:a="http://schemas.openxmlformats.org/drawingml/2006/main" xmlns:r="http://schemas.openxmlformats.org/officeDocument/2006/relationships" xmlns:p="http://schemas.openxmlformats.org/presentationml/2006/main">
+  <p:cSld>
+    <p:spTree>
+      <p:nvGrpSpPr>
+        <p:cNvPr id="1" name=""/>
+        <p:cNvGrpSpPr/>
+        <p:nvPr/>
+      </p:nvGrpSpPr>
+      <p:grpSpPr>
+        <a:xfrm>
+          <a:off x="0" y="0"/>
+          <a:ext cx="0" cy="0"/>
+          <a:chOff x="0" y="0"/>
+          <a:chExt cx="0" cy="0"/>
+        </a:xfrm>
+      </p:grpSpPr>
+      <p:sp>
+        <p:nvSpPr>
+          <p:cNvPr id="2" name="Content Placeholder 1"/>
+          <p:cNvSpPr>
+            <a:spLocks noGrp="1"/>
+          </p:cNvSpPr>
+          <p:nvPr>
+            <p:ph idx="1"/>
+          </p:nvPr>
+        </p:nvSpPr>
+        <p:spPr/>
+        <p:txBody>
+          <a:bodyPr>
+            <a:normAutofit/>
+          </a:bodyPr>
+          <a:lstStyle/>
+          <a:p>
+            <a:r>
+              <a:rPr lang="en-US" dirty="0" smtClean="0"/>
+              <a:t>Functional:</a:t>
+            </a:r>
+          </a:p>
+          <a:p>
+            <a:pPr lvl="1"/>
+            <a:r>
+              <a:rPr lang="en-US" dirty="0" smtClean="0"/>
+              <a:t>Server should be robust and be resilient to failure</a:t>
+            </a:r>
+          </a:p>
+          <a:p>
+            <a:pPr lvl="1"/>
+            <a:r>
+              <a:rPr lang="en-US" dirty="0" smtClean="0"/>
+              <a:t>Server log messages should be clear on activity</a:t>
+            </a:r>
+          </a:p>
+          <a:p>
+            <a:pPr lvl="1"/>
+            <a:r>
+              <a:rPr lang="en-US" dirty="0" smtClean="0"/>
+              <a:t>Device crashes should not corrupt any part of server</a:t>
+            </a:r>
+          </a:p>
+          <a:p>
+            <a:pPr lvl="1"/>
+            <a:r>
+              <a:rPr lang="en-US" dirty="0" smtClean="0"/>
+              <a:t>Devices may only have one “owner” at any given instance</a:t>
+            </a:r>
+          </a:p>
+          <a:p>
+            <a:pPr lvl="1"/>
+            <a:r>
+              <a:rPr lang="en-US" dirty="0" smtClean="0"/>
+              <a:t>Clients can actively control only one device any given instance</a:t>
+            </a:r>
+          </a:p>
+          <a:p>
+            <a:pPr lvl="1"/>
+            <a:r>
+              <a:rPr lang="en-US" dirty="0" smtClean="0"/>
+              <a:t>Server must be secure against unwarranted input</a:t>
+            </a:r>
+          </a:p>
+        </p:txBody>
+      </p:sp>
+      <p:sp>
+        <p:nvSpPr>
+          <p:cNvPr id="3" name="Title 2"/>
+          <p:cNvSpPr>
+            <a:spLocks noGrp="1"/>
+          </p:cNvSpPr>
+          <p:nvPr>
+            <p:ph type="title"/>
+          </p:nvPr>
+        </p:nvSpPr>
+        <p:spPr/>
+        <p:txBody>
+          <a:bodyPr/>
+          <a:lstStyle/>
+          <a:p>
+            <a:pPr algn="ctr"/>
+            <a:r>
+              <a:rPr lang="en-US" u="sng" dirty="0" smtClean="0">
+                <a:latin typeface="Alien Encounters Solid" pitchFamily="2" charset="0"/>
+              </a:rPr>
+              <a:t>Software Requirements</a:t>
+            </a:r>
+            <a:endParaRPr lang="en-US" u="sng" dirty="0">
+              <a:latin typeface="Alien Encounters Solid" pitchFamily="2" charset="0"/>
+            </a:endParaRPr>
+          </a:p>
+        </p:txBody>
+      </p:sp>
+    </p:spTree>
+    <p:extLst>
+      <p:ext uri="{BB962C8B-B14F-4D97-AF65-F5344CB8AC3E}">
+        <p14:creationId xmlns:p14="http://schemas.microsoft.com/office/powerpoint/2010/main" xmlns="" val="1310860115"/>
+      </p:ext>
+    </p:extLst>
+  </p:cSld>
+  <p:clrMapOvr>
+    <a:masterClrMapping/>
+  </p:clrMapOvr>
+</p:sld>
+</file>
+
+<file path=ppt/slides/slide18.xml><?xml version="1.0" encoding="utf-8"?>
+<p:sld xmlns:a="http://schemas.openxmlformats.org/drawingml/2006/main" xmlns:r="http://schemas.openxmlformats.org/officeDocument/2006/relationships" xmlns:p="http://schemas.openxmlformats.org/presentationml/2006/main">
+  <p:cSld>
+    <p:spTree>
+      <p:nvGrpSpPr>
+        <p:cNvPr id="1" name=""/>
+        <p:cNvGrpSpPr/>
+        <p:nvPr/>
+      </p:nvGrpSpPr>
+      <p:grpSpPr>
+        <a:xfrm>
+          <a:off x="0" y="0"/>
+          <a:ext cx="0" cy="0"/>
+          <a:chOff x="0" y="0"/>
+          <a:chExt cx="0" cy="0"/>
+        </a:xfrm>
+      </p:grpSpPr>
+      <p:sp>
+        <p:nvSpPr>
+          <p:cNvPr id="2" name="Content Placeholder 1"/>
+          <p:cNvSpPr>
+            <a:spLocks noGrp="1"/>
+          </p:cNvSpPr>
+          <p:nvPr>
+            <p:ph idx="1"/>
+          </p:nvPr>
+        </p:nvSpPr>
+        <p:spPr/>
+        <p:txBody>
+          <a:bodyPr/>
+          <a:lstStyle/>
+          <a:p>
+            <a:r>
+              <a:rPr lang="en-US" dirty="0" smtClean="0"/>
+              <a:t>Non-functional:</a:t>
+            </a:r>
+          </a:p>
+          <a:p>
+            <a:pPr lvl="1"/>
+            <a:r>
+              <a:rPr lang="en-US" dirty="0" smtClean="0"/>
+              <a:t>Real-time devices require near real-time feedback</a:t>
+            </a:r>
+          </a:p>
+          <a:p>
+            <a:pPr lvl="1"/>
+            <a:r>
+              <a:rPr lang="en-US" dirty="0" smtClean="0"/>
+              <a:t>Devices should have minimal setup to boot up and connect to server</a:t>
+            </a:r>
+          </a:p>
+          <a:p>
+            <a:pPr lvl="1"/>
+            <a:r>
+              <a:rPr lang="en-US" dirty="0" smtClean="0"/>
+              <a:t>System should be responsive under any amount of stress</a:t>
+            </a:r>
+          </a:p>
+          <a:p>
+            <a:pPr lvl="1"/>
+            <a:r>
+              <a:rPr lang="en-US" dirty="0" smtClean="0"/>
+              <a:t>Server deployment should be straight forward</a:t>
+            </a:r>
+          </a:p>
+          <a:p>
+            <a:pPr lvl="1"/>
+            <a:endParaRPr lang="en-US" dirty="0" smtClean="0"/>
+          </a:p>
+          <a:p>
+            <a:pPr lvl="1"/>
+            <a:endParaRPr lang="en-US" dirty="0" smtClean="0"/>
+          </a:p>
+        </p:txBody>
+      </p:sp>
+      <p:sp>
+        <p:nvSpPr>
+          <p:cNvPr id="3" name="Title 2"/>
+          <p:cNvSpPr>
+            <a:spLocks noGrp="1"/>
+          </p:cNvSpPr>
+          <p:nvPr>
+            <p:ph type="title"/>
+          </p:nvPr>
+        </p:nvSpPr>
+        <p:spPr/>
+        <p:txBody>
+          <a:bodyPr/>
+          <a:lstStyle/>
+          <a:p>
+            <a:pPr algn="ctr"/>
+            <a:r>
+              <a:rPr lang="en-US" u="sng" dirty="0" smtClean="0">
+                <a:latin typeface="Alien Encounters Solid" pitchFamily="2" charset="0"/>
+              </a:rPr>
+              <a:t>Software Requirements</a:t>
+            </a:r>
+            <a:endParaRPr lang="en-US" u="sng" dirty="0">
+              <a:latin typeface="Alien Encounters Solid" pitchFamily="2" charset="0"/>
+            </a:endParaRPr>
+          </a:p>
+        </p:txBody>
+      </p:sp>
+    </p:spTree>
+    <p:extLst>
+      <p:ext uri="{BB962C8B-B14F-4D97-AF65-F5344CB8AC3E}">
+        <p14:creationId xmlns:p14="http://schemas.microsoft.com/office/powerpoint/2010/main" xmlns="" val="2487975549"/>
+      </p:ext>
+    </p:extLst>
+  </p:cSld>
+  <p:clrMapOvr>
+    <a:masterClrMapping/>
+  </p:clrMapOvr>
+</p:sld>
+</file>
+
+<file path=ppt/slides/slide19.xml><?xml version="1.0" encoding="utf-8"?>
+<p:sld xmlns:a="http://schemas.openxmlformats.org/drawingml/2006/main" xmlns:r="http://schemas.openxmlformats.org/officeDocument/2006/relationships" xmlns:p="http://schemas.openxmlformats.org/presentationml/2006/main">
+  <p:cSld>
+    <p:spTree>
+      <p:nvGrpSpPr>
+        <p:cNvPr id="1" name=""/>
+        <p:cNvGrpSpPr/>
+        <p:nvPr/>
+      </p:nvGrpSpPr>
+      <p:grpSpPr>
+        <a:xfrm>
+          <a:off x="0" y="0"/>
+          <a:ext cx="0" cy="0"/>
+          <a:chOff x="0" y="0"/>
+          <a:chExt cx="0" cy="0"/>
+        </a:xfrm>
+      </p:grpSpPr>
+      <p:sp>
+        <p:nvSpPr>
+          <p:cNvPr id="2" name="Content Placeholder 1"/>
+          <p:cNvSpPr>
+            <a:spLocks noGrp="1"/>
+          </p:cNvSpPr>
+          <p:nvPr>
+            <p:ph idx="1"/>
+          </p:nvPr>
+        </p:nvSpPr>
+        <p:spPr/>
+        <p:txBody>
+          <a:bodyPr>
+            <a:normAutofit/>
+          </a:bodyPr>
+          <a:lstStyle/>
+          <a:p>
+            <a:r>
+              <a:rPr lang="en-US" dirty="0" smtClean="0"/>
+              <a:t>When a client or device connects to the server, a new thread is spawn to handle and process any data sent</a:t>
+            </a:r>
+          </a:p>
+          <a:p>
+            <a:r>
+              <a:rPr lang="en-US" dirty="0" smtClean="0"/>
+              <a:t>Once determined if it’s a client or device, the information is logged into a list, which is constantly updated locally and periodically updated on the database </a:t>
+            </a:r>
+          </a:p>
+          <a:p>
+            <a:r>
+              <a:rPr lang="en-US" dirty="0" smtClean="0"/>
+              <a:t>Client asks the server to assign it a device, once assigned, the server will relay any data from the client to the device</a:t>
+            </a:r>
+            <a:endParaRPr lang="en-US" dirty="0"/>
+          </a:p>
+        </p:txBody>
+      </p:sp>
+      <p:sp>
+        <p:nvSpPr>
+          <p:cNvPr id="3" name="Title 2"/>
+          <p:cNvSpPr>
+            <a:spLocks noGrp="1"/>
+          </p:cNvSpPr>
+          <p:nvPr>
+            <p:ph type="title"/>
+          </p:nvPr>
+        </p:nvSpPr>
+        <p:spPr/>
+        <p:txBody>
+          <a:bodyPr>
+            <a:normAutofit/>
+          </a:bodyPr>
+          <a:lstStyle/>
+          <a:p>
+            <a:pPr algn="ctr"/>
+            <a:r>
+              <a:rPr lang="en-US" u="sng" dirty="0" smtClean="0">
+                <a:latin typeface="Alien Encounters Solid" pitchFamily="2" charset="0"/>
+              </a:rPr>
+              <a:t>Server Implementation</a:t>
+            </a:r>
+            <a:endParaRPr lang="en-US" u="sng" dirty="0">
+              <a:latin typeface="Alien Encounters Solid" pitchFamily="2" charset="0"/>
+            </a:endParaRPr>
+          </a:p>
+        </p:txBody>
+      </p:sp>
+    </p:spTree>
+    <p:extLst>
+      <p:ext uri="{BB962C8B-B14F-4D97-AF65-F5344CB8AC3E}">
+        <p14:creationId xmlns:p14="http://schemas.microsoft.com/office/powerpoint/2010/main" xmlns="" val="2047166015"/>
+      </p:ext>
+    </p:extLst>
+  </p:cSld>
+  <p:clrMapOvr>
+    <a:masterClrMapping/>
+  </p:clrMapOvr>
+</p:sld>
+</file>
+
+<file path=ppt/slides/slide2.xml><?xml version="1.0" encoding="utf-8"?>
+<p:sld xmlns:a="http://schemas.openxmlformats.org/drawingml/2006/main" xmlns:r="http://schemas.openxmlformats.org/officeDocument/2006/relationships" xmlns:p="http://schemas.openxmlformats.org/presentationml/2006/main">
+  <p:cSld>
+    <p:spTree>
+      <p:nvGrpSpPr>
+        <p:cNvPr id="1" name=""/>
+        <p:cNvGrpSpPr/>
+        <p:nvPr/>
+      </p:nvGrpSpPr>
+      <p:grpSpPr>
+        <a:xfrm>
+          <a:off x="0" y="0"/>
+          <a:ext cx="0" cy="0"/>
+          <a:chOff x="0" y="0"/>
+          <a:chExt cx="0" cy="0"/>
+        </a:xfrm>
+      </p:grpSpPr>
+      <p:sp>
+        <p:nvSpPr>
+          <p:cNvPr id="2" name="Content Placeholder 1"/>
+          <p:cNvSpPr>
+            <a:spLocks noGrp="1"/>
+          </p:cNvSpPr>
+          <p:nvPr>
+            <p:ph idx="1"/>
+          </p:nvPr>
+        </p:nvSpPr>
+        <p:spPr/>
+        <p:txBody>
+          <a:bodyPr>
+            <a:normAutofit lnSpcReduction="10000"/>
+          </a:bodyPr>
+          <a:lstStyle/>
+          <a:p>
+            <a:r>
+              <a:rPr lang="en-US" sz="2800" dirty="0" smtClean="0"/>
+              <a:t>The internet is almost everywhere we go, whether it be via Smartphone, PC or other internet connected devices, we rarely find ourselves more than an arms length away from our next status update, bill payment or shoe purchase. </a:t>
+            </a:r>
+            <a:endParaRPr lang="en-US" dirty="0" smtClean="0"/>
+          </a:p>
+          <a:p>
+            <a:r>
+              <a:rPr lang="en-US" dirty="0" smtClean="0"/>
+              <a:t>Many companies have realized this change in American culture and have capitalized by allowing internet users to control many things that were traditionally not possible over the web.</a:t>
+            </a:r>
+            <a:endParaRPr lang="en-US" dirty="0"/>
+          </a:p>
+        </p:txBody>
+      </p:sp>
+      <p:sp>
+        <p:nvSpPr>
+          <p:cNvPr id="3" name="Title 2"/>
+          <p:cNvSpPr>
+            <a:spLocks noGrp="1"/>
+          </p:cNvSpPr>
+          <p:nvPr>
+            <p:ph type="title"/>
+          </p:nvPr>
+        </p:nvSpPr>
+        <p:spPr/>
+        <p:txBody>
+          <a:bodyPr/>
+          <a:lstStyle/>
+          <a:p>
+            <a:pPr algn="ctr"/>
+            <a:r>
+              <a:rPr lang="en-US" b="0" u="sng" dirty="0" smtClean="0">
+                <a:latin typeface="Alien Encounters Solid" pitchFamily="2" charset="0"/>
+              </a:rPr>
+              <a:t>The Inspiration</a:t>
+            </a:r>
+            <a:endParaRPr lang="en-US" b="0" dirty="0">
+              <a:latin typeface="Lucida Console" pitchFamily="49" charset="0"/>
+            </a:endParaRPr>
+          </a:p>
+        </p:txBody>
+      </p:sp>
+    </p:spTree>
+  </p:cSld>
+  <p:clrMapOvr>
+    <a:masterClrMapping/>
+  </p:clrMapOvr>
+  <p:timing>
+    <p:tnLst>
+      <p:par>
+        <p:cTn id="1" dur="indefinite" restart="never" nodeType="tmRoot"/>
+      </p:par>
+    </p:tnLst>
+  </p:timing>
+</p:sld>
+</file>
+
+<file path=ppt/slides/slide20.xml><?xml version="1.0" encoding="utf-8"?>
+<p:sld xmlns:a="http://schemas.openxmlformats.org/drawingml/2006/main" xmlns:r="http://schemas.openxmlformats.org/officeDocument/2006/relationships" xmlns:p="http://schemas.openxmlformats.org/presentationml/2006/main">
+  <p:cSld>
+    <p:spTree>
+      <p:nvGrpSpPr>
+        <p:cNvPr id="1" name=""/>
+        <p:cNvGrpSpPr/>
+        <p:nvPr/>
+      </p:nvGrpSpPr>
+      <p:grpSpPr>
+        <a:xfrm>
+          <a:off x="0" y="0"/>
+          <a:ext cx="0" cy="0"/>
+          <a:chOff x="0" y="0"/>
+          <a:chExt cx="0" cy="0"/>
+        </a:xfrm>
+      </p:grpSpPr>
+      <p:sp>
+        <p:nvSpPr>
+          <p:cNvPr id="2" name="Content Placeholder 1"/>
+          <p:cNvSpPr>
+            <a:spLocks noGrp="1"/>
+          </p:cNvSpPr>
+          <p:nvPr>
+            <p:ph idx="1"/>
+          </p:nvPr>
+        </p:nvSpPr>
+        <p:spPr/>
+        <p:txBody>
+          <a:bodyPr/>
+          <a:lstStyle/>
+          <a:p>
+            <a:r>
+              <a:rPr lang="en-US" dirty="0" smtClean="0"/>
+              <a:t>Server keeps a cached list of available devices and clients</a:t>
+            </a:r>
+          </a:p>
+          <a:p>
+            <a:r>
+              <a:rPr lang="en-US" dirty="0" smtClean="0"/>
+              <a:t>Makes periodic database writes for web and mobile client access</a:t>
+            </a:r>
+          </a:p>
+          <a:p>
+            <a:r>
+              <a:rPr lang="en-US" dirty="0" smtClean="0"/>
+              <a:t>Database writes can be expensive so only done periodically</a:t>
+            </a:r>
+          </a:p>
+          <a:p>
+            <a:r>
+              <a:rPr lang="en-US" dirty="0" smtClean="0"/>
+              <a:t>Internal list needs to be updated in real time so devices aren’t mistakenly claimed</a:t>
+            </a:r>
+            <a:endParaRPr lang="en-US" dirty="0"/>
+          </a:p>
+        </p:txBody>
+      </p:sp>
+      <p:sp>
+        <p:nvSpPr>
+          <p:cNvPr id="3" name="Title 2"/>
+          <p:cNvSpPr>
+            <a:spLocks noGrp="1"/>
+          </p:cNvSpPr>
+          <p:nvPr>
+            <p:ph type="title"/>
+          </p:nvPr>
+        </p:nvSpPr>
+        <p:spPr/>
+        <p:txBody>
+          <a:bodyPr/>
+          <a:lstStyle/>
+          <a:p>
+            <a:pPr algn="ctr"/>
+            <a:r>
+              <a:rPr lang="en-US" u="sng" dirty="0">
+                <a:latin typeface="Alien Encounters Solid" pitchFamily="2" charset="0"/>
+              </a:rPr>
+              <a:t>Server Implementation</a:t>
+            </a:r>
+          </a:p>
+        </p:txBody>
+      </p:sp>
+    </p:spTree>
+    <p:extLst>
+      <p:ext uri="{BB962C8B-B14F-4D97-AF65-F5344CB8AC3E}">
+        <p14:creationId xmlns:p14="http://schemas.microsoft.com/office/powerpoint/2010/main" xmlns="" val="2483293559"/>
+      </p:ext>
+    </p:extLst>
+  </p:cSld>
+  <p:clrMapOvr>
+    <a:masterClrMapping/>
+  </p:clrMapOvr>
+</p:sld>
+</file>
+
+<file path=ppt/slides/slide21.xml><?xml version="1.0" encoding="utf-8"?>
+<p:sld xmlns:a="http://schemas.openxmlformats.org/drawingml/2006/main" xmlns:r="http://schemas.openxmlformats.org/officeDocument/2006/relationships" xmlns:p="http://schemas.openxmlformats.org/presentationml/2006/main">
+  <p:cSld>
+    <p:spTree>
+      <p:nvGrpSpPr>
+        <p:cNvPr id="1" name=""/>
+        <p:cNvGrpSpPr/>
+        <p:nvPr/>
+      </p:nvGrpSpPr>
+      <p:grpSpPr>
+        <a:xfrm>
+          <a:off x="0" y="0"/>
+          <a:ext cx="0" cy="0"/>
+          <a:chOff x="0" y="0"/>
+          <a:chExt cx="0" cy="0"/>
+        </a:xfrm>
+      </p:grpSpPr>
+      <p:sp>
+        <p:nvSpPr>
+          <p:cNvPr id="2" name="Content Placeholder 1"/>
+          <p:cNvSpPr>
+            <a:spLocks noGrp="1"/>
+          </p:cNvSpPr>
+          <p:nvPr>
+            <p:ph idx="1"/>
+          </p:nvPr>
+        </p:nvSpPr>
+        <p:spPr/>
+        <p:txBody>
+          <a:bodyPr/>
+          <a:lstStyle/>
+          <a:p>
+            <a:r>
+              <a:rPr lang="en-US" dirty="0" smtClean="0"/>
+              <a:t>Expanding and extending the functionality of the API can be difficult, server can store what available commands exist for a certain device, but the user interface cannot dynamically translate commands into a practical layout </a:t>
+            </a:r>
+          </a:p>
+          <a:p>
+            <a:endParaRPr lang="en-US" dirty="0"/>
+          </a:p>
+        </p:txBody>
+      </p:sp>
+      <p:sp>
+        <p:nvSpPr>
+          <p:cNvPr id="3" name="Title 2"/>
+          <p:cNvSpPr>
+            <a:spLocks noGrp="1"/>
+          </p:cNvSpPr>
+          <p:nvPr>
+            <p:ph type="title"/>
+          </p:nvPr>
+        </p:nvSpPr>
+        <p:spPr/>
+        <p:txBody>
+          <a:bodyPr/>
+          <a:lstStyle/>
+          <a:p>
+            <a:pPr algn="ctr"/>
+            <a:r>
+              <a:rPr lang="en-US" u="sng" dirty="0" smtClean="0">
+                <a:latin typeface="Alien Encounters Solid" pitchFamily="2" charset="0"/>
+              </a:rPr>
+              <a:t>Server Issues</a:t>
+            </a:r>
+            <a:endParaRPr lang="en-US" u="sng" dirty="0">
+              <a:latin typeface="Alien Encounters Solid" pitchFamily="2" charset="0"/>
+            </a:endParaRPr>
+          </a:p>
+        </p:txBody>
+      </p:sp>
+    </p:spTree>
+    <p:extLst>
+      <p:ext uri="{BB962C8B-B14F-4D97-AF65-F5344CB8AC3E}">
+        <p14:creationId xmlns:p14="http://schemas.microsoft.com/office/powerpoint/2010/main" xmlns="" val="162141028"/>
+      </p:ext>
+    </p:extLst>
+  </p:cSld>
+  <p:clrMapOvr>
+    <a:masterClrMapping/>
+  </p:clrMapOvr>
+</p:sld>
+</file>
+
+<file path=ppt/slides/slide22.xml><?xml version="1.0" encoding="utf-8"?>
+<p:sld xmlns:a="http://schemas.openxmlformats.org/drawingml/2006/main" xmlns:r="http://schemas.openxmlformats.org/officeDocument/2006/relationships" xmlns:p="http://schemas.openxmlformats.org/presentationml/2006/main">
+  <p:cSld>
+    <p:spTree>
+      <p:nvGrpSpPr>
+        <p:cNvPr id="1" name=""/>
+        <p:cNvGrpSpPr/>
+        <p:nvPr/>
+      </p:nvGrpSpPr>
+      <p:grpSpPr>
+        <a:xfrm>
+          <a:off x="0" y="0"/>
+          <a:ext cx="0" cy="0"/>
+          <a:chOff x="0" y="0"/>
+          <a:chExt cx="0" cy="0"/>
+        </a:xfrm>
+      </p:grpSpPr>
+      <p:sp>
+        <p:nvSpPr>
+          <p:cNvPr id="2" name="Content Placeholder 1"/>
+          <p:cNvSpPr>
+            <a:spLocks noGrp="1"/>
+          </p:cNvSpPr>
+          <p:nvPr>
+            <p:ph idx="1"/>
+          </p:nvPr>
+        </p:nvSpPr>
+        <p:spPr/>
+        <p:txBody>
+          <a:bodyPr>
+            <a:normAutofit fontScale="92500" lnSpcReduction="20000"/>
+          </a:bodyPr>
+          <a:lstStyle/>
+          <a:p>
+            <a:r>
+              <a:rPr lang="en-US" sz="2800" dirty="0" smtClean="0"/>
+              <a:t>As a team of two it was rather hard to make a large divide in the work. </a:t>
+            </a:r>
+          </a:p>
+          <a:p>
+            <a:r>
+              <a:rPr lang="en-US" sz="2800" dirty="0" smtClean="0"/>
+              <a:t>With two main aspects of this project, hardware that can demo and support RAICHU, as well as software running on the server, devices and control applications. We each took charge of one aspect.</a:t>
+            </a:r>
+          </a:p>
+          <a:p>
+            <a:r>
+              <a:rPr lang="en-US" sz="2800" dirty="0" smtClean="0"/>
+              <a:t>Thomas ran software development while Ben was in charge of hardware.</a:t>
+            </a:r>
+          </a:p>
+          <a:p>
+            <a:r>
+              <a:rPr lang="en-US" sz="2800" dirty="0" smtClean="0"/>
+              <a:t>It should also be noted that as a small team, no one area of this project was completed alone. It took careful planning and execution by all members to create a working system.</a:t>
+            </a:r>
+            <a:endParaRPr lang="en-US" dirty="0" smtClean="0"/>
+          </a:p>
+          <a:p>
+            <a:endParaRPr lang="en-US" sz="2800" dirty="0" smtClean="0"/>
+          </a:p>
+        </p:txBody>
+      </p:sp>
+      <p:sp>
+        <p:nvSpPr>
+          <p:cNvPr id="3" name="Title 2"/>
+          <p:cNvSpPr>
+            <a:spLocks noGrp="1"/>
+          </p:cNvSpPr>
+          <p:nvPr>
+            <p:ph type="title"/>
+          </p:nvPr>
+        </p:nvSpPr>
+        <p:spPr/>
+        <p:txBody>
+          <a:bodyPr/>
+          <a:lstStyle/>
+          <a:p>
+            <a:pPr algn="ctr"/>
+            <a:r>
+              <a:rPr lang="en-US" b="0" u="sng" dirty="0" smtClean="0">
+                <a:latin typeface="Alien Encounters Solid" pitchFamily="2" charset="0"/>
+              </a:rPr>
+              <a:t>Team Dynamic</a:t>
+            </a:r>
+            <a:endParaRPr lang="en-US" b="0" dirty="0">
+              <a:latin typeface="Lucida Console" pitchFamily="49" charset="0"/>
+            </a:endParaRPr>
+          </a:p>
+        </p:txBody>
+      </p:sp>
+    </p:spTree>
+  </p:cSld>
+  <p:clrMapOvr>
+    <a:masterClrMapping/>
+  </p:clrMapOvr>
+  <p:timing>
+    <p:tnLst>
+      <p:par>
+        <p:cTn id="1" dur="indefinite" restart="never" nodeType="tmRoot"/>
+      </p:par>
+    </p:tnLst>
+  </p:timing>
+</p:sld>
+</file>
+
+<file path=ppt/slides/slide23.xml><?xml version="1.0" encoding="utf-8"?>
+<p:sld xmlns:a="http://schemas.openxmlformats.org/drawingml/2006/main" xmlns:r="http://schemas.openxmlformats.org/officeDocument/2006/relationships" xmlns:p="http://schemas.openxmlformats.org/presentationml/2006/main">
+  <p:cSld>
+    <p:spTree>
+      <p:nvGrpSpPr>
+        <p:cNvPr id="1" name=""/>
+        <p:cNvGrpSpPr/>
+        <p:nvPr/>
+      </p:nvGrpSpPr>
+      <p:grpSpPr>
+        <a:xfrm>
+          <a:off x="0" y="0"/>
+          <a:ext cx="0" cy="0"/>
+          <a:chOff x="0" y="0"/>
+          <a:chExt cx="0" cy="0"/>
+        </a:xfrm>
+      </p:grpSpPr>
+      <p:sp>
+        <p:nvSpPr>
+          <p:cNvPr id="2" name="Content Placeholder 1"/>
+          <p:cNvSpPr>
+            <a:spLocks noGrp="1"/>
+          </p:cNvSpPr>
+          <p:nvPr>
+            <p:ph idx="1"/>
+          </p:nvPr>
+        </p:nvSpPr>
         <p:spPr>
           <a:xfrm>
             <a:off x="4495800" y="1481328"/>
@@ -5350,7 +6551,9 @@
         </p:nvSpPr>
         <p:spPr/>
         <p:txBody>
-          <a:bodyPr/>
+          <a:bodyPr>
+            <a:normAutofit/>
+          </a:bodyPr>
           <a:lstStyle/>
           <a:p>
             <a:pPr algn="ctr"/>
@@ -5361,10 +6564,10 @@
               <a:t>Individual </a:t>
             </a:r>
             <a:r>
-              <a:rPr lang="en-US" b="0" u="sng" dirty="0" err="1" smtClean="0">
+              <a:rPr lang="en-US" b="0" u="sng" dirty="0" smtClean="0">
                 <a:latin typeface="Alien Encounters Solid" pitchFamily="2" charset="0"/>
               </a:rPr>
-              <a:t>responisbilities</a:t>
+              <a:t>responsibilities</a:t>
             </a:r>
             <a:endParaRPr lang="en-US" b="0" dirty="0">
               <a:latin typeface="Lucida Console" pitchFamily="49" charset="0"/>
@@ -5688,7 +6891,7 @@
 </p:sld>
 </file>
 
-<file path=ppt/slides/slide14.xml><?xml version="1.0" encoding="utf-8"?>
+<file path=ppt/slides/slide24.xml><?xml version="1.0" encoding="utf-8"?>
 <p:sld xmlns:a="http://schemas.openxmlformats.org/drawingml/2006/main" xmlns:r="http://schemas.openxmlformats.org/officeDocument/2006/relationships" xmlns:p="http://schemas.openxmlformats.org/presentationml/2006/main">
   <p:cSld>
     <p:spTree>
@@ -5717,77 +6920,91 @@
         </p:nvSpPr>
         <p:spPr/>
         <p:txBody>
-          <a:bodyPr>
-            <a:normAutofit fontScale="85000" lnSpcReduction="10000"/>
-          </a:bodyPr>
-          <a:lstStyle/>
-          <a:p>
-            <a:r>
-              <a:rPr lang="en-US" sz="2800" dirty="0" smtClean="0"/>
-              <a:t>The RAICHU framework and API will be an ever evolving project that will work to best fit developers needs. One of the initial goals set fourth by the RAICHU team was to create a system in which developers would want to use and want to improve. At its current state, there are many shortcomings as well as many strengths. These can all be leveraged to help advance RAICHU and get it in more in more devices.</a:t>
-            </a:r>
-          </a:p>
-          <a:p>
-            <a:r>
-              <a:rPr lang="en-US" sz="2800" dirty="0" smtClean="0"/>
-              <a:t>The RAICHU team encourages feedback, both positive and negative that can help make this architecture easier to use, more reliable, and more secure.</a:t>
-            </a:r>
-          </a:p>
-          <a:p>
-            <a:endParaRPr lang="en-US" sz="2800" dirty="0" smtClean="0"/>
-          </a:p>
-          <a:p>
-            <a:pPr>
-              <a:buNone/>
-            </a:pPr>
-            <a:endParaRPr lang="en-US" sz="2800" dirty="0" smtClean="0"/>
-          </a:p>
-        </p:txBody>
-      </p:sp>
-      <p:sp>
-        <p:nvSpPr>
-          <p:cNvPr id="3" name="Title 2"/>
-          <p:cNvSpPr>
-            <a:spLocks noGrp="1"/>
-          </p:cNvSpPr>
-          <p:nvPr>
-            <p:ph type="title"/>
-          </p:nvPr>
-        </p:nvSpPr>
-        <p:spPr/>
-        <p:txBody>
           <a:bodyPr/>
           <a:lstStyle/>
           <a:p>
+            <a:r>
+              <a:rPr lang="en-US" dirty="0" err="1" smtClean="0"/>
+              <a:t>Git</a:t>
+            </a:r>
+            <a:endParaRPr lang="en-US" dirty="0"/>
+          </a:p>
+          <a:p>
+            <a:r>
+              <a:rPr lang="en-US" dirty="0" smtClean="0"/>
+              <a:t>Sublime Text</a:t>
+            </a:r>
+          </a:p>
+          <a:p>
+            <a:r>
+              <a:rPr lang="en-US" dirty="0" smtClean="0"/>
+              <a:t>Eclipse</a:t>
+            </a:r>
+          </a:p>
+          <a:p>
+            <a:r>
+              <a:rPr lang="en-US" dirty="0" smtClean="0"/>
+              <a:t>Clang</a:t>
+            </a:r>
+          </a:p>
+          <a:p>
+            <a:r>
+              <a:rPr lang="en-US" smtClean="0"/>
+              <a:t>Sequel Pro</a:t>
+            </a:r>
+            <a:endParaRPr lang="en-US" dirty="0" smtClean="0"/>
+          </a:p>
+          <a:p>
+            <a:r>
+              <a:rPr lang="en-US" dirty="0" smtClean="0"/>
+              <a:t>Custom tool to simulate multiple devices and clients to connect to server</a:t>
+            </a:r>
+            <a:endParaRPr lang="en-US" dirty="0"/>
+          </a:p>
+        </p:txBody>
+      </p:sp>
+      <p:sp>
+        <p:nvSpPr>
+          <p:cNvPr id="3" name="Title 2"/>
+          <p:cNvSpPr>
+            <a:spLocks noGrp="1"/>
+          </p:cNvSpPr>
+          <p:nvPr>
+            <p:ph type="title"/>
+          </p:nvPr>
+        </p:nvSpPr>
+        <p:spPr/>
+        <p:txBody>
+          <a:bodyPr/>
+          <a:lstStyle/>
+          <a:p>
             <a:pPr algn="ctr"/>
             <a:r>
-              <a:rPr lang="en-US" b="0" u="sng" dirty="0" smtClean="0">
+              <a:rPr lang="en-US" u="sng" dirty="0" smtClean="0">
                 <a:latin typeface="Alien Encounters Solid" pitchFamily="2" charset="0"/>
               </a:rPr>
-              <a:t>Future work</a:t>
-            </a:r>
-            <a:endParaRPr lang="en-US" b="0" dirty="0">
-              <a:latin typeface="Lucida Console" pitchFamily="49" charset="0"/>
+              <a:t>Tools Used</a:t>
+            </a:r>
+            <a:endParaRPr lang="en-US" u="sng" dirty="0">
+              <a:latin typeface="Alien Encounters Solid" pitchFamily="2" charset="0"/>
             </a:endParaRPr>
           </a:p>
         </p:txBody>
       </p:sp>
     </p:spTree>
+    <p:extLst>
+      <p:ext uri="{BB962C8B-B14F-4D97-AF65-F5344CB8AC3E}">
+        <p14:creationId xmlns:p14="http://schemas.microsoft.com/office/powerpoint/2010/main" xmlns="" val="576457063"/>
+      </p:ext>
+    </p:extLst>
   </p:cSld>
   <p:clrMapOvr>
     <a:masterClrMapping/>
   </p:clrMapOvr>
-  <p:timing>
-    <p:tnLst>
-      <p:par>
-        <p:cTn id="1" dur="indefinite" restart="never" nodeType="tmRoot"/>
-      </p:par>
-    </p:tnLst>
-  </p:timing>
 </p:sld>
 </file>
 
-<file path=ppt/slides/slide2.xml><?xml version="1.0" encoding="utf-8"?>
+<file path=ppt/slides/slide25.xml><?xml version="1.0" encoding="utf-8"?>
 <p:sld xmlns:a="http://schemas.openxmlformats.org/drawingml/2006/main" xmlns:r="http://schemas.openxmlformats.org/officeDocument/2006/relationships" xmlns:p="http://schemas.openxmlformats.org/presentationml/2006/main">
   <p:cSld>
     <p:spTree>
@@ -5817,22 +7034,29 @@
         <p:spPr/>
         <p:txBody>
           <a:bodyPr>
-            <a:normAutofit lnSpcReduction="10000"/>
+            <a:normAutofit fontScale="85000" lnSpcReduction="10000"/>
           </a:bodyPr>
           <a:lstStyle/>
           <a:p>
             <a:r>
               <a:rPr lang="en-US" sz="2800" dirty="0" smtClean="0"/>
-              <a:t>The internet is almost everywhere we go, whether it be via Smartphone, PC or other internet connected devices, we rarely find ourselves more than an arms length away from our next status update, bill payment or shoe purchase. </a:t>
-            </a:r>
-            <a:endParaRPr lang="en-US" dirty="0" smtClean="0"/>
-          </a:p>
-          <a:p>
-            <a:r>
-              <a:rPr lang="en-US" dirty="0" smtClean="0"/>
-              <a:t>Many companies have realized this change in American culture and have capitalized by allowing internet users to control many things that were traditionally not possible over the web.</a:t>
-            </a:r>
-            <a:endParaRPr lang="en-US" dirty="0"/>
+              <a:t>The RAICHU framework and API will be an ever evolving project that will work to best fit developers needs. One of the initial goals set fourth by the RAICHU team was to create a system in which developers would want to use and want to improve. At its current state, there are many shortcomings as well as many strengths. These can all be leveraged to help advance RAICHU and get it in more in more devices.</a:t>
+            </a:r>
+          </a:p>
+          <a:p>
+            <a:r>
+              <a:rPr lang="en-US" sz="2800" dirty="0" smtClean="0"/>
+              <a:t>The RAICHU team encourages feedback, both positive and negative that can help make this architecture easier to use, more reliable, and more secure.</a:t>
+            </a:r>
+          </a:p>
+          <a:p>
+            <a:endParaRPr lang="en-US" sz="2800" dirty="0" smtClean="0"/>
+          </a:p>
+          <a:p>
+            <a:pPr>
+              <a:buNone/>
+            </a:pPr>
+            <a:endParaRPr lang="en-US" sz="2800" dirty="0" smtClean="0"/>
           </a:p>
         </p:txBody>
       </p:sp>
@@ -5856,7 +7080,7 @@
               <a:rPr lang="en-US" b="0" u="sng" dirty="0" smtClean="0">
                 <a:latin typeface="Alien Encounters Solid" pitchFamily="2" charset="0"/>
               </a:rPr>
-              <a:t>The Inspiration</a:t>
+              <a:t>Future work</a:t>
             </a:r>
             <a:endParaRPr lang="en-US" b="0" dirty="0">
               <a:latin typeface="Lucida Console" pitchFamily="49" charset="0"/>
@@ -5898,6 +7122,42 @@
       </p:grpSpPr>
       <p:sp>
         <p:nvSpPr>
+          <p:cNvPr id="2" name="Content Placeholder 1"/>
+          <p:cNvSpPr>
+            <a:spLocks noGrp="1"/>
+          </p:cNvSpPr>
+          <p:nvPr>
+            <p:ph idx="1"/>
+          </p:nvPr>
+        </p:nvSpPr>
+        <p:spPr>
+          <a:xfrm>
+            <a:off x="457200" y="1481328"/>
+            <a:ext cx="4191000" cy="3547871"/>
+          </a:xfrm>
+        </p:spPr>
+        <p:txBody>
+          <a:bodyPr>
+            <a:normAutofit fontScale="92500" lnSpcReduction="20000"/>
+          </a:bodyPr>
+          <a:lstStyle/>
+          <a:p>
+            <a:r>
+              <a:rPr lang="en-US" dirty="0" smtClean="0"/>
+              <a:t>It is now possible to pay bills, watch/rent movies, and even order your groceries. </a:t>
+            </a:r>
+          </a:p>
+          <a:p>
+            <a:r>
+              <a:rPr lang="en-US" dirty="0" smtClean="0"/>
+              <a:t>RAICHU seeks to take this ever growing online community and extend its reaches to places that were also unreachable.</a:t>
+            </a:r>
+            <a:endParaRPr lang="en-US" dirty="0"/>
+          </a:p>
+        </p:txBody>
+      </p:sp>
+      <p:sp>
+        <p:nvSpPr>
           <p:cNvPr id="3" name="Title 2"/>
           <p:cNvSpPr>
             <a:spLocks noGrp="1"/>
@@ -5941,8 +7201,8 @@
         </p:blipFill>
         <p:spPr bwMode="auto">
           <a:xfrm>
-            <a:off x="4953000" y="3581400"/>
-            <a:ext cx="3433763" cy="3044300"/>
+            <a:off x="4572000" y="1752600"/>
+            <a:ext cx="4267200" cy="3783207"/>
           </a:xfrm>
           <a:prstGeom prst="rect">
             <a:avLst/>
@@ -5956,45 +7216,6 @@
           </a:ln>
         </p:spPr>
       </p:pic>
-      <p:sp>
-        <p:nvSpPr>
-          <p:cNvPr id="2" name="Content Placeholder 1"/>
-          <p:cNvSpPr>
-            <a:spLocks noGrp="1"/>
-          </p:cNvSpPr>
-          <p:nvPr>
-            <p:ph idx="1"/>
-          </p:nvPr>
-        </p:nvSpPr>
-        <p:spPr>
-          <a:xfrm>
-            <a:off x="457200" y="1481329"/>
-            <a:ext cx="8229600" cy="1795272"/>
-          </a:xfrm>
-        </p:spPr>
-        <p:txBody>
-          <a:bodyPr>
-            <a:normAutofit fontScale="77500" lnSpcReduction="20000"/>
-          </a:bodyPr>
-          <a:lstStyle/>
-          <a:p>
-            <a:r>
-              <a:rPr lang="en-US" dirty="0" smtClean="0"/>
-              <a:t>It is now possible to pay bills, watch/rent movies, and even order your groceries. </a:t>
-            </a:r>
-          </a:p>
-          <a:p>
-            <a:endParaRPr lang="en-US" dirty="0" smtClean="0"/>
-          </a:p>
-          <a:p>
-            <a:r>
-              <a:rPr lang="en-US" dirty="0" smtClean="0"/>
-              <a:t>RAICHU seeks to take this ever growing online community and extend its reaches to places that were also unreachable.</a:t>
-            </a:r>
-            <a:endParaRPr lang="en-US" dirty="0"/>
-          </a:p>
-        </p:txBody>
-      </p:sp>
       <p:sp>
         <p:nvSpPr>
           <p:cNvPr id="5" name="TextBox 4"/>
@@ -6183,6 +7404,39 @@
           <a:lstStyle/>
           <a:p>
             <a:endParaRPr lang="en-US"/>
+          </a:p>
+        </p:txBody>
+      </p:sp>
+      <p:sp>
+        <p:nvSpPr>
+          <p:cNvPr id="16" name="Title 2"/>
+          <p:cNvSpPr>
+            <a:spLocks noGrp="1"/>
+          </p:cNvSpPr>
+          <p:nvPr>
+            <p:ph type="title"/>
+          </p:nvPr>
+        </p:nvSpPr>
+        <p:spPr>
+          <a:xfrm>
+            <a:off x="457200" y="152400"/>
+            <a:ext cx="8229600" cy="1143000"/>
+          </a:xfrm>
+        </p:spPr>
+        <p:txBody>
+          <a:bodyPr/>
+          <a:lstStyle/>
+          <a:p>
+            <a:pPr algn="ctr"/>
+            <a:r>
+              <a:rPr lang="en-US" b="0" u="sng" dirty="0" smtClean="0">
+                <a:latin typeface="Alien Encounters Solid" pitchFamily="2" charset="0"/>
+              </a:rPr>
+              <a:t>RAICHU DEVICES</a:t>
+            </a:r>
+            <a:endParaRPr lang="en-US" b="0" dirty="0">
+              <a:latin typeface="Lucida Console" pitchFamily="49" charset="0"/>
+            </a:endParaRPr>
           </a:p>
         </p:txBody>
       </p:sp>
@@ -6394,39 +7648,6 @@
           <a:noFill/>
         </p:spPr>
       </p:pic>
-      <p:sp>
-        <p:nvSpPr>
-          <p:cNvPr id="16" name="Title 2"/>
-          <p:cNvSpPr>
-            <a:spLocks noGrp="1"/>
-          </p:cNvSpPr>
-          <p:nvPr>
-            <p:ph type="title"/>
-          </p:nvPr>
-        </p:nvSpPr>
-        <p:spPr>
-          <a:xfrm>
-            <a:off x="457200" y="152400"/>
-            <a:ext cx="8229600" cy="1143000"/>
-          </a:xfrm>
-        </p:spPr>
-        <p:txBody>
-          <a:bodyPr/>
-          <a:lstStyle/>
-          <a:p>
-            <a:pPr algn="ctr"/>
-            <a:r>
-              <a:rPr lang="en-US" b="0" u="sng" dirty="0" smtClean="0">
-                <a:latin typeface="Alien Encounters Solid" pitchFamily="2" charset="0"/>
-              </a:rPr>
-              <a:t>RAICHU DEVICES</a:t>
-            </a:r>
-            <a:endParaRPr lang="en-US" b="0" dirty="0">
-              <a:latin typeface="Lucida Console" pitchFamily="49" charset="0"/>
-            </a:endParaRPr>
-          </a:p>
-        </p:txBody>
-      </p:sp>
     </p:spTree>
   </p:cSld>
   <p:clrMapOvr>
@@ -6640,157 +7861,6 @@
 </file>
 
 <file path=ppt/slides/slide7.xml><?xml version="1.0" encoding="utf-8"?>
-<p:sld xmlns:a="http://schemas.openxmlformats.org/drawingml/2006/main" xmlns:r="http://schemas.openxmlformats.org/officeDocument/2006/relationships" xmlns:p="http://schemas.openxmlformats.org/presentationml/2006/main">
-  <p:cSld>
-    <p:spTree>
-      <p:nvGrpSpPr>
-        <p:cNvPr id="1" name=""/>
-        <p:cNvGrpSpPr/>
-        <p:nvPr/>
-      </p:nvGrpSpPr>
-      <p:grpSpPr>
-        <a:xfrm>
-          <a:off x="0" y="0"/>
-          <a:ext cx="0" cy="0"/>
-          <a:chOff x="0" y="0"/>
-          <a:chExt cx="0" cy="0"/>
-        </a:xfrm>
-      </p:grpSpPr>
-      <p:sp>
-        <p:nvSpPr>
-          <p:cNvPr id="2" name="Content Placeholder 1"/>
-          <p:cNvSpPr>
-            <a:spLocks noGrp="1"/>
-          </p:cNvSpPr>
-          <p:nvPr>
-            <p:ph idx="1"/>
-          </p:nvPr>
-        </p:nvSpPr>
-        <p:spPr/>
-        <p:txBody>
-          <a:bodyPr>
-            <a:normAutofit fontScale="92500" lnSpcReduction="20000"/>
-          </a:bodyPr>
-          <a:lstStyle/>
-          <a:p>
-            <a:r>
-              <a:rPr lang="en-US" sz="2800" dirty="0" smtClean="0"/>
-              <a:t>A key aspect to RAICHU is a simple to use API that will allow for developers to integrate our system as either an initial building block in their code or inject into a living code source.</a:t>
-            </a:r>
-          </a:p>
-          <a:p>
-            <a:r>
-              <a:rPr lang="en-US" sz="2800" dirty="0" smtClean="0"/>
-              <a:t>Function naming schemes and common API conventions make the API easy to navigate:</a:t>
-            </a:r>
-          </a:p>
-          <a:p>
-            <a:pPr lvl="1"/>
-            <a:r>
-              <a:rPr lang="en-US" sz="2400" dirty="0" err="1" smtClean="0"/>
-              <a:t>Raichu_setDeviceName</a:t>
-            </a:r>
-            <a:r>
-              <a:rPr lang="en-US" sz="2400" dirty="0" smtClean="0"/>
-              <a:t>();</a:t>
-            </a:r>
-          </a:p>
-          <a:p>
-            <a:pPr lvl="1"/>
-            <a:r>
-              <a:rPr lang="en-US" sz="2400" dirty="0" err="1" smtClean="0"/>
-              <a:t>Raichu_setDeviceCommands</a:t>
-            </a:r>
-            <a:r>
-              <a:rPr lang="en-US" sz="2400" dirty="0" smtClean="0"/>
-              <a:t>();</a:t>
-            </a:r>
-          </a:p>
-          <a:p>
-            <a:pPr lvl="1"/>
-            <a:r>
-              <a:rPr lang="en-US" sz="2400" dirty="0" err="1" smtClean="0"/>
-              <a:t>Riachu_setStatusParameters</a:t>
-            </a:r>
-            <a:r>
-              <a:rPr lang="en-US" sz="2400" dirty="0" smtClean="0"/>
-              <a:t>();</a:t>
-            </a:r>
-          </a:p>
-          <a:p>
-            <a:pPr lvl="1"/>
-            <a:r>
-              <a:rPr lang="en-US" sz="2400" dirty="0" err="1" smtClean="0"/>
-              <a:t>Riachu_getConnectedClient</a:t>
-            </a:r>
-            <a:r>
-              <a:rPr lang="en-US" sz="2400" dirty="0" smtClean="0"/>
-              <a:t>();</a:t>
-            </a:r>
-          </a:p>
-          <a:p>
-            <a:pPr lvl="1"/>
-            <a:r>
-              <a:rPr lang="en-US" sz="2400" dirty="0" err="1" smtClean="0"/>
-              <a:t>Riachu_getServerStatus</a:t>
-            </a:r>
-            <a:r>
-              <a:rPr lang="en-US" sz="2400" dirty="0" smtClean="0"/>
-              <a:t>();</a:t>
-            </a:r>
-          </a:p>
-          <a:p>
-            <a:r>
-              <a:rPr lang="en-US" sz="2800" dirty="0" smtClean="0"/>
-              <a:t>API documentation provides users with detailed information on RAICHU methods and variables.</a:t>
-            </a:r>
-          </a:p>
-        </p:txBody>
-      </p:sp>
-      <p:sp>
-        <p:nvSpPr>
-          <p:cNvPr id="3" name="Title 2"/>
-          <p:cNvSpPr>
-            <a:spLocks noGrp="1"/>
-          </p:cNvSpPr>
-          <p:nvPr>
-            <p:ph type="title"/>
-          </p:nvPr>
-        </p:nvSpPr>
-        <p:spPr/>
-        <p:txBody>
-          <a:bodyPr/>
-          <a:lstStyle/>
-          <a:p>
-            <a:pPr algn="ctr"/>
-            <a:r>
-              <a:rPr lang="en-US" b="0" u="sng" dirty="0" smtClean="0">
-                <a:latin typeface="Alien Encounters Solid" pitchFamily="2" charset="0"/>
-              </a:rPr>
-              <a:t>The RAICHU API</a:t>
-            </a:r>
-            <a:endParaRPr lang="en-US" b="0" dirty="0">
-              <a:latin typeface="Lucida Console" pitchFamily="49" charset="0"/>
-            </a:endParaRPr>
-          </a:p>
-        </p:txBody>
-      </p:sp>
-    </p:spTree>
-  </p:cSld>
-  <p:clrMapOvr>
-    <a:masterClrMapping/>
-  </p:clrMapOvr>
-  <p:timing>
-    <p:tnLst>
-      <p:par>
-        <p:cTn id="1" dur="indefinite" restart="never" nodeType="tmRoot"/>
-      </p:par>
-    </p:tnLst>
-  </p:timing>
-</p:sld>
-</file>
-
-<file path=ppt/slides/slide8.xml><?xml version="1.0" encoding="utf-8"?>
 <p:sld xmlns:a="http://schemas.openxmlformats.org/drawingml/2006/main" xmlns:r="http://schemas.openxmlformats.org/officeDocument/2006/relationships" xmlns:p="http://schemas.openxmlformats.org/presentationml/2006/main">
   <p:cSld>
     <p:spTree>
@@ -6920,7 +7990,7 @@
 </p:sld>
 </file>
 
-<file path=ppt/slides/slide9.xml><?xml version="1.0" encoding="utf-8"?>
+<file path=ppt/slides/slide8.xml><?xml version="1.0" encoding="utf-8"?>
 <p:sld xmlns:a="http://schemas.openxmlformats.org/drawingml/2006/main" xmlns:r="http://schemas.openxmlformats.org/officeDocument/2006/relationships" xmlns:p="http://schemas.openxmlformats.org/presentationml/2006/main">
   <p:cSld>
     <p:spTree>
@@ -6999,63 +8069,6 @@
           </a:ln>
         </p:spPr>
       </p:pic>
-      <p:sp>
-        <p:nvSpPr>
-          <p:cNvPr id="2" name="Content Placeholder 1"/>
-          <p:cNvSpPr>
-            <a:spLocks noGrp="1"/>
-          </p:cNvSpPr>
-          <p:nvPr>
-            <p:ph idx="1"/>
-          </p:nvPr>
-        </p:nvSpPr>
-        <p:spPr>
-          <a:xfrm>
-            <a:off x="457200" y="2286000"/>
-            <a:ext cx="4648200" cy="3721291"/>
-          </a:xfrm>
-        </p:spPr>
-        <p:txBody>
-          <a:bodyPr>
-            <a:normAutofit fontScale="85000" lnSpcReduction="10000"/>
-          </a:bodyPr>
-          <a:lstStyle/>
-          <a:p>
-            <a:r>
-              <a:rPr lang="en-US" sz="2800" dirty="0" smtClean="0"/>
-              <a:t>User interaction is fast and simple</a:t>
-            </a:r>
-          </a:p>
-          <a:p>
-            <a:pPr lvl="1"/>
-            <a:r>
-              <a:rPr lang="en-US" sz="2400" dirty="0" smtClean="0"/>
-              <a:t>Upon login, available devices are presented to the user.</a:t>
-            </a:r>
-          </a:p>
-          <a:p>
-            <a:pPr lvl="1"/>
-            <a:r>
-              <a:rPr lang="en-US" sz="2400" dirty="0" smtClean="0"/>
-              <a:t>Once device(s) are selected, available device controls and device state are relayed to client.</a:t>
-            </a:r>
-          </a:p>
-          <a:p>
-            <a:pPr lvl="1"/>
-            <a:r>
-              <a:rPr lang="en-US" sz="2400" dirty="0" smtClean="0"/>
-              <a:t>User interaction occurs</a:t>
-            </a:r>
-          </a:p>
-          <a:p>
-            <a:pPr lvl="1"/>
-            <a:r>
-              <a:rPr lang="en-US" sz="2400" dirty="0" smtClean="0"/>
-              <a:t>Upon user logout, devices are returned to ready-device pool.</a:t>
-            </a:r>
-          </a:p>
-        </p:txBody>
-      </p:sp>
       <p:pic>
         <p:nvPicPr>
           <p:cNvPr id="1028" name="Picture 4"/>
@@ -7088,6 +8101,180 @@
           </a:ln>
         </p:spPr>
       </p:pic>
+      <p:sp>
+        <p:nvSpPr>
+          <p:cNvPr id="2" name="Content Placeholder 1"/>
+          <p:cNvSpPr>
+            <a:spLocks noGrp="1"/>
+          </p:cNvSpPr>
+          <p:nvPr>
+            <p:ph idx="1"/>
+          </p:nvPr>
+        </p:nvSpPr>
+        <p:spPr>
+          <a:xfrm>
+            <a:off x="457200" y="2286000"/>
+            <a:ext cx="4648200" cy="3721291"/>
+          </a:xfrm>
+        </p:spPr>
+        <p:txBody>
+          <a:bodyPr>
+            <a:normAutofit fontScale="85000" lnSpcReduction="10000"/>
+          </a:bodyPr>
+          <a:lstStyle/>
+          <a:p>
+            <a:r>
+              <a:rPr lang="en-US" sz="2800" dirty="0" smtClean="0"/>
+              <a:t>User interaction is fast and simple</a:t>
+            </a:r>
+          </a:p>
+          <a:p>
+            <a:pPr lvl="1"/>
+            <a:r>
+              <a:rPr lang="en-US" sz="2400" dirty="0" smtClean="0"/>
+              <a:t>Upon login, available devices are presented to the user.</a:t>
+            </a:r>
+          </a:p>
+          <a:p>
+            <a:pPr lvl="1"/>
+            <a:r>
+              <a:rPr lang="en-US" sz="2400" dirty="0" smtClean="0"/>
+              <a:t>Once device(s) are selected, available device controls and device state are relayed to client.</a:t>
+            </a:r>
+          </a:p>
+          <a:p>
+            <a:pPr lvl="1"/>
+            <a:r>
+              <a:rPr lang="en-US" sz="2400" dirty="0" smtClean="0"/>
+              <a:t>User interaction occurs</a:t>
+            </a:r>
+          </a:p>
+          <a:p>
+            <a:pPr lvl="1"/>
+            <a:r>
+              <a:rPr lang="en-US" sz="2400" dirty="0" smtClean="0"/>
+              <a:t>Upon user logout, devices are returned to ready-device pool.</a:t>
+            </a:r>
+          </a:p>
+        </p:txBody>
+      </p:sp>
+    </p:spTree>
+  </p:cSld>
+  <p:clrMapOvr>
+    <a:masterClrMapping/>
+  </p:clrMapOvr>
+  <p:timing>
+    <p:tnLst>
+      <p:par>
+        <p:cTn id="1" dur="indefinite" restart="never" nodeType="tmRoot"/>
+      </p:par>
+    </p:tnLst>
+  </p:timing>
+</p:sld>
+</file>
+
+<file path=ppt/slides/slide9.xml><?xml version="1.0" encoding="utf-8"?>
+<p:sld xmlns:a="http://schemas.openxmlformats.org/drawingml/2006/main" xmlns:r="http://schemas.openxmlformats.org/officeDocument/2006/relationships" xmlns:p="http://schemas.openxmlformats.org/presentationml/2006/main">
+  <p:cSld>
+    <p:spTree>
+      <p:nvGrpSpPr>
+        <p:cNvPr id="1" name=""/>
+        <p:cNvGrpSpPr/>
+        <p:nvPr/>
+      </p:nvGrpSpPr>
+      <p:grpSpPr>
+        <a:xfrm>
+          <a:off x="0" y="0"/>
+          <a:ext cx="0" cy="0"/>
+          <a:chOff x="0" y="0"/>
+          <a:chExt cx="0" cy="0"/>
+        </a:xfrm>
+      </p:grpSpPr>
+      <p:sp>
+        <p:nvSpPr>
+          <p:cNvPr id="2" name="Content Placeholder 1"/>
+          <p:cNvSpPr>
+            <a:spLocks noGrp="1"/>
+          </p:cNvSpPr>
+          <p:nvPr>
+            <p:ph idx="1"/>
+          </p:nvPr>
+        </p:nvSpPr>
+        <p:spPr/>
+        <p:txBody>
+          <a:bodyPr>
+            <a:normAutofit/>
+          </a:bodyPr>
+          <a:lstStyle/>
+          <a:p>
+            <a:r>
+              <a:rPr lang="en-US" sz="2800" dirty="0" smtClean="0"/>
+              <a:t>To demo the RAICHU servers capabilities the team has come up with several hardware implementations that can show the diversity of the system.</a:t>
+            </a:r>
+          </a:p>
+          <a:p>
+            <a:pPr lvl="1"/>
+            <a:r>
+              <a:rPr lang="en-US" sz="2400" dirty="0" smtClean="0"/>
+              <a:t>RC car</a:t>
+            </a:r>
+          </a:p>
+          <a:p>
+            <a:pPr lvl="1"/>
+            <a:r>
+              <a:rPr lang="en-US" sz="2400" dirty="0" smtClean="0"/>
+              <a:t>Power bank</a:t>
+            </a:r>
+          </a:p>
+          <a:p>
+            <a:pPr lvl="1"/>
+            <a:r>
+              <a:rPr lang="en-US" sz="2400" dirty="0" smtClean="0"/>
+              <a:t>Mp3 player</a:t>
+            </a:r>
+          </a:p>
+          <a:p>
+            <a:pPr>
+              <a:buNone/>
+            </a:pPr>
+            <a:endParaRPr lang="en-US" sz="2800" dirty="0" smtClean="0"/>
+          </a:p>
+          <a:p>
+            <a:pPr>
+              <a:buNone/>
+            </a:pPr>
+            <a:endParaRPr lang="en-US" sz="2800" dirty="0" smtClean="0"/>
+          </a:p>
+        </p:txBody>
+      </p:sp>
+      <p:sp>
+        <p:nvSpPr>
+          <p:cNvPr id="3" name="Title 2"/>
+          <p:cNvSpPr>
+            <a:spLocks noGrp="1"/>
+          </p:cNvSpPr>
+          <p:nvPr>
+            <p:ph type="title"/>
+          </p:nvPr>
+        </p:nvSpPr>
+        <p:spPr/>
+        <p:txBody>
+          <a:bodyPr/>
+          <a:lstStyle/>
+          <a:p>
+            <a:pPr algn="ctr"/>
+            <a:r>
+              <a:rPr lang="en-US" b="0" u="sng" dirty="0" smtClean="0">
+                <a:latin typeface="Alien Encounters Solid" pitchFamily="2" charset="0"/>
+              </a:rPr>
+              <a:t>Hardware Applications</a:t>
+            </a:r>
+            <a:endParaRPr lang="en-US" b="0" dirty="0">
+              <a:latin typeface="Lucida Console" pitchFamily="49" charset="0"/>
+            </a:endParaRPr>
+          </a:p>
+        </p:txBody>
+      </p:sp>
     </p:spTree>
   </p:cSld>
   <p:clrMapOvr>
@@ -7212,34 +8399,80 @@
         <a:font script="Uigh" typeface="Microsoft Uighur"/>
       </a:minorFont>
     </a:fontScheme>
-    <a:fmtScheme name="Median">
+    <a:fmtScheme name="Concourse">
       <a:fillStyleLst>
         <a:solidFill>
           <a:schemeClr val="phClr"/>
         </a:solidFill>
-        <a:solidFill>
-          <a:schemeClr val="phClr">
-            <a:tint val="50000"/>
-          </a:schemeClr>
-        </a:solidFill>
-        <a:solidFill>
-          <a:schemeClr val="phClr"/>
-        </a:solidFill>
+        <a:gradFill rotWithShape="1">
+          <a:gsLst>
+            <a:gs pos="0">
+              <a:schemeClr val="phClr">
+                <a:tint val="62000"/>
+                <a:satMod val="180000"/>
+              </a:schemeClr>
+            </a:gs>
+            <a:gs pos="65000">
+              <a:schemeClr val="phClr">
+                <a:tint val="32000"/>
+                <a:satMod val="250000"/>
+              </a:schemeClr>
+            </a:gs>
+            <a:gs pos="100000">
+              <a:schemeClr val="phClr">
+                <a:tint val="23000"/>
+                <a:satMod val="300000"/>
+              </a:schemeClr>
+            </a:gs>
+          </a:gsLst>
+          <a:lin ang="16200000" scaled="0"/>
+        </a:gradFill>
+        <a:gradFill rotWithShape="1">
+          <a:gsLst>
+            <a:gs pos="0">
+              <a:schemeClr val="phClr">
+                <a:shade val="15000"/>
+                <a:satMod val="180000"/>
+              </a:schemeClr>
+            </a:gs>
+            <a:gs pos="50000">
+              <a:schemeClr val="phClr">
+                <a:shade val="45000"/>
+                <a:satMod val="170000"/>
+              </a:schemeClr>
+            </a:gs>
+            <a:gs pos="70000">
+              <a:schemeClr val="phClr">
+                <a:tint val="99000"/>
+                <a:shade val="65000"/>
+                <a:satMod val="155000"/>
+              </a:schemeClr>
+            </a:gs>
+            <a:gs pos="100000">
+              <a:schemeClr val="phClr">
+                <a:tint val="95500"/>
+                <a:shade val="100000"/>
+                <a:satMod val="155000"/>
+              </a:schemeClr>
+            </a:gs>
+          </a:gsLst>
+          <a:lin ang="16200000" scaled="0"/>
+        </a:gradFill>
       </a:fillStyleLst>
       <a:lnStyleLst>
-        <a:ln w="10000" cap="flat" cmpd="sng" algn="ctr">
+        <a:ln w="9525" cap="flat" cmpd="sng" algn="ctr">
           <a:solidFill>
             <a:schemeClr val="phClr"/>
           </a:solidFill>
           <a:prstDash val="solid"/>
         </a:ln>
-        <a:ln w="19050" cap="flat" cmpd="sng" algn="ctr">
+        <a:ln w="55000" cap="flat" cmpd="thickThin" algn="ctr">
           <a:solidFill>
             <a:schemeClr val="phClr"/>
           </a:solidFill>
           <a:prstDash val="solid"/>
         </a:ln>
-        <a:ln w="47625" cap="flat" cmpd="dbl" algn="ctr">
+        <a:ln w="63500" cap="flat" cmpd="thickThin" algn="ctr">
           <a:solidFill>
             <a:schemeClr val="phClr"/>
           </a:solidFill>
@@ -7249,42 +8482,44 @@
       <a:effectStyleLst>
         <a:effectStyle>
           <a:effectLst>
-            <a:outerShdw blurRad="38100" dist="30000" dir="5400000" rotWithShape="0">
+            <a:outerShdw blurRad="50800" dist="38100" dir="5400000" rotWithShape="0">
               <a:srgbClr val="000000">
-                <a:alpha val="45000"/>
+                <a:alpha val="35000"/>
               </a:srgbClr>
             </a:outerShdw>
           </a:effectLst>
         </a:effectStyle>
         <a:effectStyle>
           <a:effectLst>
-            <a:outerShdw blurRad="38100" dist="30000" dir="5400000" rotWithShape="0">
+            <a:outerShdw blurRad="50800" dist="38100" dir="5400000" rotWithShape="0">
               <a:srgbClr val="000000">
-                <a:alpha val="45000"/>
+                <a:alpha val="35000"/>
               </a:srgbClr>
             </a:outerShdw>
           </a:effectLst>
         </a:effectStyle>
         <a:effectStyle>
           <a:effectLst>
-            <a:outerShdw blurRad="38100" dist="25400" dir="5400000" rotWithShape="0">
+            <a:outerShdw blurRad="63500" dist="38100" dir="5400000" rotWithShape="0">
               <a:srgbClr val="000000">
-                <a:alpha val="35000"/>
+                <a:alpha val="45000"/>
               </a:srgbClr>
             </a:outerShdw>
           </a:effectLst>
           <a:scene3d>
-            <a:camera prst="isometricTopDown" fov="0">
+            <a:camera prst="orthographicFront" fov="0">
               <a:rot lat="0" lon="0" rev="0"/>
             </a:camera>
-            <a:lightRig rig="balanced" dir="t">
-              <a:rot lat="0" lon="0" rev="13800000"/>
+            <a:lightRig rig="glow" dir="t">
+              <a:rot lat="0" lon="0" rev="6360000"/>
             </a:lightRig>
           </a:scene3d>
-          <a:sp3d extrusionH="12700" prstMaterial="plastic">
-            <a:bevelT w="38100" h="25400" prst="softRound"/>
+          <a:sp3d contourW="1000" prstMaterial="flat">
+            <a:bevelT w="95250" h="101600"/>
             <a:contourClr>
-              <a:schemeClr val="phClr"/>
+              <a:schemeClr val="phClr">
+                <a:satMod val="300000"/>
+              </a:schemeClr>
             </a:contourClr>
           </a:sp3d>
         </a:effectStyle>
